--- a/docs/RPi_Garden_2018.pptx
+++ b/docs/RPi_Garden_2018.pptx
@@ -5,9 +5,10 @@
     <p:sldMasterId id="2147483648" r:id="rId1"/>
   </p:sldMasterIdLst>
   <p:sldIdLst>
-    <p:sldId id="256" r:id="rId2"/>
-    <p:sldId id="257" r:id="rId3"/>
-    <p:sldId id="258" r:id="rId4"/>
+    <p:sldId id="260" r:id="rId2"/>
+    <p:sldId id="256" r:id="rId3"/>
+    <p:sldId id="257" r:id="rId4"/>
+    <p:sldId id="258" r:id="rId5"/>
   </p:sldIdLst>
   <p:sldSz cx="12192000" cy="6858000"/>
   <p:notesSz cx="6858000" cy="9144000"/>
@@ -261,7 +262,7 @@
           <a:p>
             <a:fld id="{E4B4D9E1-CF1C-43A9-A41C-5B72779BD220}" type="datetimeFigureOut">
               <a:rPr lang="de-DE" smtClean="0"/>
-              <a:t>22.04.2019</a:t>
+              <a:t>11.05.2022</a:t>
             </a:fld>
             <a:endParaRPr lang="de-DE"/>
           </a:p>
@@ -459,7 +460,7 @@
           <a:p>
             <a:fld id="{E4B4D9E1-CF1C-43A9-A41C-5B72779BD220}" type="datetimeFigureOut">
               <a:rPr lang="de-DE" smtClean="0"/>
-              <a:t>22.04.2019</a:t>
+              <a:t>11.05.2022</a:t>
             </a:fld>
             <a:endParaRPr lang="de-DE"/>
           </a:p>
@@ -667,7 +668,7 @@
           <a:p>
             <a:fld id="{E4B4D9E1-CF1C-43A9-A41C-5B72779BD220}" type="datetimeFigureOut">
               <a:rPr lang="de-DE" smtClean="0"/>
-              <a:t>22.04.2019</a:t>
+              <a:t>11.05.2022</a:t>
             </a:fld>
             <a:endParaRPr lang="de-DE"/>
           </a:p>
@@ -865,7 +866,7 @@
           <a:p>
             <a:fld id="{E4B4D9E1-CF1C-43A9-A41C-5B72779BD220}" type="datetimeFigureOut">
               <a:rPr lang="de-DE" smtClean="0"/>
-              <a:t>22.04.2019</a:t>
+              <a:t>11.05.2022</a:t>
             </a:fld>
             <a:endParaRPr lang="de-DE"/>
           </a:p>
@@ -1140,7 +1141,7 @@
           <a:p>
             <a:fld id="{E4B4D9E1-CF1C-43A9-A41C-5B72779BD220}" type="datetimeFigureOut">
               <a:rPr lang="de-DE" smtClean="0"/>
-              <a:t>22.04.2019</a:t>
+              <a:t>11.05.2022</a:t>
             </a:fld>
             <a:endParaRPr lang="de-DE"/>
           </a:p>
@@ -1405,7 +1406,7 @@
           <a:p>
             <a:fld id="{E4B4D9E1-CF1C-43A9-A41C-5B72779BD220}" type="datetimeFigureOut">
               <a:rPr lang="de-DE" smtClean="0"/>
-              <a:t>22.04.2019</a:t>
+              <a:t>11.05.2022</a:t>
             </a:fld>
             <a:endParaRPr lang="de-DE"/>
           </a:p>
@@ -1817,7 +1818,7 @@
           <a:p>
             <a:fld id="{E4B4D9E1-CF1C-43A9-A41C-5B72779BD220}" type="datetimeFigureOut">
               <a:rPr lang="de-DE" smtClean="0"/>
-              <a:t>22.04.2019</a:t>
+              <a:t>11.05.2022</a:t>
             </a:fld>
             <a:endParaRPr lang="de-DE"/>
           </a:p>
@@ -1958,7 +1959,7 @@
           <a:p>
             <a:fld id="{E4B4D9E1-CF1C-43A9-A41C-5B72779BD220}" type="datetimeFigureOut">
               <a:rPr lang="de-DE" smtClean="0"/>
-              <a:t>22.04.2019</a:t>
+              <a:t>11.05.2022</a:t>
             </a:fld>
             <a:endParaRPr lang="de-DE"/>
           </a:p>
@@ -2071,7 +2072,7 @@
           <a:p>
             <a:fld id="{E4B4D9E1-CF1C-43A9-A41C-5B72779BD220}" type="datetimeFigureOut">
               <a:rPr lang="de-DE" smtClean="0"/>
-              <a:t>22.04.2019</a:t>
+              <a:t>11.05.2022</a:t>
             </a:fld>
             <a:endParaRPr lang="de-DE"/>
           </a:p>
@@ -2382,7 +2383,7 @@
           <a:p>
             <a:fld id="{E4B4D9E1-CF1C-43A9-A41C-5B72779BD220}" type="datetimeFigureOut">
               <a:rPr lang="de-DE" smtClean="0"/>
-              <a:t>22.04.2019</a:t>
+              <a:t>11.05.2022</a:t>
             </a:fld>
             <a:endParaRPr lang="de-DE"/>
           </a:p>
@@ -2670,7 +2671,7 @@
           <a:p>
             <a:fld id="{E4B4D9E1-CF1C-43A9-A41C-5B72779BD220}" type="datetimeFigureOut">
               <a:rPr lang="de-DE" smtClean="0"/>
-              <a:t>22.04.2019</a:t>
+              <a:t>11.05.2022</a:t>
             </a:fld>
             <a:endParaRPr lang="de-DE"/>
           </a:p>
@@ -2911,7 +2912,7 @@
           <a:p>
             <a:fld id="{E4B4D9E1-CF1C-43A9-A41C-5B72779BD220}" type="datetimeFigureOut">
               <a:rPr lang="de-DE" smtClean="0"/>
-              <a:t>22.04.2019</a:t>
+              <a:t>11.05.2022</a:t>
             </a:fld>
             <a:endParaRPr lang="de-DE"/>
           </a:p>
@@ -3328,107 +3329,48 @@
           <a:chExt cx="0" cy="0"/>
         </a:xfrm>
       </p:grpSpPr>
-      <p:cxnSp>
-        <p:nvCxnSpPr>
-          <p:cNvPr id="96" name="Verbinder: gekrümmt 95">
-            <a:extLst>
-              <a:ext uri="{FF2B5EF4-FFF2-40B4-BE49-F238E27FC236}">
-                <a16:creationId xmlns:a16="http://schemas.microsoft.com/office/drawing/2014/main" id="{1DD34B64-CA51-4E32-917C-0DBE622C6A78}"/>
-              </a:ext>
-            </a:extLst>
-          </p:cNvPr>
-          <p:cNvCxnSpPr>
-            <a:cxnSpLocks/>
-            <a:stCxn id="87" idx="1"/>
-            <a:endCxn id="5" idx="2"/>
-          </p:cNvCxnSpPr>
+      <p:pic>
+        <p:nvPicPr>
+          <p:cNvPr id="13" name="Grafik 12">
+            <a:extLst>
+              <a:ext uri="{FF2B5EF4-FFF2-40B4-BE49-F238E27FC236}">
+                <a16:creationId xmlns:a16="http://schemas.microsoft.com/office/drawing/2014/main" id="{24B2171A-EAE7-B011-5EA7-3E61BED73BC8}"/>
+              </a:ext>
+            </a:extLst>
+          </p:cNvPr>
+          <p:cNvPicPr>
+            <a:picLocks noChangeAspect="1"/>
+          </p:cNvPicPr>
           <p:nvPr/>
-        </p:nvCxnSpPr>
-        <p:spPr>
-          <a:xfrm rot="10800000" flipH="1">
-            <a:off x="4990325" y="3951452"/>
-            <a:ext cx="72939" cy="1211132"/>
-          </a:xfrm>
-          <a:prstGeom prst="curvedConnector4">
-            <a:avLst>
-              <a:gd name="adj1" fmla="val -313413"/>
-              <a:gd name="adj2" fmla="val 63429"/>
-            </a:avLst>
-          </a:prstGeom>
-          <a:ln w="28575">
-            <a:solidFill>
-              <a:schemeClr val="accent2"/>
-            </a:solidFill>
-            <a:tailEnd type="triangle"/>
-          </a:ln>
-        </p:spPr>
-        <p:style>
-          <a:lnRef idx="1">
-            <a:schemeClr val="accent1"/>
-          </a:lnRef>
-          <a:fillRef idx="0">
-            <a:schemeClr val="accent1"/>
-          </a:fillRef>
-          <a:effectRef idx="0">
-            <a:schemeClr val="accent1"/>
-          </a:effectRef>
-          <a:fontRef idx="minor">
-            <a:schemeClr val="tx1"/>
-          </a:fontRef>
-        </p:style>
-      </p:cxnSp>
-      <p:cxnSp>
-        <p:nvCxnSpPr>
-          <p:cNvPr id="46" name="Verbinder: gekrümmt 45">
-            <a:extLst>
-              <a:ext uri="{FF2B5EF4-FFF2-40B4-BE49-F238E27FC236}">
-                <a16:creationId xmlns:a16="http://schemas.microsoft.com/office/drawing/2014/main" id="{3BC041FB-5D90-4615-B65C-1966502A1DD7}"/>
-              </a:ext>
-            </a:extLst>
-          </p:cNvPr>
-          <p:cNvCxnSpPr>
-            <a:cxnSpLocks/>
-            <a:stCxn id="5" idx="0"/>
-            <a:endCxn id="7" idx="1"/>
-          </p:cNvCxnSpPr>
-          <p:nvPr/>
-        </p:nvCxnSpPr>
-        <p:spPr>
-          <a:xfrm rot="5400000" flipH="1" flipV="1">
-            <a:off x="5032992" y="2054245"/>
-            <a:ext cx="1276898" cy="1216352"/>
-          </a:xfrm>
-          <a:prstGeom prst="curvedConnector2">
+        </p:nvPicPr>
+        <p:blipFill>
+          <a:blip r:embed="rId2">
+            <a:extLst>
+              <a:ext uri="{28A0092B-C50C-407E-A947-70E740481C1C}">
+                <a14:useLocalDpi xmlns:a14="http://schemas.microsoft.com/office/drawing/2010/main" val="0"/>
+              </a:ext>
+            </a:extLst>
+          </a:blip>
+          <a:stretch>
+            <a:fillRect/>
+          </a:stretch>
+        </p:blipFill>
+        <p:spPr>
+          <a:xfrm>
+            <a:off x="2436448" y="519574"/>
+            <a:ext cx="7719280" cy="6241835"/>
+          </a:xfrm>
+          <a:prstGeom prst="rect">
             <a:avLst/>
           </a:prstGeom>
-          <a:ln w="28575">
-            <a:solidFill>
-              <a:schemeClr val="accent2"/>
-            </a:solidFill>
-            <a:tailEnd type="triangle"/>
-          </a:ln>
-        </p:spPr>
-        <p:style>
-          <a:lnRef idx="1">
-            <a:schemeClr val="accent1"/>
-          </a:lnRef>
-          <a:fillRef idx="0">
-            <a:schemeClr val="accent1"/>
-          </a:fillRef>
-          <a:effectRef idx="0">
-            <a:schemeClr val="accent1"/>
-          </a:effectRef>
-          <a:fontRef idx="minor">
-            <a:schemeClr val="tx1"/>
-          </a:fontRef>
-        </p:style>
-      </p:cxnSp>
-      <p:sp>
-        <p:nvSpPr>
-          <p:cNvPr id="4" name="Rechteck: abgerundete Ecken 3">
-            <a:extLst>
-              <a:ext uri="{FF2B5EF4-FFF2-40B4-BE49-F238E27FC236}">
-                <a16:creationId xmlns:a16="http://schemas.microsoft.com/office/drawing/2014/main" id="{071BCF68-486A-424D-985C-C16254FB561E}"/>
+        </p:spPr>
+      </p:pic>
+      <p:sp>
+        <p:nvSpPr>
+          <p:cNvPr id="54" name="Rechteck 53">
+            <a:extLst>
+              <a:ext uri="{FF2B5EF4-FFF2-40B4-BE49-F238E27FC236}">
+                <a16:creationId xmlns:a16="http://schemas.microsoft.com/office/drawing/2014/main" id="{B07AABEE-B607-4E09-A90F-8C4398825CAB}"/>
               </a:ext>
             </a:extLst>
           </p:cNvPr>
@@ -3437,10 +3379,10 @@
         </p:nvSpPr>
         <p:spPr>
           <a:xfrm>
-            <a:off x="2579725" y="4010362"/>
-            <a:ext cx="924133" cy="650582"/>
-          </a:xfrm>
-          <a:prstGeom prst="roundRect">
+            <a:off x="0" y="0"/>
+            <a:ext cx="12192000" cy="405442"/>
+          </a:xfrm>
+          <a:prstGeom prst="rect">
             <a:avLst/>
           </a:prstGeom>
           <a:solidFill>
@@ -3471,17 +3413,16 @@
           </a:fontRef>
         </p:style>
         <p:txBody>
-          <a:bodyPr lIns="36000" tIns="36000" rIns="36000" bIns="36000" rtlCol="0" anchor="ctr"/>
-          <a:lstStyle/>
-          <a:p>
-            <a:pPr algn="ctr"/>
+          <a:bodyPr lIns="180000" tIns="36000" rIns="36000" bIns="36000" numCol="2" rtlCol="0" anchor="ctr"/>
+          <a:lstStyle/>
+          <a:p>
             <a:r>
               <a:rPr lang="de-DE" sz="1600" dirty="0" err="1">
                 <a:solidFill>
                   <a:schemeClr val="tx1"/>
                 </a:solidFill>
               </a:rPr>
-              <a:t>AboutTo</a:t>
+              <a:t>RaspiGarden</a:t>
             </a:r>
             <a:r>
               <a:rPr lang="de-DE" sz="1600" dirty="0">
@@ -3489,11 +3430,10 @@
                   <a:schemeClr val="tx1"/>
                 </a:solidFill>
               </a:rPr>
-              <a:t>-Rain</a:t>
-            </a:r>
-          </a:p>
-          <a:p>
-            <a:pPr algn="ctr"/>
+              <a:t>	Hardware</a:t>
+            </a:r>
+          </a:p>
+          <a:p>
             <a:endParaRPr lang="de-DE" sz="1600" dirty="0">
               <a:solidFill>
                 <a:schemeClr val="tx1"/>
@@ -3504,10 +3444,10 @@
       </p:sp>
       <p:sp>
         <p:nvSpPr>
-          <p:cNvPr id="5" name="Rechteck: abgerundete Ecken 4">
-            <a:extLst>
-              <a:ext uri="{FF2B5EF4-FFF2-40B4-BE49-F238E27FC236}">
-                <a16:creationId xmlns:a16="http://schemas.microsoft.com/office/drawing/2014/main" id="{13AAE4B0-A8CD-4FE1-94D0-CE45E6B1428B}"/>
+          <p:cNvPr id="14" name="Sprechblase: rechteckig mit abgerundeten Ecken 13">
+            <a:extLst>
+              <a:ext uri="{FF2B5EF4-FFF2-40B4-BE49-F238E27FC236}">
+                <a16:creationId xmlns:a16="http://schemas.microsoft.com/office/drawing/2014/main" id="{58816EE1-C76D-8854-1EE9-16846A44F82F}"/>
               </a:ext>
             </a:extLst>
           </p:cNvPr>
@@ -3516,11 +3456,15 @@
         </p:nvSpPr>
         <p:spPr>
           <a:xfrm>
-            <a:off x="4601198" y="3300870"/>
-            <a:ext cx="924133" cy="650582"/>
-          </a:xfrm>
-          <a:prstGeom prst="roundRect">
-            <a:avLst/>
+            <a:off x="2475597" y="1916430"/>
+            <a:ext cx="990600" cy="480060"/>
+          </a:xfrm>
+          <a:prstGeom prst="wedgeRoundRectCallout">
+            <a:avLst>
+              <a:gd name="adj1" fmla="val 28398"/>
+              <a:gd name="adj2" fmla="val -72420"/>
+              <a:gd name="adj3" fmla="val 16667"/>
+            </a:avLst>
           </a:prstGeom>
           <a:solidFill>
             <a:schemeClr val="bg1">
@@ -3529,7 +3473,7 @@
           </a:solidFill>
           <a:ln>
             <a:solidFill>
-              <a:schemeClr val="tx1"/>
+              <a:srgbClr val="00B0F0"/>
             </a:solidFill>
           </a:ln>
         </p:spPr>
@@ -3555,27 +3499,62 @@
           <a:p>
             <a:pPr algn="ctr"/>
             <a:r>
-              <a:rPr lang="de-DE" sz="1600" dirty="0" err="1">
-                <a:solidFill>
-                  <a:schemeClr val="tx1"/>
-                </a:solidFill>
-              </a:rPr>
-              <a:t>Awake</a:t>
-            </a:r>
-            <a:endParaRPr lang="de-DE" sz="1600" dirty="0">
-              <a:solidFill>
-                <a:schemeClr val="tx1"/>
-              </a:solidFill>
-            </a:endParaRPr>
-          </a:p>
-        </p:txBody>
-      </p:sp>
-      <p:sp>
-        <p:nvSpPr>
-          <p:cNvPr id="6" name="Rechteck: abgerundete Ecken 5">
-            <a:extLst>
-              <a:ext uri="{FF2B5EF4-FFF2-40B4-BE49-F238E27FC236}">
-                <a16:creationId xmlns:a16="http://schemas.microsoft.com/office/drawing/2014/main" id="{6FDFF10F-2B97-461C-ABCF-381DA4B1836D}"/>
+              <a:rPr lang="de-DE" sz="1200" dirty="0" err="1">
+                <a:solidFill>
+                  <a:srgbClr val="00B0F0"/>
+                </a:solidFill>
+              </a:rPr>
+              <a:t>go</a:t>
+            </a:r>
+            <a:r>
+              <a:rPr lang="de-DE" sz="1200" dirty="0">
+                <a:solidFill>
+                  <a:srgbClr val="00B0F0"/>
+                </a:solidFill>
+              </a:rPr>
+              <a:t> </a:t>
+            </a:r>
+            <a:r>
+              <a:rPr lang="de-DE" sz="1200" dirty="0" err="1">
+                <a:solidFill>
+                  <a:srgbClr val="00B0F0"/>
+                </a:solidFill>
+              </a:rPr>
+              <a:t>button</a:t>
+            </a:r>
+            <a:r>
+              <a:rPr lang="de-DE" sz="1200" dirty="0">
+                <a:solidFill>
+                  <a:srgbClr val="00B0F0"/>
+                </a:solidFill>
+              </a:rPr>
+              <a:t> &amp; </a:t>
+            </a:r>
+            <a:r>
+              <a:rPr lang="de-DE" sz="1200" dirty="0" err="1">
+                <a:solidFill>
+                  <a:srgbClr val="00B0F0"/>
+                </a:solidFill>
+              </a:rPr>
+              <a:t>green</a:t>
+            </a:r>
+            <a:r>
+              <a:rPr lang="de-DE" sz="1200" dirty="0">
+                <a:solidFill>
+                  <a:srgbClr val="00B0F0"/>
+                </a:solidFill>
+              </a:rPr>
+              <a:t> LED</a:t>
+            </a:r>
+          </a:p>
+        </p:txBody>
+      </p:sp>
+      <p:sp>
+        <p:nvSpPr>
+          <p:cNvPr id="60" name="Sprechblase: rechteckig mit abgerundeten Ecken 59">
+            <a:extLst>
+              <a:ext uri="{FF2B5EF4-FFF2-40B4-BE49-F238E27FC236}">
+                <a16:creationId xmlns:a16="http://schemas.microsoft.com/office/drawing/2014/main" id="{F47E9341-23B6-FECB-E038-42BFB62B6695}"/>
               </a:ext>
             </a:extLst>
           </p:cNvPr>
@@ -3584,11 +3563,15 @@
         </p:nvSpPr>
         <p:spPr>
           <a:xfrm>
-            <a:off x="4250283" y="962449"/>
-            <a:ext cx="924133" cy="650582"/>
-          </a:xfrm>
-          <a:prstGeom prst="roundRect">
-            <a:avLst/>
+            <a:off x="2522220" y="2845068"/>
+            <a:ext cx="990600" cy="480060"/>
+          </a:xfrm>
+          <a:prstGeom prst="wedgeRoundRectCallout">
+            <a:avLst>
+              <a:gd name="adj1" fmla="val 24552"/>
+              <a:gd name="adj2" fmla="val -86706"/>
+              <a:gd name="adj3" fmla="val 16667"/>
+            </a:avLst>
           </a:prstGeom>
           <a:solidFill>
             <a:schemeClr val="bg1">
@@ -3597,7 +3580,7 @@
           </a:solidFill>
           <a:ln>
             <a:solidFill>
-              <a:schemeClr val="tx1"/>
+              <a:srgbClr val="00B0F0"/>
             </a:solidFill>
           </a:ln>
         </p:spPr>
@@ -3623,27 +3606,54 @@
           <a:p>
             <a:pPr algn="ctr"/>
             <a:r>
-              <a:rPr lang="de-DE" sz="1600" dirty="0" err="1">
-                <a:solidFill>
-                  <a:schemeClr val="tx1"/>
-                </a:solidFill>
-              </a:rPr>
-              <a:t>Asleep</a:t>
-            </a:r>
-            <a:endParaRPr lang="de-DE" sz="1600" dirty="0">
-              <a:solidFill>
-                <a:schemeClr val="tx1"/>
-              </a:solidFill>
-            </a:endParaRPr>
-          </a:p>
-        </p:txBody>
-      </p:sp>
-      <p:sp>
-        <p:nvSpPr>
-          <p:cNvPr id="7" name="Rechteck: abgerundete Ecken 6">
-            <a:extLst>
-              <a:ext uri="{FF2B5EF4-FFF2-40B4-BE49-F238E27FC236}">
-                <a16:creationId xmlns:a16="http://schemas.microsoft.com/office/drawing/2014/main" id="{420201F0-F423-4D79-8339-B8A348DEF35C}"/>
+              <a:rPr lang="de-DE" sz="1200" dirty="0">
+                <a:solidFill>
+                  <a:srgbClr val="00B0F0"/>
+                </a:solidFill>
+              </a:rPr>
+              <a:t>back </a:t>
+            </a:r>
+            <a:r>
+              <a:rPr lang="de-DE" sz="1200" dirty="0" err="1">
+                <a:solidFill>
+                  <a:srgbClr val="00B0F0"/>
+                </a:solidFill>
+              </a:rPr>
+              <a:t>button</a:t>
+            </a:r>
+            <a:r>
+              <a:rPr lang="de-DE" sz="1200" dirty="0">
+                <a:solidFill>
+                  <a:srgbClr val="00B0F0"/>
+                </a:solidFill>
+              </a:rPr>
+              <a:t> &amp; </a:t>
+            </a:r>
+            <a:r>
+              <a:rPr lang="de-DE" sz="1200" dirty="0" err="1">
+                <a:solidFill>
+                  <a:srgbClr val="00B0F0"/>
+                </a:solidFill>
+              </a:rPr>
+              <a:t>red</a:t>
+            </a:r>
+            <a:r>
+              <a:rPr lang="de-DE" sz="1200" dirty="0">
+                <a:solidFill>
+                  <a:srgbClr val="00B0F0"/>
+                </a:solidFill>
+              </a:rPr>
+              <a:t> LED</a:t>
+            </a:r>
+          </a:p>
+        </p:txBody>
+      </p:sp>
+      <p:sp>
+        <p:nvSpPr>
+          <p:cNvPr id="61" name="Sprechblase: rechteckig mit abgerundeten Ecken 60">
+            <a:extLst>
+              <a:ext uri="{FF2B5EF4-FFF2-40B4-BE49-F238E27FC236}">
+                <a16:creationId xmlns:a16="http://schemas.microsoft.com/office/drawing/2014/main" id="{BD02F726-8ECE-F386-4C57-F3DCC23E5286}"/>
               </a:ext>
             </a:extLst>
           </p:cNvPr>
@@ -3652,11 +3662,15 @@
         </p:nvSpPr>
         <p:spPr>
           <a:xfrm>
-            <a:off x="6279617" y="1698681"/>
-            <a:ext cx="924133" cy="650582"/>
-          </a:xfrm>
-          <a:prstGeom prst="roundRect">
-            <a:avLst/>
+            <a:off x="3771900" y="6252210"/>
+            <a:ext cx="883920" cy="326658"/>
+          </a:xfrm>
+          <a:prstGeom prst="wedgeRoundRectCallout">
+            <a:avLst>
+              <a:gd name="adj1" fmla="val 21475"/>
+              <a:gd name="adj2" fmla="val 91072"/>
+              <a:gd name="adj3" fmla="val 16667"/>
+            </a:avLst>
           </a:prstGeom>
           <a:solidFill>
             <a:schemeClr val="bg1">
@@ -3665,7 +3679,7 @@
           </a:solidFill>
           <a:ln>
             <a:solidFill>
-              <a:schemeClr val="tx1"/>
+              <a:srgbClr val="00B0F0"/>
             </a:solidFill>
           </a:ln>
         </p:spPr>
@@ -3691,35 +3705,22 @@
           <a:p>
             <a:pPr algn="ctr"/>
             <a:r>
-              <a:rPr lang="de-DE" sz="1600" dirty="0" err="1">
-                <a:solidFill>
-                  <a:schemeClr val="tx1"/>
-                </a:solidFill>
-              </a:rPr>
-              <a:t>AboutTo-PwrDn</a:t>
-            </a:r>
-            <a:endParaRPr lang="de-DE" sz="1600" dirty="0">
-              <a:solidFill>
-                <a:schemeClr val="tx1"/>
-              </a:solidFill>
-            </a:endParaRPr>
-          </a:p>
-          <a:p>
-            <a:pPr algn="ctr"/>
-            <a:endParaRPr lang="de-DE" sz="1600" dirty="0">
-              <a:solidFill>
-                <a:schemeClr val="tx1"/>
-              </a:solidFill>
-            </a:endParaRPr>
-          </a:p>
-        </p:txBody>
-      </p:sp>
-      <p:sp>
-        <p:nvSpPr>
-          <p:cNvPr id="8" name="Rechteck: abgerundete Ecken 7">
-            <a:extLst>
-              <a:ext uri="{FF2B5EF4-FFF2-40B4-BE49-F238E27FC236}">
-                <a16:creationId xmlns:a16="http://schemas.microsoft.com/office/drawing/2014/main" id="{11CB8592-3ACB-48FF-ABA4-38298B6A1B55}"/>
+              <a:rPr lang="de-DE" sz="1200" dirty="0">
+                <a:solidFill>
+                  <a:srgbClr val="00B0F0"/>
+                </a:solidFill>
+              </a:rPr>
+              <a:t>DHT ext</a:t>
+            </a:r>
+          </a:p>
+        </p:txBody>
+      </p:sp>
+      <p:sp>
+        <p:nvSpPr>
+          <p:cNvPr id="63" name="Sprechblase: rechteckig mit abgerundeten Ecken 62">
+            <a:extLst>
+              <a:ext uri="{FF2B5EF4-FFF2-40B4-BE49-F238E27FC236}">
+                <a16:creationId xmlns:a16="http://schemas.microsoft.com/office/drawing/2014/main" id="{D6F54D4E-5E68-938F-CC03-1C9CB47460CB}"/>
               </a:ext>
             </a:extLst>
           </p:cNvPr>
@@ -3728,11 +3729,15 @@
         </p:nvSpPr>
         <p:spPr>
           <a:xfrm>
-            <a:off x="6824186" y="4335653"/>
-            <a:ext cx="924133" cy="650582"/>
-          </a:xfrm>
-          <a:prstGeom prst="roundRect">
-            <a:avLst/>
+            <a:off x="5166360" y="2156460"/>
+            <a:ext cx="883920" cy="326658"/>
+          </a:xfrm>
+          <a:prstGeom prst="wedgeRoundRectCallout">
+            <a:avLst>
+              <a:gd name="adj1" fmla="val -39732"/>
+              <a:gd name="adj2" fmla="val 98070"/>
+              <a:gd name="adj3" fmla="val 16667"/>
+            </a:avLst>
           </a:prstGeom>
           <a:solidFill>
             <a:schemeClr val="bg1">
@@ -3741,7 +3746,7 @@
           </a:solidFill>
           <a:ln>
             <a:solidFill>
-              <a:schemeClr val="tx1"/>
+              <a:srgbClr val="00B0F0"/>
             </a:solidFill>
           </a:ln>
         </p:spPr>
@@ -3767,27 +3772,24 @@
           <a:p>
             <a:pPr algn="ctr"/>
             <a:r>
-              <a:rPr lang="de-DE" sz="1600" dirty="0" err="1">
-                <a:solidFill>
-                  <a:schemeClr val="tx1"/>
-                </a:solidFill>
-              </a:rPr>
-              <a:t>AboutTo</a:t>
-            </a:r>
-            <a:r>
-              <a:rPr lang="de-DE" sz="1600" dirty="0">
-                <a:solidFill>
-                  <a:schemeClr val="tx1"/>
-                </a:solidFill>
-              </a:rPr>
-              <a:t>-Random</a:t>
-            </a:r>
-          </a:p>
-          <a:p>
-            <a:pPr algn="ctr"/>
-            <a:endParaRPr lang="de-DE" sz="1600" dirty="0">
+              <a:rPr lang="de-DE" sz="1200" dirty="0">
+                <a:solidFill>
+                  <a:srgbClr val="00B0F0"/>
+                </a:solidFill>
+              </a:rPr>
+              <a:t>DHT </a:t>
+            </a:r>
+            <a:r>
+              <a:rPr lang="de-DE" sz="1200" dirty="0" err="1">
+                <a:solidFill>
+                  <a:srgbClr val="00B0F0"/>
+                </a:solidFill>
+              </a:rPr>
+              <a:t>int</a:t>
+            </a:r>
+            <a:endParaRPr lang="de-DE" sz="1200" dirty="0">
               <a:solidFill>
-                <a:schemeClr val="tx1"/>
+                <a:srgbClr val="00B0F0"/>
               </a:solidFill>
             </a:endParaRPr>
           </a:p>
@@ -3795,10 +3797,10 @@
       </p:sp>
       <p:sp>
         <p:nvSpPr>
-          <p:cNvPr id="9" name="Rechteck: abgerundete Ecken 8">
-            <a:extLst>
-              <a:ext uri="{FF2B5EF4-FFF2-40B4-BE49-F238E27FC236}">
-                <a16:creationId xmlns:a16="http://schemas.microsoft.com/office/drawing/2014/main" id="{7C5E44A9-F751-43C7-8A59-414172F7E489}"/>
+          <p:cNvPr id="64" name="Sprechblase: rechteckig mit abgerundeten Ecken 63">
+            <a:extLst>
+              <a:ext uri="{FF2B5EF4-FFF2-40B4-BE49-F238E27FC236}">
+                <a16:creationId xmlns:a16="http://schemas.microsoft.com/office/drawing/2014/main" id="{F94E5B34-C235-B174-7419-2788C5F300B5}"/>
               </a:ext>
             </a:extLst>
           </p:cNvPr>
@@ -3807,11 +3809,15 @@
         </p:nvSpPr>
         <p:spPr>
           <a:xfrm>
-            <a:off x="1798576" y="2921791"/>
-            <a:ext cx="924133" cy="650582"/>
-          </a:xfrm>
-          <a:prstGeom prst="roundRect">
-            <a:avLst/>
+            <a:off x="8679180" y="5004926"/>
+            <a:ext cx="754380" cy="410478"/>
+          </a:xfrm>
+          <a:prstGeom prst="wedgeRoundRectCallout">
+            <a:avLst>
+              <a:gd name="adj1" fmla="val -46629"/>
+              <a:gd name="adj2" fmla="val 119064"/>
+              <a:gd name="adj3" fmla="val 16667"/>
+            </a:avLst>
           </a:prstGeom>
           <a:solidFill>
             <a:schemeClr val="bg1">
@@ -3820,7 +3826,7 @@
           </a:solidFill>
           <a:ln>
             <a:solidFill>
-              <a:schemeClr val="tx1"/>
+              <a:srgbClr val="00B0F0"/>
             </a:solidFill>
           </a:ln>
         </p:spPr>
@@ -3846,168 +3852,22 @@
           <a:p>
             <a:pPr algn="ctr"/>
             <a:r>
-              <a:rPr lang="de-DE" sz="1600" dirty="0" err="1">
-                <a:solidFill>
-                  <a:schemeClr val="tx1"/>
-                </a:solidFill>
-              </a:rPr>
-              <a:t>Raining</a:t>
-            </a:r>
-            <a:endParaRPr lang="de-DE" sz="1600" dirty="0">
-              <a:solidFill>
-                <a:schemeClr val="tx1"/>
-              </a:solidFill>
-            </a:endParaRPr>
-          </a:p>
-        </p:txBody>
-      </p:sp>
-      <p:cxnSp>
-        <p:nvCxnSpPr>
-          <p:cNvPr id="11" name="Verbinder: gekrümmt 10">
-            <a:extLst>
-              <a:ext uri="{FF2B5EF4-FFF2-40B4-BE49-F238E27FC236}">
-                <a16:creationId xmlns:a16="http://schemas.microsoft.com/office/drawing/2014/main" id="{305C8BEC-795E-4CEC-8B81-CEF02F74DB0E}"/>
-              </a:ext>
-            </a:extLst>
-          </p:cNvPr>
-          <p:cNvCxnSpPr>
-            <a:stCxn id="4" idx="1"/>
-            <a:endCxn id="9" idx="2"/>
-          </p:cNvCxnSpPr>
-          <p:nvPr/>
-        </p:nvCxnSpPr>
-        <p:spPr>
-          <a:xfrm rot="10800000">
-            <a:off x="2260643" y="3572373"/>
-            <a:ext cx="319082" cy="763280"/>
-          </a:xfrm>
-          <a:prstGeom prst="curvedConnector2">
-            <a:avLst/>
-          </a:prstGeom>
-          <a:ln w="28575">
-            <a:solidFill>
-              <a:srgbClr val="00B0F0"/>
-            </a:solidFill>
-            <a:tailEnd type="triangle"/>
-          </a:ln>
-        </p:spPr>
-        <p:style>
-          <a:lnRef idx="1">
-            <a:schemeClr val="accent1"/>
-          </a:lnRef>
-          <a:fillRef idx="0">
-            <a:schemeClr val="accent1"/>
-          </a:fillRef>
-          <a:effectRef idx="0">
-            <a:schemeClr val="accent1"/>
-          </a:effectRef>
-          <a:fontRef idx="minor">
-            <a:schemeClr val="tx1"/>
-          </a:fontRef>
-        </p:style>
-      </p:cxnSp>
-      <p:cxnSp>
-        <p:nvCxnSpPr>
-          <p:cNvPr id="12" name="Verbinder: gekrümmt 11">
-            <a:extLst>
-              <a:ext uri="{FF2B5EF4-FFF2-40B4-BE49-F238E27FC236}">
-                <a16:creationId xmlns:a16="http://schemas.microsoft.com/office/drawing/2014/main" id="{EECF444D-9F12-4C29-9F75-41555356903A}"/>
-              </a:ext>
-            </a:extLst>
-          </p:cNvPr>
-          <p:cNvCxnSpPr>
-            <a:cxnSpLocks/>
-            <a:stCxn id="5" idx="1"/>
-            <a:endCxn id="4" idx="3"/>
-          </p:cNvCxnSpPr>
-          <p:nvPr/>
-        </p:nvCxnSpPr>
-        <p:spPr>
-          <a:xfrm rot="10800000" flipV="1">
-            <a:off x="3503858" y="3626161"/>
-            <a:ext cx="1097340" cy="709492"/>
-          </a:xfrm>
-          <a:prstGeom prst="curvedConnector3">
-            <a:avLst>
-              <a:gd name="adj1" fmla="val 50000"/>
-            </a:avLst>
-          </a:prstGeom>
-          <a:ln w="28575">
-            <a:solidFill>
-              <a:srgbClr val="00B0F0"/>
-            </a:solidFill>
-            <a:tailEnd type="triangle"/>
-          </a:ln>
-        </p:spPr>
-        <p:style>
-          <a:lnRef idx="1">
-            <a:schemeClr val="accent1"/>
-          </a:lnRef>
-          <a:fillRef idx="0">
-            <a:schemeClr val="accent1"/>
-          </a:fillRef>
-          <a:effectRef idx="0">
-            <a:schemeClr val="accent1"/>
-          </a:effectRef>
-          <a:fontRef idx="minor">
-            <a:schemeClr val="tx1"/>
-          </a:fontRef>
-        </p:style>
-      </p:cxnSp>
-      <p:cxnSp>
-        <p:nvCxnSpPr>
-          <p:cNvPr id="15" name="Verbinder: gekrümmt 14">
-            <a:extLst>
-              <a:ext uri="{FF2B5EF4-FFF2-40B4-BE49-F238E27FC236}">
-                <a16:creationId xmlns:a16="http://schemas.microsoft.com/office/drawing/2014/main" id="{DF8B2F76-CD29-4C4C-90B7-AD563672435D}"/>
-              </a:ext>
-            </a:extLst>
-          </p:cNvPr>
-          <p:cNvCxnSpPr>
-            <a:cxnSpLocks/>
-            <a:stCxn id="5" idx="3"/>
-            <a:endCxn id="8" idx="1"/>
-          </p:cNvCxnSpPr>
-          <p:nvPr/>
-        </p:nvCxnSpPr>
-        <p:spPr>
-          <a:xfrm>
-            <a:off x="5525331" y="3626161"/>
-            <a:ext cx="1298855" cy="1034783"/>
-          </a:xfrm>
-          <a:prstGeom prst="curvedConnector3">
-            <a:avLst>
-              <a:gd name="adj1" fmla="val 50000"/>
-            </a:avLst>
-          </a:prstGeom>
-          <a:ln w="28575">
-            <a:solidFill>
-              <a:srgbClr val="00B0F0"/>
-            </a:solidFill>
-            <a:tailEnd type="triangle"/>
-          </a:ln>
-        </p:spPr>
-        <p:style>
-          <a:lnRef idx="1">
-            <a:schemeClr val="accent1"/>
-          </a:lnRef>
-          <a:fillRef idx="0">
-            <a:schemeClr val="accent1"/>
-          </a:fillRef>
-          <a:effectRef idx="0">
-            <a:schemeClr val="accent1"/>
-          </a:effectRef>
-          <a:fontRef idx="minor">
-            <a:schemeClr val="tx1"/>
-          </a:fontRef>
-        </p:style>
-      </p:cxnSp>
-      <p:sp>
-        <p:nvSpPr>
-          <p:cNvPr id="18" name="Rechteck: abgerundete Ecken 17">
-            <a:extLst>
-              <a:ext uri="{FF2B5EF4-FFF2-40B4-BE49-F238E27FC236}">
-                <a16:creationId xmlns:a16="http://schemas.microsoft.com/office/drawing/2014/main" id="{9AB12ABB-ED7A-4347-B777-5C2823A0DE2F}"/>
+              <a:rPr lang="de-DE" sz="1200" dirty="0">
+                <a:solidFill>
+                  <a:srgbClr val="00B0F0"/>
+                </a:solidFill>
+              </a:rPr>
+              <a:t>Power switch</a:t>
+            </a:r>
+          </a:p>
+        </p:txBody>
+      </p:sp>
+      <p:sp>
+        <p:nvSpPr>
+          <p:cNvPr id="65" name="Sprechblase: rechteckig mit abgerundeten Ecken 64">
+            <a:extLst>
+              <a:ext uri="{FF2B5EF4-FFF2-40B4-BE49-F238E27FC236}">
+                <a16:creationId xmlns:a16="http://schemas.microsoft.com/office/drawing/2014/main" id="{1097C7E5-1601-C923-8267-4A760FE61948}"/>
               </a:ext>
             </a:extLst>
           </p:cNvPr>
@@ -4016,11 +3876,15 @@
         </p:nvSpPr>
         <p:spPr>
           <a:xfrm>
-            <a:off x="7643992" y="3167680"/>
-            <a:ext cx="924133" cy="650582"/>
-          </a:xfrm>
-          <a:prstGeom prst="roundRect">
-            <a:avLst/>
+            <a:off x="7848600" y="3511406"/>
+            <a:ext cx="830580" cy="584344"/>
+          </a:xfrm>
+          <a:prstGeom prst="wedgeRoundRectCallout">
+            <a:avLst>
+              <a:gd name="adj1" fmla="val -11275"/>
+              <a:gd name="adj2" fmla="val -75004"/>
+              <a:gd name="adj3" fmla="val 16667"/>
+            </a:avLst>
           </a:prstGeom>
           <a:solidFill>
             <a:schemeClr val="bg1">
@@ -4029,7 +3893,7 @@
           </a:solidFill>
           <a:ln>
             <a:solidFill>
-              <a:schemeClr val="tx1"/>
+              <a:srgbClr val="00B0F0"/>
             </a:solidFill>
           </a:ln>
         </p:spPr>
@@ -4055,356 +3919,67 @@
           <a:p>
             <a:pPr algn="ctr"/>
             <a:r>
-              <a:rPr lang="de-DE" sz="1600" dirty="0">
-                <a:solidFill>
-                  <a:schemeClr val="tx1"/>
-                </a:solidFill>
-              </a:rPr>
-              <a:t>Random</a:t>
-            </a:r>
-          </a:p>
-        </p:txBody>
-      </p:sp>
-      <p:cxnSp>
-        <p:nvCxnSpPr>
-          <p:cNvPr id="23" name="Verbinder: gekrümmt 22">
-            <a:extLst>
-              <a:ext uri="{FF2B5EF4-FFF2-40B4-BE49-F238E27FC236}">
-                <a16:creationId xmlns:a16="http://schemas.microsoft.com/office/drawing/2014/main" id="{49785124-0D17-4797-912D-B17FDFDC6182}"/>
-              </a:ext>
-            </a:extLst>
-          </p:cNvPr>
-          <p:cNvCxnSpPr>
-            <a:cxnSpLocks/>
-            <a:stCxn id="8" idx="3"/>
-            <a:endCxn id="18" idx="2"/>
-          </p:cNvCxnSpPr>
-          <p:nvPr/>
-        </p:nvCxnSpPr>
-        <p:spPr>
-          <a:xfrm flipV="1">
-            <a:off x="7748319" y="3818262"/>
-            <a:ext cx="357740" cy="842682"/>
-          </a:xfrm>
-          <a:prstGeom prst="curvedConnector2">
-            <a:avLst/>
-          </a:prstGeom>
-          <a:ln w="28575">
-            <a:solidFill>
-              <a:srgbClr val="00B0F0"/>
-            </a:solidFill>
-            <a:tailEnd type="triangle"/>
-          </a:ln>
-        </p:spPr>
-        <p:style>
-          <a:lnRef idx="1">
-            <a:schemeClr val="accent1"/>
-          </a:lnRef>
-          <a:fillRef idx="0">
-            <a:schemeClr val="accent1"/>
-          </a:fillRef>
-          <a:effectRef idx="0">
-            <a:schemeClr val="accent1"/>
-          </a:effectRef>
-          <a:fontRef idx="minor">
-            <a:schemeClr val="tx1"/>
-          </a:fontRef>
-        </p:style>
-      </p:cxnSp>
-      <p:cxnSp>
-        <p:nvCxnSpPr>
-          <p:cNvPr id="27" name="Verbinder: gekrümmt 26">
-            <a:extLst>
-              <a:ext uri="{FF2B5EF4-FFF2-40B4-BE49-F238E27FC236}">
-                <a16:creationId xmlns:a16="http://schemas.microsoft.com/office/drawing/2014/main" id="{A5678CC2-5272-4C9C-9147-8E7627FF0E85}"/>
-              </a:ext>
-            </a:extLst>
-          </p:cNvPr>
-          <p:cNvCxnSpPr>
-            <a:cxnSpLocks/>
-            <a:stCxn id="8" idx="0"/>
-            <a:endCxn id="5" idx="3"/>
-          </p:cNvCxnSpPr>
-          <p:nvPr/>
-        </p:nvCxnSpPr>
-        <p:spPr>
-          <a:xfrm rot="16200000" flipV="1">
-            <a:off x="6051046" y="3100446"/>
-            <a:ext cx="709492" cy="1760922"/>
-          </a:xfrm>
-          <a:prstGeom prst="curvedConnector2">
-            <a:avLst/>
-          </a:prstGeom>
-          <a:ln w="28575">
-            <a:solidFill>
-              <a:schemeClr val="accent2"/>
-            </a:solidFill>
-            <a:tailEnd type="triangle"/>
-          </a:ln>
-        </p:spPr>
-        <p:style>
-          <a:lnRef idx="1">
-            <a:schemeClr val="accent1"/>
-          </a:lnRef>
-          <a:fillRef idx="0">
-            <a:schemeClr val="accent1"/>
-          </a:fillRef>
-          <a:effectRef idx="0">
-            <a:schemeClr val="accent1"/>
-          </a:effectRef>
-          <a:fontRef idx="minor">
-            <a:schemeClr val="tx1"/>
-          </a:fontRef>
-        </p:style>
-      </p:cxnSp>
-      <p:cxnSp>
-        <p:nvCxnSpPr>
-          <p:cNvPr id="38" name="Verbinder: gekrümmt 37">
-            <a:extLst>
-              <a:ext uri="{FF2B5EF4-FFF2-40B4-BE49-F238E27FC236}">
-                <a16:creationId xmlns:a16="http://schemas.microsoft.com/office/drawing/2014/main" id="{5A364712-79B0-4B93-9741-29DCC54DDDD9}"/>
-              </a:ext>
-            </a:extLst>
-          </p:cNvPr>
-          <p:cNvCxnSpPr>
-            <a:cxnSpLocks/>
-            <a:stCxn id="18" idx="1"/>
-            <a:endCxn id="5" idx="3"/>
-          </p:cNvCxnSpPr>
-          <p:nvPr/>
-        </p:nvCxnSpPr>
-        <p:spPr>
-          <a:xfrm rot="10800000" flipV="1">
-            <a:off x="5525332" y="3492971"/>
-            <a:ext cx="2118661" cy="133190"/>
-          </a:xfrm>
-          <a:prstGeom prst="curvedConnector3">
-            <a:avLst>
-              <a:gd name="adj1" fmla="val 50000"/>
-            </a:avLst>
-          </a:prstGeom>
-          <a:ln w="28575">
-            <a:solidFill>
-              <a:schemeClr val="accent2"/>
-            </a:solidFill>
-            <a:tailEnd type="triangle"/>
-          </a:ln>
-        </p:spPr>
-        <p:style>
-          <a:lnRef idx="1">
-            <a:schemeClr val="accent1"/>
-          </a:lnRef>
-          <a:fillRef idx="0">
-            <a:schemeClr val="accent1"/>
-          </a:fillRef>
-          <a:effectRef idx="0">
-            <a:schemeClr val="accent1"/>
-          </a:effectRef>
-          <a:fontRef idx="minor">
-            <a:schemeClr val="tx1"/>
-          </a:fontRef>
-        </p:style>
-      </p:cxnSp>
-      <p:cxnSp>
-        <p:nvCxnSpPr>
-          <p:cNvPr id="50" name="Verbinder: gekrümmt 49">
-            <a:extLst>
-              <a:ext uri="{FF2B5EF4-FFF2-40B4-BE49-F238E27FC236}">
-                <a16:creationId xmlns:a16="http://schemas.microsoft.com/office/drawing/2014/main" id="{4268B6FE-2C87-457A-9F66-8327A8365959}"/>
-              </a:ext>
-            </a:extLst>
-          </p:cNvPr>
-          <p:cNvCxnSpPr>
-            <a:cxnSpLocks/>
-            <a:stCxn id="5" idx="0"/>
-            <a:endCxn id="6" idx="3"/>
-          </p:cNvCxnSpPr>
-          <p:nvPr/>
-        </p:nvCxnSpPr>
-        <p:spPr>
-          <a:xfrm rot="5400000" flipH="1" flipV="1">
-            <a:off x="4112275" y="2238730"/>
-            <a:ext cx="2013130" cy="111151"/>
-          </a:xfrm>
-          <a:prstGeom prst="curvedConnector4">
-            <a:avLst>
-              <a:gd name="adj1" fmla="val 41921"/>
-              <a:gd name="adj2" fmla="val 305666"/>
-            </a:avLst>
-          </a:prstGeom>
-          <a:ln w="28575">
-            <a:solidFill>
-              <a:schemeClr val="bg1">
-                <a:lumMod val="50000"/>
-              </a:schemeClr>
-            </a:solidFill>
-            <a:prstDash val="sysDash"/>
-            <a:tailEnd type="triangle"/>
-          </a:ln>
-        </p:spPr>
-        <p:style>
-          <a:lnRef idx="1">
-            <a:schemeClr val="accent1"/>
-          </a:lnRef>
-          <a:fillRef idx="0">
-            <a:schemeClr val="accent1"/>
-          </a:fillRef>
-          <a:effectRef idx="0">
-            <a:schemeClr val="accent1"/>
-          </a:effectRef>
-          <a:fontRef idx="minor">
-            <a:schemeClr val="tx1"/>
-          </a:fontRef>
-        </p:style>
-      </p:cxnSp>
-      <p:cxnSp>
-        <p:nvCxnSpPr>
-          <p:cNvPr id="55" name="Verbinder: gekrümmt 54">
-            <a:extLst>
-              <a:ext uri="{FF2B5EF4-FFF2-40B4-BE49-F238E27FC236}">
-                <a16:creationId xmlns:a16="http://schemas.microsoft.com/office/drawing/2014/main" id="{3814D592-A647-4CBC-AA91-56D348D38C5A}"/>
-              </a:ext>
-            </a:extLst>
-          </p:cNvPr>
-          <p:cNvCxnSpPr>
-            <a:cxnSpLocks/>
-            <a:stCxn id="4" idx="0"/>
-            <a:endCxn id="5" idx="1"/>
-          </p:cNvCxnSpPr>
-          <p:nvPr/>
-        </p:nvCxnSpPr>
-        <p:spPr>
-          <a:xfrm rot="5400000" flipH="1" flipV="1">
-            <a:off x="3629395" y="3038559"/>
-            <a:ext cx="384201" cy="1559406"/>
-          </a:xfrm>
-          <a:prstGeom prst="curvedConnector2">
-            <a:avLst/>
-          </a:prstGeom>
-          <a:ln w="28575">
-            <a:solidFill>
-              <a:schemeClr val="accent2"/>
-            </a:solidFill>
-            <a:tailEnd type="triangle"/>
-          </a:ln>
-        </p:spPr>
-        <p:style>
-          <a:lnRef idx="1">
-            <a:schemeClr val="accent1"/>
-          </a:lnRef>
-          <a:fillRef idx="0">
-            <a:schemeClr val="accent1"/>
-          </a:fillRef>
-          <a:effectRef idx="0">
-            <a:schemeClr val="accent1"/>
-          </a:effectRef>
-          <a:fontRef idx="minor">
-            <a:schemeClr val="tx1"/>
-          </a:fontRef>
-        </p:style>
-      </p:cxnSp>
-      <p:cxnSp>
-        <p:nvCxnSpPr>
-          <p:cNvPr id="62" name="Verbinder: gekrümmt 61">
-            <a:extLst>
-              <a:ext uri="{FF2B5EF4-FFF2-40B4-BE49-F238E27FC236}">
-                <a16:creationId xmlns:a16="http://schemas.microsoft.com/office/drawing/2014/main" id="{9D4A24EB-84B3-41CE-8619-C4BB43DCB62E}"/>
-              </a:ext>
-            </a:extLst>
-          </p:cNvPr>
-          <p:cNvCxnSpPr>
-            <a:cxnSpLocks/>
-            <a:stCxn id="9" idx="3"/>
-            <a:endCxn id="5" idx="1"/>
-          </p:cNvCxnSpPr>
-          <p:nvPr/>
-        </p:nvCxnSpPr>
-        <p:spPr>
-          <a:xfrm>
-            <a:off x="2722709" y="3247082"/>
-            <a:ext cx="1878489" cy="379079"/>
-          </a:xfrm>
-          <a:prstGeom prst="curvedConnector3">
-            <a:avLst>
-              <a:gd name="adj1" fmla="val 50000"/>
-            </a:avLst>
-          </a:prstGeom>
-          <a:ln w="28575">
-            <a:solidFill>
-              <a:schemeClr val="accent2"/>
-            </a:solidFill>
-            <a:tailEnd type="triangle"/>
-          </a:ln>
-        </p:spPr>
-        <p:style>
-          <a:lnRef idx="1">
-            <a:schemeClr val="accent1"/>
-          </a:lnRef>
-          <a:fillRef idx="0">
-            <a:schemeClr val="accent1"/>
-          </a:fillRef>
-          <a:effectRef idx="0">
-            <a:schemeClr val="accent1"/>
-          </a:effectRef>
-          <a:fontRef idx="minor">
-            <a:schemeClr val="tx1"/>
-          </a:fontRef>
-        </p:style>
-      </p:cxnSp>
-      <p:cxnSp>
-        <p:nvCxnSpPr>
-          <p:cNvPr id="43" name="Verbinder: gekrümmt 42">
-            <a:extLst>
-              <a:ext uri="{FF2B5EF4-FFF2-40B4-BE49-F238E27FC236}">
-                <a16:creationId xmlns:a16="http://schemas.microsoft.com/office/drawing/2014/main" id="{4B93F9BD-68A0-46D3-8306-1776A5EE2168}"/>
-              </a:ext>
-            </a:extLst>
-          </p:cNvPr>
-          <p:cNvCxnSpPr>
-            <a:cxnSpLocks/>
-            <a:stCxn id="6" idx="2"/>
-            <a:endCxn id="49" idx="0"/>
-          </p:cNvCxnSpPr>
-          <p:nvPr/>
-        </p:nvCxnSpPr>
-        <p:spPr>
-          <a:xfrm rot="5400000">
-            <a:off x="4297831" y="1829796"/>
-            <a:ext cx="631284" cy="197755"/>
-          </a:xfrm>
-          <a:prstGeom prst="curvedConnector3">
-            <a:avLst>
-              <a:gd name="adj1" fmla="val 50000"/>
-            </a:avLst>
-          </a:prstGeom>
-          <a:ln w="28575">
-            <a:solidFill>
-              <a:srgbClr val="00B0F0"/>
-            </a:solidFill>
-            <a:tailEnd type="triangle"/>
-          </a:ln>
-        </p:spPr>
-        <p:style>
-          <a:lnRef idx="1">
-            <a:schemeClr val="accent1"/>
-          </a:lnRef>
-          <a:fillRef idx="0">
-            <a:schemeClr val="accent1"/>
-          </a:fillRef>
-          <a:effectRef idx="0">
-            <a:schemeClr val="accent1"/>
-          </a:effectRef>
-          <a:fontRef idx="minor">
-            <a:schemeClr val="tx1"/>
-          </a:fontRef>
-        </p:style>
-      </p:cxnSp>
-      <p:sp>
-        <p:nvSpPr>
-          <p:cNvPr id="86" name="Rechteck: abgerundete Ecken 85">
-            <a:extLst>
-              <a:ext uri="{FF2B5EF4-FFF2-40B4-BE49-F238E27FC236}">
-                <a16:creationId xmlns:a16="http://schemas.microsoft.com/office/drawing/2014/main" id="{D5C7292C-E528-45F2-B978-8D9FD91C9DE2}"/>
+              <a:rPr lang="de-DE" sz="1200" dirty="0">
+                <a:solidFill>
+                  <a:srgbClr val="00B0F0"/>
+                </a:solidFill>
+              </a:rPr>
+              <a:t>24VAC </a:t>
+            </a:r>
+            <a:r>
+              <a:rPr lang="de-DE" sz="1200" dirty="0" err="1">
+                <a:solidFill>
+                  <a:srgbClr val="00B0F0"/>
+                </a:solidFill>
+              </a:rPr>
+              <a:t>supply</a:t>
+            </a:r>
+            <a:r>
+              <a:rPr lang="de-DE" sz="1200" dirty="0">
+                <a:solidFill>
+                  <a:srgbClr val="00B0F0"/>
+                </a:solidFill>
+              </a:rPr>
+              <a:t> </a:t>
+            </a:r>
+            <a:r>
+              <a:rPr lang="de-DE" sz="1200" dirty="0" err="1">
+                <a:solidFill>
+                  <a:srgbClr val="00B0F0"/>
+                </a:solidFill>
+              </a:rPr>
+              <a:t>for</a:t>
+            </a:r>
+            <a:r>
+              <a:rPr lang="de-DE" sz="1200" dirty="0">
+                <a:solidFill>
+                  <a:srgbClr val="00B0F0"/>
+                </a:solidFill>
+              </a:rPr>
+              <a:t> </a:t>
+            </a:r>
+            <a:r>
+              <a:rPr lang="de-DE" sz="1200" dirty="0" err="1">
+                <a:solidFill>
+                  <a:srgbClr val="00B0F0"/>
+                </a:solidFill>
+              </a:rPr>
+              <a:t>sprinkler</a:t>
+            </a:r>
+            <a:endParaRPr lang="de-DE" sz="1200" dirty="0">
+              <a:solidFill>
+                <a:srgbClr val="00B0F0"/>
+              </a:solidFill>
+            </a:endParaRPr>
+          </a:p>
+        </p:txBody>
+      </p:sp>
+      <p:sp>
+        <p:nvSpPr>
+          <p:cNvPr id="66" name="Sprechblase: rechteckig mit abgerundeten Ecken 65">
+            <a:extLst>
+              <a:ext uri="{FF2B5EF4-FFF2-40B4-BE49-F238E27FC236}">
+                <a16:creationId xmlns:a16="http://schemas.microsoft.com/office/drawing/2014/main" id="{6E627FC0-BF7B-A23D-9607-879AA06E853B}"/>
               </a:ext>
             </a:extLst>
           </p:cNvPr>
@@ -4413,11 +3988,15 @@
         </p:nvSpPr>
         <p:spPr>
           <a:xfrm>
-            <a:off x="3204173" y="5307367"/>
-            <a:ext cx="1042219" cy="650582"/>
-          </a:xfrm>
-          <a:prstGeom prst="roundRect">
-            <a:avLst/>
+            <a:off x="5958840" y="2606943"/>
+            <a:ext cx="1394460" cy="825867"/>
+          </a:xfrm>
+          <a:prstGeom prst="wedgeRoundRectCallout">
+            <a:avLst>
+              <a:gd name="adj1" fmla="val -10182"/>
+              <a:gd name="adj2" fmla="val -63052"/>
+              <a:gd name="adj3" fmla="val 16667"/>
+            </a:avLst>
           </a:prstGeom>
           <a:solidFill>
             <a:schemeClr val="bg1">
@@ -4426,7 +4005,7 @@
           </a:solidFill>
           <a:ln>
             <a:solidFill>
-              <a:schemeClr val="tx1"/>
+              <a:srgbClr val="00B0F0"/>
             </a:solidFill>
           </a:ln>
         </p:spPr>
@@ -4452,46 +4031,147 @@
           <a:p>
             <a:pPr algn="ctr"/>
             <a:r>
-              <a:rPr lang="de-DE" sz="1600" dirty="0" err="1">
-                <a:solidFill>
-                  <a:schemeClr val="tx1"/>
-                </a:solidFill>
-              </a:rPr>
-              <a:t>Loading</a:t>
-            </a:r>
-            <a:endParaRPr lang="de-DE" sz="1600" dirty="0">
+              <a:rPr lang="de-DE" sz="1200" dirty="0">
+                <a:solidFill>
+                  <a:srgbClr val="00B0F0"/>
+                </a:solidFill>
+              </a:rPr>
+              <a:t>28VDC </a:t>
+            </a:r>
+            <a:r>
+              <a:rPr lang="de-DE" sz="1200" dirty="0" err="1">
+                <a:solidFill>
+                  <a:srgbClr val="00B0F0"/>
+                </a:solidFill>
+              </a:rPr>
+              <a:t>supply</a:t>
+            </a:r>
+            <a:r>
+              <a:rPr lang="de-DE" sz="1200" dirty="0">
+                <a:solidFill>
+                  <a:srgbClr val="00B0F0"/>
+                </a:solidFill>
+              </a:rPr>
+              <a:t> </a:t>
+            </a:r>
+            <a:r>
+              <a:rPr lang="de-DE" sz="1200" dirty="0" err="1">
+                <a:solidFill>
+                  <a:srgbClr val="00B0F0"/>
+                </a:solidFill>
+              </a:rPr>
+              <a:t>for</a:t>
+            </a:r>
+            <a:r>
+              <a:rPr lang="de-DE" sz="1200" dirty="0">
+                <a:solidFill>
+                  <a:srgbClr val="00B0F0"/>
+                </a:solidFill>
+              </a:rPr>
+              <a:t> Randy (</a:t>
+            </a:r>
+            <a:r>
+              <a:rPr lang="de-DE" sz="1200" dirty="0" err="1">
+                <a:solidFill>
+                  <a:srgbClr val="00B0F0"/>
+                </a:solidFill>
+              </a:rPr>
+              <a:t>mow</a:t>
+            </a:r>
+            <a:r>
+              <a:rPr lang="de-DE" sz="1200" dirty="0">
+                <a:solidFill>
+                  <a:srgbClr val="00B0F0"/>
+                </a:solidFill>
+              </a:rPr>
+              <a:t> </a:t>
+            </a:r>
+            <a:r>
+              <a:rPr lang="de-DE" sz="1200" dirty="0" err="1">
+                <a:solidFill>
+                  <a:srgbClr val="00B0F0"/>
+                </a:solidFill>
+              </a:rPr>
+              <a:t>robot</a:t>
+            </a:r>
+            <a:r>
+              <a:rPr lang="de-DE" sz="1200" dirty="0">
+                <a:solidFill>
+                  <a:srgbClr val="00B0F0"/>
+                </a:solidFill>
+              </a:rPr>
+              <a:t>) also </a:t>
+            </a:r>
+            <a:r>
+              <a:rPr lang="de-DE" sz="1200" dirty="0" err="1">
+                <a:solidFill>
+                  <a:srgbClr val="00B0F0"/>
+                </a:solidFill>
+              </a:rPr>
+              <a:t>used</a:t>
+            </a:r>
+            <a:r>
+              <a:rPr lang="de-DE" sz="1200" dirty="0">
+                <a:solidFill>
+                  <a:srgbClr val="00B0F0"/>
+                </a:solidFill>
+              </a:rPr>
+              <a:t> </a:t>
+            </a:r>
+            <a:r>
+              <a:rPr lang="de-DE" sz="1200" dirty="0" err="1">
+                <a:solidFill>
+                  <a:srgbClr val="00B0F0"/>
+                </a:solidFill>
+              </a:rPr>
+              <a:t>for</a:t>
+            </a:r>
+            <a:r>
+              <a:rPr lang="de-DE" sz="1200" dirty="0">
+                <a:solidFill>
+                  <a:srgbClr val="00B0F0"/>
+                </a:solidFill>
+              </a:rPr>
+              <a:t> </a:t>
+            </a:r>
+            <a:r>
+              <a:rPr lang="de-DE" sz="1200" dirty="0" err="1">
+                <a:solidFill>
+                  <a:srgbClr val="00B0F0"/>
+                </a:solidFill>
+              </a:rPr>
+              <a:t>Raspi</a:t>
+            </a:r>
+            <a:r>
+              <a:rPr lang="de-DE" sz="1200" dirty="0">
+                <a:solidFill>
+                  <a:srgbClr val="00B0F0"/>
+                </a:solidFill>
+              </a:rPr>
+              <a:t> via </a:t>
+            </a:r>
+            <a:r>
+              <a:rPr lang="de-DE" sz="1200" dirty="0" err="1">
+                <a:solidFill>
+                  <a:srgbClr val="00B0F0"/>
+                </a:solidFill>
+              </a:rPr>
+              <a:t>piUSV</a:t>
+            </a:r>
+            <a:endParaRPr lang="de-DE" sz="1200" dirty="0">
               <a:solidFill>
-                <a:schemeClr val="tx1"/>
+                <a:srgbClr val="00B0F0"/>
               </a:solidFill>
             </a:endParaRPr>
           </a:p>
-          <a:p>
-            <a:pPr algn="ctr"/>
-            <a:r>
-              <a:rPr lang="de-DE" sz="1600" dirty="0">
-                <a:solidFill>
-                  <a:schemeClr val="tx1"/>
-                </a:solidFill>
-              </a:rPr>
-              <a:t>control.txt</a:t>
-            </a:r>
-          </a:p>
-          <a:p>
-            <a:pPr algn="ctr"/>
-            <a:endParaRPr lang="de-DE" sz="1600" dirty="0">
-              <a:solidFill>
-                <a:schemeClr val="tx1"/>
-              </a:solidFill>
-            </a:endParaRPr>
-          </a:p>
-        </p:txBody>
-      </p:sp>
-      <p:sp>
-        <p:nvSpPr>
-          <p:cNvPr id="87" name="Rechteck: abgerundete Ecken 86">
-            <a:extLst>
-              <a:ext uri="{FF2B5EF4-FFF2-40B4-BE49-F238E27FC236}">
-                <a16:creationId xmlns:a16="http://schemas.microsoft.com/office/drawing/2014/main" id="{CE11A980-CDA5-4B3A-BA2C-4A9A3C47C90B}"/>
+        </p:txBody>
+      </p:sp>
+      <p:sp>
+        <p:nvSpPr>
+          <p:cNvPr id="67" name="Sprechblase: rechteckig mit abgerundeten Ecken 66">
+            <a:extLst>
+              <a:ext uri="{FF2B5EF4-FFF2-40B4-BE49-F238E27FC236}">
+                <a16:creationId xmlns:a16="http://schemas.microsoft.com/office/drawing/2014/main" id="{E7F5C9AB-F98C-CA4D-1347-068B49606B2A}"/>
               </a:ext>
             </a:extLst>
           </p:cNvPr>
@@ -4500,11 +4180,15 @@
         </p:nvSpPr>
         <p:spPr>
           <a:xfrm>
-            <a:off x="4990326" y="4837293"/>
-            <a:ext cx="924133" cy="650582"/>
-          </a:xfrm>
-          <a:prstGeom prst="roundRect">
-            <a:avLst/>
+            <a:off x="5958840" y="3511406"/>
+            <a:ext cx="1394460" cy="1019211"/>
+          </a:xfrm>
+          <a:prstGeom prst="wedgeRoundRectCallout">
+            <a:avLst>
+              <a:gd name="adj1" fmla="val -32040"/>
+              <a:gd name="adj2" fmla="val 64439"/>
+              <a:gd name="adj3" fmla="val 16667"/>
+            </a:avLst>
           </a:prstGeom>
           <a:solidFill>
             <a:schemeClr val="bg1">
@@ -4513,7 +4197,7 @@
           </a:solidFill>
           <a:ln>
             <a:solidFill>
-              <a:schemeClr val="tx1"/>
+              <a:srgbClr val="00B0F0"/>
             </a:solidFill>
           </a:ln>
         </p:spPr>
@@ -4537,698 +4221,141 @@
           <a:bodyPr lIns="36000" tIns="36000" rIns="36000" bIns="36000" rtlCol="0" anchor="ctr"/>
           <a:lstStyle/>
           <a:p>
-            <a:pPr algn="ctr"/>
-            <a:r>
-              <a:rPr lang="de-DE" sz="1600" dirty="0" err="1">
-                <a:solidFill>
-                  <a:schemeClr val="tx1"/>
-                </a:solidFill>
-              </a:rPr>
-              <a:t>AboutTo</a:t>
-            </a:r>
-            <a:r>
-              <a:rPr lang="de-DE" sz="1600" dirty="0">
-                <a:solidFill>
-                  <a:schemeClr val="tx1"/>
-                </a:solidFill>
-              </a:rPr>
-              <a:t>-Load</a:t>
-            </a:r>
-          </a:p>
-          <a:p>
-            <a:pPr algn="ctr"/>
-            <a:endParaRPr lang="de-DE" sz="1600" dirty="0">
-              <a:solidFill>
-                <a:schemeClr val="tx1"/>
-              </a:solidFill>
-            </a:endParaRPr>
-          </a:p>
-        </p:txBody>
-      </p:sp>
-      <p:cxnSp>
-        <p:nvCxnSpPr>
-          <p:cNvPr id="88" name="Verbinder: gekrümmt 87">
-            <a:extLst>
-              <a:ext uri="{FF2B5EF4-FFF2-40B4-BE49-F238E27FC236}">
-                <a16:creationId xmlns:a16="http://schemas.microsoft.com/office/drawing/2014/main" id="{D2FE9FFF-86D2-46BF-8A49-699B3E9690EC}"/>
-              </a:ext>
-            </a:extLst>
-          </p:cNvPr>
-          <p:cNvCxnSpPr>
-            <a:cxnSpLocks/>
-            <a:stCxn id="5" idx="2"/>
-            <a:endCxn id="87" idx="0"/>
-          </p:cNvCxnSpPr>
-          <p:nvPr/>
-        </p:nvCxnSpPr>
-        <p:spPr>
-          <a:xfrm rot="16200000" flipH="1">
-            <a:off x="4814909" y="4199808"/>
-            <a:ext cx="885841" cy="389128"/>
-          </a:xfrm>
-          <a:prstGeom prst="curvedConnector3">
-            <a:avLst>
-              <a:gd name="adj1" fmla="val 50000"/>
-            </a:avLst>
-          </a:prstGeom>
-          <a:ln w="28575">
-            <a:solidFill>
-              <a:srgbClr val="00B0F0"/>
-            </a:solidFill>
-            <a:tailEnd type="triangle"/>
-          </a:ln>
-        </p:spPr>
-        <p:style>
-          <a:lnRef idx="1">
-            <a:schemeClr val="accent1"/>
-          </a:lnRef>
-          <a:fillRef idx="0">
-            <a:schemeClr val="accent1"/>
-          </a:fillRef>
-          <a:effectRef idx="0">
-            <a:schemeClr val="accent1"/>
-          </a:effectRef>
-          <a:fontRef idx="minor">
-            <a:schemeClr val="tx1"/>
-          </a:fontRef>
-        </p:style>
-      </p:cxnSp>
-      <p:cxnSp>
-        <p:nvCxnSpPr>
-          <p:cNvPr id="91" name="Verbinder: gekrümmt 90">
-            <a:extLst>
-              <a:ext uri="{FF2B5EF4-FFF2-40B4-BE49-F238E27FC236}">
-                <a16:creationId xmlns:a16="http://schemas.microsoft.com/office/drawing/2014/main" id="{2F74275C-A280-44ED-8387-185AA289D6C6}"/>
-              </a:ext>
-            </a:extLst>
-          </p:cNvPr>
-          <p:cNvCxnSpPr>
-            <a:cxnSpLocks/>
-            <a:stCxn id="87" idx="2"/>
-            <a:endCxn id="86" idx="3"/>
-          </p:cNvCxnSpPr>
-          <p:nvPr/>
-        </p:nvCxnSpPr>
-        <p:spPr>
-          <a:xfrm rot="5400000">
-            <a:off x="4777002" y="4957266"/>
-            <a:ext cx="144783" cy="1206001"/>
-          </a:xfrm>
-          <a:prstGeom prst="curvedConnector2">
-            <a:avLst/>
-          </a:prstGeom>
-          <a:ln w="28575">
-            <a:solidFill>
-              <a:srgbClr val="00B0F0"/>
-            </a:solidFill>
-            <a:tailEnd type="triangle"/>
-          </a:ln>
-        </p:spPr>
-        <p:style>
-          <a:lnRef idx="1">
-            <a:schemeClr val="accent1"/>
-          </a:lnRef>
-          <a:fillRef idx="0">
-            <a:schemeClr val="accent1"/>
-          </a:fillRef>
-          <a:effectRef idx="0">
-            <a:schemeClr val="accent1"/>
-          </a:effectRef>
-          <a:fontRef idx="minor">
-            <a:schemeClr val="tx1"/>
-          </a:fontRef>
-        </p:style>
-      </p:cxnSp>
-      <p:cxnSp>
-        <p:nvCxnSpPr>
-          <p:cNvPr id="104" name="Verbinder: gekrümmt 103">
-            <a:extLst>
-              <a:ext uri="{FF2B5EF4-FFF2-40B4-BE49-F238E27FC236}">
-                <a16:creationId xmlns:a16="http://schemas.microsoft.com/office/drawing/2014/main" id="{10980448-BF32-415E-BA78-AF00BF3FB28B}"/>
-              </a:ext>
-            </a:extLst>
-          </p:cNvPr>
-          <p:cNvCxnSpPr>
-            <a:cxnSpLocks/>
-            <a:stCxn id="87" idx="1"/>
-            <a:endCxn id="5" idx="2"/>
-          </p:cNvCxnSpPr>
-          <p:nvPr/>
-        </p:nvCxnSpPr>
-        <p:spPr>
-          <a:xfrm rot="10800000" flipH="1">
-            <a:off x="4990325" y="3951452"/>
-            <a:ext cx="72939" cy="1211132"/>
-          </a:xfrm>
-          <a:prstGeom prst="curvedConnector4">
-            <a:avLst>
-              <a:gd name="adj1" fmla="val -313413"/>
-              <a:gd name="adj2" fmla="val 63429"/>
-            </a:avLst>
-          </a:prstGeom>
-          <a:ln w="28575">
-            <a:solidFill>
-              <a:schemeClr val="bg1">
-                <a:lumMod val="50000"/>
-              </a:schemeClr>
-            </a:solidFill>
-            <a:prstDash val="sysDash"/>
-            <a:tailEnd type="triangle"/>
-          </a:ln>
-        </p:spPr>
-        <p:style>
-          <a:lnRef idx="1">
-            <a:schemeClr val="accent1"/>
-          </a:lnRef>
-          <a:fillRef idx="0">
-            <a:schemeClr val="accent1"/>
-          </a:fillRef>
-          <a:effectRef idx="0">
-            <a:schemeClr val="accent1"/>
-          </a:effectRef>
-          <a:fontRef idx="minor">
-            <a:schemeClr val="tx1"/>
-          </a:fontRef>
-        </p:style>
-      </p:cxnSp>
-      <p:cxnSp>
-        <p:nvCxnSpPr>
-          <p:cNvPr id="125" name="Verbinder: gekrümmt 124">
-            <a:extLst>
-              <a:ext uri="{FF2B5EF4-FFF2-40B4-BE49-F238E27FC236}">
-                <a16:creationId xmlns:a16="http://schemas.microsoft.com/office/drawing/2014/main" id="{1FFD0E75-F876-489A-809A-A9965FA4F009}"/>
-              </a:ext>
-            </a:extLst>
-          </p:cNvPr>
-          <p:cNvCxnSpPr>
-            <a:cxnSpLocks/>
-            <a:stCxn id="4" idx="0"/>
-          </p:cNvCxnSpPr>
-          <p:nvPr/>
-        </p:nvCxnSpPr>
-        <p:spPr>
-          <a:xfrm rot="5400000" flipH="1" flipV="1">
-            <a:off x="3629396" y="3038560"/>
-            <a:ext cx="384198" cy="1559407"/>
-          </a:xfrm>
-          <a:prstGeom prst="curvedConnector2">
-            <a:avLst/>
-          </a:prstGeom>
-          <a:ln w="28575">
-            <a:solidFill>
-              <a:schemeClr val="bg1">
-                <a:lumMod val="50000"/>
-              </a:schemeClr>
-            </a:solidFill>
-            <a:prstDash val="sysDash"/>
-            <a:tailEnd type="triangle"/>
-          </a:ln>
-        </p:spPr>
-        <p:style>
-          <a:lnRef idx="1">
-            <a:schemeClr val="accent1"/>
-          </a:lnRef>
-          <a:fillRef idx="0">
-            <a:schemeClr val="accent1"/>
-          </a:fillRef>
-          <a:effectRef idx="0">
-            <a:schemeClr val="accent1"/>
-          </a:effectRef>
-          <a:fontRef idx="minor">
-            <a:schemeClr val="tx1"/>
-          </a:fontRef>
-        </p:style>
-      </p:cxnSp>
-      <p:cxnSp>
-        <p:nvCxnSpPr>
-          <p:cNvPr id="128" name="Verbinder: gekrümmt 127">
-            <a:extLst>
-              <a:ext uri="{FF2B5EF4-FFF2-40B4-BE49-F238E27FC236}">
-                <a16:creationId xmlns:a16="http://schemas.microsoft.com/office/drawing/2014/main" id="{87B585A6-E139-40DC-8783-72D2D85043D0}"/>
-              </a:ext>
-            </a:extLst>
-          </p:cNvPr>
-          <p:cNvCxnSpPr>
-            <a:cxnSpLocks/>
-            <a:stCxn id="8" idx="0"/>
-            <a:endCxn id="5" idx="3"/>
-          </p:cNvCxnSpPr>
-          <p:nvPr/>
-        </p:nvCxnSpPr>
-        <p:spPr>
-          <a:xfrm rot="16200000" flipV="1">
-            <a:off x="6051046" y="3100446"/>
-            <a:ext cx="709492" cy="1760922"/>
-          </a:xfrm>
-          <a:prstGeom prst="curvedConnector2">
-            <a:avLst/>
-          </a:prstGeom>
-          <a:ln w="28575">
-            <a:solidFill>
-              <a:schemeClr val="bg1">
-                <a:lumMod val="50000"/>
-              </a:schemeClr>
-            </a:solidFill>
-            <a:prstDash val="sysDash"/>
-            <a:tailEnd type="triangle"/>
-          </a:ln>
-        </p:spPr>
-        <p:style>
-          <a:lnRef idx="1">
-            <a:schemeClr val="accent1"/>
-          </a:lnRef>
-          <a:fillRef idx="0">
-            <a:schemeClr val="accent1"/>
-          </a:fillRef>
-          <a:effectRef idx="0">
-            <a:schemeClr val="accent1"/>
-          </a:effectRef>
-          <a:fontRef idx="minor">
-            <a:schemeClr val="tx1"/>
-          </a:fontRef>
-        </p:style>
-      </p:cxnSp>
-      <p:cxnSp>
-        <p:nvCxnSpPr>
-          <p:cNvPr id="132" name="Verbinder: gekrümmt 131">
-            <a:extLst>
-              <a:ext uri="{FF2B5EF4-FFF2-40B4-BE49-F238E27FC236}">
-                <a16:creationId xmlns:a16="http://schemas.microsoft.com/office/drawing/2014/main" id="{C6D775FE-CE03-46B9-9956-946ABC7A6B90}"/>
-              </a:ext>
-            </a:extLst>
-          </p:cNvPr>
-          <p:cNvCxnSpPr>
-            <a:cxnSpLocks/>
-            <a:endCxn id="9" idx="0"/>
-          </p:cNvCxnSpPr>
-          <p:nvPr/>
-        </p:nvCxnSpPr>
-        <p:spPr>
-          <a:xfrm rot="5400000">
-            <a:off x="1989950" y="2429203"/>
-            <a:ext cx="763281" cy="221894"/>
-          </a:xfrm>
-          <a:prstGeom prst="curvedConnector3">
-            <a:avLst>
-              <a:gd name="adj1" fmla="val 50000"/>
-            </a:avLst>
-          </a:prstGeom>
-          <a:ln w="28575">
-            <a:solidFill>
-              <a:srgbClr val="7030A0"/>
-            </a:solidFill>
-            <a:headEnd type="oval"/>
-            <a:tailEnd type="triangle"/>
-          </a:ln>
-        </p:spPr>
-        <p:style>
-          <a:lnRef idx="1">
-            <a:schemeClr val="accent1"/>
-          </a:lnRef>
-          <a:fillRef idx="0">
-            <a:schemeClr val="accent1"/>
-          </a:fillRef>
-          <a:effectRef idx="0">
-            <a:schemeClr val="accent1"/>
-          </a:effectRef>
-          <a:fontRef idx="minor">
-            <a:schemeClr val="tx1"/>
-          </a:fontRef>
-        </p:style>
-      </p:cxnSp>
-      <p:sp>
-        <p:nvSpPr>
-          <p:cNvPr id="135" name="Textfeld 134">
-            <a:extLst>
-              <a:ext uri="{FF2B5EF4-FFF2-40B4-BE49-F238E27FC236}">
-                <a16:creationId xmlns:a16="http://schemas.microsoft.com/office/drawing/2014/main" id="{8A6B2985-179E-4DAB-BA4B-EF3E112E5B46}"/>
-              </a:ext>
-            </a:extLst>
-          </p:cNvPr>
-          <p:cNvSpPr txBox="1"/>
-          <p:nvPr/>
-        </p:nvSpPr>
-        <p:spPr>
-          <a:xfrm>
-            <a:off x="1767725" y="1774308"/>
-            <a:ext cx="1359796" cy="338554"/>
-          </a:xfrm>
-          <a:prstGeom prst="rect">
-            <a:avLst/>
-          </a:prstGeom>
-          <a:noFill/>
-        </p:spPr>
-        <p:txBody>
-          <a:bodyPr wrap="none" rtlCol="0">
-            <a:spAutoFit/>
-          </a:bodyPr>
-          <a:lstStyle/>
-          <a:p>
-            <a:r>
-              <a:rPr lang="de-DE" sz="1600" b="1" dirty="0">
-                <a:solidFill>
-                  <a:srgbClr val="7030A0"/>
-                </a:solidFill>
-              </a:rPr>
-              <a:t>Start </a:t>
-            </a:r>
-            <a:r>
-              <a:rPr lang="de-DE" sz="1600" b="1" dirty="0" err="1">
-                <a:solidFill>
-                  <a:srgbClr val="7030A0"/>
-                </a:solidFill>
-              </a:rPr>
-              <a:t>by</a:t>
-            </a:r>
-            <a:r>
-              <a:rPr lang="de-DE" sz="1600" b="1" dirty="0">
-                <a:solidFill>
-                  <a:srgbClr val="7030A0"/>
-                </a:solidFill>
-              </a:rPr>
-              <a:t> </a:t>
-            </a:r>
-            <a:r>
-              <a:rPr lang="de-DE" sz="1600" b="1" dirty="0" err="1">
-                <a:solidFill>
-                  <a:srgbClr val="7030A0"/>
-                </a:solidFill>
-              </a:rPr>
-              <a:t>timer</a:t>
-            </a:r>
-            <a:endParaRPr lang="de-DE" sz="1600" b="1" dirty="0">
-              <a:solidFill>
-                <a:srgbClr val="7030A0"/>
-              </a:solidFill>
-            </a:endParaRPr>
-          </a:p>
-        </p:txBody>
-      </p:sp>
-      <p:sp>
-        <p:nvSpPr>
-          <p:cNvPr id="136" name="Textfeld 135">
-            <a:extLst>
-              <a:ext uri="{FF2B5EF4-FFF2-40B4-BE49-F238E27FC236}">
-                <a16:creationId xmlns:a16="http://schemas.microsoft.com/office/drawing/2014/main" id="{E1CEA6B5-BF84-4786-9B69-3272D2221D5F}"/>
-              </a:ext>
-            </a:extLst>
-          </p:cNvPr>
-          <p:cNvSpPr txBox="1"/>
-          <p:nvPr/>
-        </p:nvSpPr>
-        <p:spPr>
-          <a:xfrm>
-            <a:off x="7203750" y="5720994"/>
-            <a:ext cx="3030381" cy="1077218"/>
-          </a:xfrm>
-          <a:prstGeom prst="rect">
-            <a:avLst/>
-          </a:prstGeom>
-          <a:noFill/>
-        </p:spPr>
-        <p:txBody>
-          <a:bodyPr wrap="none" rtlCol="0">
-            <a:spAutoFit/>
-          </a:bodyPr>
-          <a:lstStyle/>
-          <a:p>
-            <a:r>
-              <a:rPr lang="de-DE" sz="1600" b="1" dirty="0" err="1">
+            <a:r>
+              <a:rPr lang="de-DE" sz="1200" dirty="0">
                 <a:solidFill>
                   <a:srgbClr val="00B0F0"/>
                 </a:solidFill>
               </a:rPr>
-              <a:t>GoButton</a:t>
-            </a:r>
-            <a:r>
-              <a:rPr lang="de-DE" sz="1600" b="1" dirty="0">
+              <a:t>Relay </a:t>
+            </a:r>
+            <a:r>
+              <a:rPr lang="de-DE" sz="1200" dirty="0" err="1">
                 <a:solidFill>
                   <a:srgbClr val="00B0F0"/>
                 </a:solidFill>
               </a:rPr>
-              <a:t>                     </a:t>
-            </a:r>
-            <a:r>
-              <a:rPr lang="de-DE" sz="1600" b="1" dirty="0" err="1">
-                <a:solidFill>
-                  <a:srgbClr val="00B0F0"/>
-                </a:solidFill>
-              </a:rPr>
-              <a:t>short</a:t>
-            </a:r>
-            <a:r>
-              <a:rPr lang="de-DE" sz="1600" b="1" dirty="0">
-                <a:solidFill>
-                  <a:srgbClr val="00B0F0"/>
-                </a:solidFill>
-              </a:rPr>
-              <a:t>: &lt; 0.7s</a:t>
-            </a:r>
-          </a:p>
-          <a:p>
-            <a:r>
-              <a:rPr lang="de-DE" sz="1600" b="1" dirty="0">
-                <a:solidFill>
-                  <a:srgbClr val="00B0F0"/>
-                </a:solidFill>
-              </a:rPr>
-              <a:t>                                       </a:t>
-            </a:r>
-            <a:r>
-              <a:rPr lang="de-DE" sz="1600" b="1" dirty="0" err="1">
-                <a:solidFill>
-                  <a:srgbClr val="00B0F0"/>
-                </a:solidFill>
-              </a:rPr>
-              <a:t>long</a:t>
-            </a:r>
-            <a:r>
-              <a:rPr lang="de-DE" sz="1600" b="1" dirty="0">
-                <a:solidFill>
-                  <a:srgbClr val="00B0F0"/>
-                </a:solidFill>
-              </a:rPr>
-              <a:t>: &gt; 0.7s</a:t>
-            </a:r>
-          </a:p>
-          <a:p>
-            <a:r>
-              <a:rPr lang="de-DE" sz="1600" b="1" dirty="0" err="1">
-                <a:solidFill>
-                  <a:schemeClr val="accent2"/>
-                </a:solidFill>
-              </a:rPr>
-              <a:t>BackButton</a:t>
-            </a:r>
-            <a:r>
-              <a:rPr lang="de-DE" sz="1600" b="1" dirty="0">
-                <a:solidFill>
-                  <a:schemeClr val="accent2"/>
-                </a:solidFill>
-              </a:rPr>
-              <a:t>                  xl: &gt; 8s</a:t>
-            </a:r>
-          </a:p>
-          <a:p>
-            <a:r>
-              <a:rPr lang="de-DE" sz="1600" b="1" dirty="0">
-                <a:solidFill>
-                  <a:schemeClr val="tx1">
-                    <a:lumMod val="50000"/>
-                    <a:lumOff val="50000"/>
-                  </a:schemeClr>
-                </a:solidFill>
-              </a:rPr>
-              <a:t>After time / </a:t>
-            </a:r>
-            <a:r>
-              <a:rPr lang="de-DE" sz="1600" b="1" dirty="0" err="1">
-                <a:solidFill>
-                  <a:schemeClr val="tx1">
-                    <a:lumMod val="50000"/>
-                    <a:lumOff val="50000"/>
-                  </a:schemeClr>
-                </a:solidFill>
-              </a:rPr>
-              <a:t>done</a:t>
-            </a:r>
-            <a:r>
-              <a:rPr lang="de-DE" sz="1600" b="1" dirty="0">
-                <a:solidFill>
-                  <a:schemeClr val="tx1">
-                    <a:lumMod val="50000"/>
-                    <a:lumOff val="50000"/>
-                  </a:schemeClr>
-                </a:solidFill>
-              </a:rPr>
-              <a:t>       (</a:t>
-            </a:r>
-            <a:r>
-              <a:rPr lang="de-DE" sz="1600" b="1" dirty="0" err="1">
-                <a:solidFill>
-                  <a:schemeClr val="tx1">
-                    <a:lumMod val="50000"/>
-                    <a:lumOff val="50000"/>
-                  </a:schemeClr>
-                </a:solidFill>
-              </a:rPr>
-              <a:t>dashed</a:t>
-            </a:r>
-            <a:r>
-              <a:rPr lang="de-DE" sz="1600" b="1" dirty="0">
-                <a:solidFill>
-                  <a:schemeClr val="tx1">
-                    <a:lumMod val="50000"/>
-                    <a:lumOff val="50000"/>
-                  </a:schemeClr>
-                </a:solidFill>
-              </a:rPr>
-              <a:t>)</a:t>
-            </a:r>
-          </a:p>
-        </p:txBody>
-      </p:sp>
-      <p:sp>
-        <p:nvSpPr>
-          <p:cNvPr id="139" name="Textfeld 138">
-            <a:extLst>
-              <a:ext uri="{FF2B5EF4-FFF2-40B4-BE49-F238E27FC236}">
-                <a16:creationId xmlns:a16="http://schemas.microsoft.com/office/drawing/2014/main" id="{0BE75B42-CF66-4E11-ABE8-A203F25DAF83}"/>
-              </a:ext>
-            </a:extLst>
-          </p:cNvPr>
-          <p:cNvSpPr txBox="1"/>
-          <p:nvPr/>
-        </p:nvSpPr>
-        <p:spPr>
-          <a:xfrm rot="18485717">
-            <a:off x="3681347" y="4059154"/>
-            <a:ext cx="877163" cy="338554"/>
-          </a:xfrm>
-          <a:prstGeom prst="rect">
-            <a:avLst/>
-          </a:prstGeom>
-          <a:noFill/>
-        </p:spPr>
-        <p:txBody>
-          <a:bodyPr wrap="none" rtlCol="0">
-            <a:spAutoFit/>
-          </a:bodyPr>
-          <a:lstStyle/>
-          <a:p>
-            <a:r>
-              <a:rPr lang="de-DE" sz="1600" b="1" dirty="0">
-                <a:solidFill>
-                  <a:srgbClr val="00B0F0"/>
-                </a:solidFill>
-              </a:rPr>
-              <a:t>1x </a:t>
-            </a:r>
-            <a:r>
-              <a:rPr lang="de-DE" sz="1600" b="1" dirty="0" err="1">
-                <a:solidFill>
-                  <a:srgbClr val="00B0F0"/>
-                </a:solidFill>
-              </a:rPr>
-              <a:t>short</a:t>
-            </a:r>
-            <a:endParaRPr lang="de-DE" sz="1600" b="1" dirty="0">
+              <a:t>card</a:t>
+            </a:r>
+            <a:endParaRPr lang="de-DE" sz="1200" dirty="0">
               <a:solidFill>
                 <a:srgbClr val="00B0F0"/>
               </a:solidFill>
             </a:endParaRPr>
           </a:p>
-        </p:txBody>
-      </p:sp>
-      <p:sp>
-        <p:nvSpPr>
-          <p:cNvPr id="140" name="Textfeld 139">
-            <a:extLst>
-              <a:ext uri="{FF2B5EF4-FFF2-40B4-BE49-F238E27FC236}">
-                <a16:creationId xmlns:a16="http://schemas.microsoft.com/office/drawing/2014/main" id="{059FBD7C-EE4C-42A6-9848-DD6167C00295}"/>
-              </a:ext>
-            </a:extLst>
-          </p:cNvPr>
-          <p:cNvSpPr txBox="1"/>
-          <p:nvPr/>
-        </p:nvSpPr>
-        <p:spPr>
-          <a:xfrm>
-            <a:off x="1868616" y="3951451"/>
-            <a:ext cx="553357" cy="338554"/>
-          </a:xfrm>
-          <a:prstGeom prst="rect">
-            <a:avLst/>
-          </a:prstGeom>
-          <a:noFill/>
-        </p:spPr>
-        <p:txBody>
-          <a:bodyPr wrap="none" rtlCol="0">
-            <a:spAutoFit/>
-          </a:bodyPr>
-          <a:lstStyle/>
-          <a:p>
-            <a:r>
-              <a:rPr lang="de-DE" sz="1600" b="1" dirty="0" err="1">
+          <a:p>
+            <a:pPr marL="171450" indent="-171450">
+              <a:buFontTx/>
+              <a:buChar char="-"/>
+            </a:pPr>
+            <a:r>
+              <a:rPr lang="de-DE" sz="1200" dirty="0">
                 <a:solidFill>
                   <a:srgbClr val="00B0F0"/>
                 </a:solidFill>
               </a:rPr>
-              <a:t>long</a:t>
-            </a:r>
-            <a:endParaRPr lang="de-DE" sz="1600" b="1" dirty="0">
+              <a:t>3 </a:t>
+            </a:r>
+            <a:r>
+              <a:rPr lang="de-DE" sz="1200" dirty="0" err="1">
+                <a:solidFill>
+                  <a:srgbClr val="00B0F0"/>
+                </a:solidFill>
+              </a:rPr>
+              <a:t>relays</a:t>
+            </a:r>
+            <a:r>
+              <a:rPr lang="de-DE" sz="1200" dirty="0">
+                <a:solidFill>
+                  <a:srgbClr val="00B0F0"/>
+                </a:solidFill>
+              </a:rPr>
+              <a:t> für </a:t>
+            </a:r>
+            <a:r>
+              <a:rPr lang="de-DE" sz="1200" dirty="0" err="1">
+                <a:solidFill>
+                  <a:srgbClr val="00B0F0"/>
+                </a:solidFill>
+              </a:rPr>
+              <a:t>sprinkler</a:t>
+            </a:r>
+            <a:r>
+              <a:rPr lang="de-DE" sz="1200" dirty="0">
+                <a:solidFill>
+                  <a:srgbClr val="00B0F0"/>
+                </a:solidFill>
+              </a:rPr>
+              <a:t> </a:t>
+            </a:r>
+            <a:r>
+              <a:rPr lang="de-DE" sz="1200" dirty="0" err="1">
+                <a:solidFill>
+                  <a:srgbClr val="00B0F0"/>
+                </a:solidFill>
+              </a:rPr>
+              <a:t>valves</a:t>
+            </a:r>
+            <a:endParaRPr lang="de-DE" sz="1200" dirty="0">
               <a:solidFill>
                 <a:srgbClr val="00B0F0"/>
               </a:solidFill>
             </a:endParaRPr>
           </a:p>
-        </p:txBody>
-      </p:sp>
-      <p:sp>
-        <p:nvSpPr>
-          <p:cNvPr id="144" name="Textfeld 143">
-            <a:extLst>
-              <a:ext uri="{FF2B5EF4-FFF2-40B4-BE49-F238E27FC236}">
-                <a16:creationId xmlns:a16="http://schemas.microsoft.com/office/drawing/2014/main" id="{3830959C-44F9-4DD6-97B6-7F2B9ABA466D}"/>
-              </a:ext>
-            </a:extLst>
-          </p:cNvPr>
-          <p:cNvSpPr txBox="1"/>
-          <p:nvPr/>
-        </p:nvSpPr>
-        <p:spPr>
-          <a:xfrm rot="3451915">
-            <a:off x="5017414" y="4248589"/>
-            <a:ext cx="966010" cy="338554"/>
-          </a:xfrm>
-          <a:prstGeom prst="rect">
-            <a:avLst/>
-          </a:prstGeom>
-          <a:noFill/>
-        </p:spPr>
-        <p:txBody>
-          <a:bodyPr wrap="square" rtlCol="0">
-            <a:spAutoFit/>
-          </a:bodyPr>
-          <a:lstStyle/>
-          <a:p>
-            <a:r>
-              <a:rPr lang="de-DE" sz="1600" b="1" dirty="0">
+          <a:p>
+            <a:pPr marL="171450" indent="-171450">
+              <a:buFontTx/>
+              <a:buChar char="-"/>
+            </a:pPr>
+            <a:r>
+              <a:rPr lang="de-DE" sz="1200" dirty="0">
                 <a:solidFill>
                   <a:srgbClr val="00B0F0"/>
                 </a:solidFill>
               </a:rPr>
-              <a:t>3x </a:t>
-            </a:r>
-            <a:r>
-              <a:rPr lang="de-DE" sz="1600" b="1" dirty="0" err="1">
+              <a:t>1 </a:t>
+            </a:r>
+            <a:r>
+              <a:rPr lang="de-DE" sz="1200" dirty="0" err="1">
                 <a:solidFill>
                   <a:srgbClr val="00B0F0"/>
                 </a:solidFill>
               </a:rPr>
-              <a:t>short</a:t>
-            </a:r>
-            <a:endParaRPr lang="de-DE" sz="1600" b="1" dirty="0">
+              <a:t>relay</a:t>
+            </a:r>
+            <a:r>
+              <a:rPr lang="de-DE" sz="1200" dirty="0">
+                <a:solidFill>
+                  <a:srgbClr val="00B0F0"/>
+                </a:solidFill>
+              </a:rPr>
+              <a:t> </a:t>
+            </a:r>
+            <a:r>
+              <a:rPr lang="de-DE" sz="1200" dirty="0" err="1">
+                <a:solidFill>
+                  <a:srgbClr val="00B0F0"/>
+                </a:solidFill>
+              </a:rPr>
+              <a:t>to</a:t>
+            </a:r>
+            <a:r>
+              <a:rPr lang="de-DE" sz="1200" dirty="0">
+                <a:solidFill>
+                  <a:srgbClr val="00B0F0"/>
+                </a:solidFill>
+              </a:rPr>
+              <a:t> switch Randy </a:t>
+            </a:r>
+            <a:r>
+              <a:rPr lang="de-DE" sz="1200" dirty="0" err="1">
+                <a:solidFill>
+                  <a:srgbClr val="00B0F0"/>
+                </a:solidFill>
+              </a:rPr>
+              <a:t>supply</a:t>
+            </a:r>
+            <a:endParaRPr lang="de-DE" sz="1200" dirty="0">
               <a:solidFill>
                 <a:srgbClr val="00B0F0"/>
               </a:solidFill>
@@ -5238,550 +4365,10 @@
       </p:sp>
       <p:sp>
         <p:nvSpPr>
-          <p:cNvPr id="145" name="Textfeld 144">
-            <a:extLst>
-              <a:ext uri="{FF2B5EF4-FFF2-40B4-BE49-F238E27FC236}">
-                <a16:creationId xmlns:a16="http://schemas.microsoft.com/office/drawing/2014/main" id="{580DDFAB-6349-4CC0-993C-E2DDD179394B}"/>
-              </a:ext>
-            </a:extLst>
-          </p:cNvPr>
-          <p:cNvSpPr txBox="1"/>
-          <p:nvPr/>
-        </p:nvSpPr>
-        <p:spPr>
-          <a:xfrm rot="3325792">
-            <a:off x="6045664" y="4070326"/>
-            <a:ext cx="877163" cy="338554"/>
-          </a:xfrm>
-          <a:prstGeom prst="rect">
-            <a:avLst/>
-          </a:prstGeom>
-          <a:noFill/>
-        </p:spPr>
-        <p:txBody>
-          <a:bodyPr wrap="none" rtlCol="0">
-            <a:spAutoFit/>
-          </a:bodyPr>
-          <a:lstStyle/>
-          <a:p>
-            <a:r>
-              <a:rPr lang="de-DE" sz="1600" b="1" dirty="0">
-                <a:solidFill>
-                  <a:srgbClr val="00B0F0"/>
-                </a:solidFill>
-              </a:rPr>
-              <a:t>2x </a:t>
-            </a:r>
-            <a:r>
-              <a:rPr lang="de-DE" sz="1600" b="1" dirty="0" err="1">
-                <a:solidFill>
-                  <a:srgbClr val="00B0F0"/>
-                </a:solidFill>
-              </a:rPr>
-              <a:t>short</a:t>
-            </a:r>
-            <a:endParaRPr lang="de-DE" sz="1600" b="1" dirty="0">
-              <a:solidFill>
-                <a:srgbClr val="00B0F0"/>
-              </a:solidFill>
-            </a:endParaRPr>
-          </a:p>
-        </p:txBody>
-      </p:sp>
-      <p:sp>
-        <p:nvSpPr>
-          <p:cNvPr id="146" name="Textfeld 145">
-            <a:extLst>
-              <a:ext uri="{FF2B5EF4-FFF2-40B4-BE49-F238E27FC236}">
-                <a16:creationId xmlns:a16="http://schemas.microsoft.com/office/drawing/2014/main" id="{4F0A0823-D7D4-4DEE-8238-A938B098BF12}"/>
-              </a:ext>
-            </a:extLst>
-          </p:cNvPr>
-          <p:cNvSpPr txBox="1"/>
-          <p:nvPr/>
-        </p:nvSpPr>
-        <p:spPr>
-          <a:xfrm>
-            <a:off x="7998968" y="4094788"/>
-            <a:ext cx="553357" cy="338554"/>
-          </a:xfrm>
-          <a:prstGeom prst="rect">
-            <a:avLst/>
-          </a:prstGeom>
-          <a:noFill/>
-        </p:spPr>
-        <p:txBody>
-          <a:bodyPr wrap="none" rtlCol="0">
-            <a:spAutoFit/>
-          </a:bodyPr>
-          <a:lstStyle/>
-          <a:p>
-            <a:r>
-              <a:rPr lang="de-DE" sz="1600" b="1" dirty="0" err="1">
-                <a:solidFill>
-                  <a:srgbClr val="00B0F0"/>
-                </a:solidFill>
-              </a:rPr>
-              <a:t>long</a:t>
-            </a:r>
-            <a:endParaRPr lang="de-DE" sz="1600" b="1" dirty="0">
-              <a:solidFill>
-                <a:srgbClr val="00B0F0"/>
-              </a:solidFill>
-            </a:endParaRPr>
-          </a:p>
-        </p:txBody>
-      </p:sp>
-      <p:sp>
-        <p:nvSpPr>
-          <p:cNvPr id="147" name="Textfeld 146">
-            <a:extLst>
-              <a:ext uri="{FF2B5EF4-FFF2-40B4-BE49-F238E27FC236}">
-                <a16:creationId xmlns:a16="http://schemas.microsoft.com/office/drawing/2014/main" id="{99E88B96-935D-444D-B273-E77A7E312C7D}"/>
-              </a:ext>
-            </a:extLst>
-          </p:cNvPr>
-          <p:cNvSpPr txBox="1"/>
-          <p:nvPr/>
-        </p:nvSpPr>
-        <p:spPr>
-          <a:xfrm>
-            <a:off x="4605015" y="5551717"/>
-            <a:ext cx="553357" cy="338554"/>
-          </a:xfrm>
-          <a:prstGeom prst="rect">
-            <a:avLst/>
-          </a:prstGeom>
-          <a:noFill/>
-        </p:spPr>
-        <p:txBody>
-          <a:bodyPr wrap="none" rtlCol="0">
-            <a:spAutoFit/>
-          </a:bodyPr>
-          <a:lstStyle/>
-          <a:p>
-            <a:r>
-              <a:rPr lang="de-DE" sz="1600" b="1" dirty="0" err="1">
-                <a:solidFill>
-                  <a:srgbClr val="00B0F0"/>
-                </a:solidFill>
-              </a:rPr>
-              <a:t>long</a:t>
-            </a:r>
-            <a:endParaRPr lang="de-DE" sz="1600" b="1" dirty="0">
-              <a:solidFill>
-                <a:srgbClr val="00B0F0"/>
-              </a:solidFill>
-            </a:endParaRPr>
-          </a:p>
-        </p:txBody>
-      </p:sp>
-      <p:sp>
-        <p:nvSpPr>
-          <p:cNvPr id="148" name="Textfeld 147">
-            <a:extLst>
-              <a:ext uri="{FF2B5EF4-FFF2-40B4-BE49-F238E27FC236}">
-                <a16:creationId xmlns:a16="http://schemas.microsoft.com/office/drawing/2014/main" id="{93C57134-A876-4824-BD61-A359BB209437}"/>
-              </a:ext>
-            </a:extLst>
-          </p:cNvPr>
-          <p:cNvSpPr txBox="1"/>
-          <p:nvPr/>
-        </p:nvSpPr>
-        <p:spPr>
-          <a:xfrm>
-            <a:off x="4217140" y="1732664"/>
-            <a:ext cx="328936" cy="338554"/>
-          </a:xfrm>
-          <a:prstGeom prst="rect">
-            <a:avLst/>
-          </a:prstGeom>
-          <a:noFill/>
-        </p:spPr>
-        <p:txBody>
-          <a:bodyPr wrap="none" rtlCol="0">
-            <a:spAutoFit/>
-          </a:bodyPr>
-          <a:lstStyle/>
-          <a:p>
-            <a:r>
-              <a:rPr lang="de-DE" sz="1600" b="1" dirty="0">
-                <a:solidFill>
-                  <a:srgbClr val="00B0F0"/>
-                </a:solidFill>
-              </a:rPr>
-              <a:t>xl</a:t>
-            </a:r>
-          </a:p>
-        </p:txBody>
-      </p:sp>
-      <p:sp>
-        <p:nvSpPr>
-          <p:cNvPr id="149" name="Textfeld 148">
-            <a:extLst>
-              <a:ext uri="{FF2B5EF4-FFF2-40B4-BE49-F238E27FC236}">
-                <a16:creationId xmlns:a16="http://schemas.microsoft.com/office/drawing/2014/main" id="{9ED3113F-DB50-46DE-9D0D-DEDC0BAD97CA}"/>
-              </a:ext>
-            </a:extLst>
-          </p:cNvPr>
-          <p:cNvSpPr txBox="1"/>
-          <p:nvPr/>
-        </p:nvSpPr>
-        <p:spPr>
-          <a:xfrm>
-            <a:off x="5768682" y="1744332"/>
-            <a:ext cx="553357" cy="338554"/>
-          </a:xfrm>
-          <a:prstGeom prst="rect">
-            <a:avLst/>
-          </a:prstGeom>
-          <a:noFill/>
-        </p:spPr>
-        <p:txBody>
-          <a:bodyPr wrap="square" rtlCol="0">
-            <a:spAutoFit/>
-          </a:bodyPr>
-          <a:lstStyle/>
-          <a:p>
-            <a:r>
-              <a:rPr lang="de-DE" sz="1600" b="1" dirty="0" err="1">
-                <a:solidFill>
-                  <a:schemeClr val="accent2"/>
-                </a:solidFill>
-              </a:rPr>
-              <a:t>long</a:t>
-            </a:r>
-            <a:endParaRPr lang="de-DE" sz="1600" b="1" dirty="0">
-              <a:solidFill>
-                <a:schemeClr val="accent2"/>
-              </a:solidFill>
-            </a:endParaRPr>
-          </a:p>
-        </p:txBody>
-      </p:sp>
-      <p:sp>
-        <p:nvSpPr>
-          <p:cNvPr id="150" name="Textfeld 149">
-            <a:extLst>
-              <a:ext uri="{FF2B5EF4-FFF2-40B4-BE49-F238E27FC236}">
-                <a16:creationId xmlns:a16="http://schemas.microsoft.com/office/drawing/2014/main" id="{749E83C8-C427-4C6D-A874-1C26EC567F03}"/>
-              </a:ext>
-            </a:extLst>
-          </p:cNvPr>
-          <p:cNvSpPr txBox="1"/>
-          <p:nvPr/>
-        </p:nvSpPr>
-        <p:spPr>
-          <a:xfrm>
-            <a:off x="1786062" y="3327140"/>
-            <a:ext cx="1042219" cy="307777"/>
-          </a:xfrm>
-          <a:prstGeom prst="rect">
-            <a:avLst/>
-          </a:prstGeom>
-          <a:noFill/>
-        </p:spPr>
-        <p:txBody>
-          <a:bodyPr wrap="square" rtlCol="0">
-            <a:spAutoFit/>
-          </a:bodyPr>
-          <a:lstStyle/>
-          <a:p>
-            <a:r>
-              <a:rPr lang="de-DE" sz="1400" b="1">
-                <a:solidFill>
-                  <a:srgbClr val="00B050"/>
-                </a:solidFill>
-              </a:rPr>
-              <a:t>0111 1111</a:t>
-            </a:r>
-            <a:endParaRPr lang="de-DE" sz="1400" b="1" dirty="0">
-              <a:solidFill>
-                <a:srgbClr val="00B050"/>
-              </a:solidFill>
-            </a:endParaRPr>
-          </a:p>
-        </p:txBody>
-      </p:sp>
-      <p:sp>
-        <p:nvSpPr>
-          <p:cNvPr id="151" name="Textfeld 150">
-            <a:extLst>
-              <a:ext uri="{FF2B5EF4-FFF2-40B4-BE49-F238E27FC236}">
-                <a16:creationId xmlns:a16="http://schemas.microsoft.com/office/drawing/2014/main" id="{1685C7C3-8680-43DF-8134-8DB665FF8BE5}"/>
-              </a:ext>
-            </a:extLst>
-          </p:cNvPr>
-          <p:cNvSpPr txBox="1"/>
-          <p:nvPr/>
-        </p:nvSpPr>
-        <p:spPr>
-          <a:xfrm>
-            <a:off x="7643992" y="3568323"/>
-            <a:ext cx="1042219" cy="307777"/>
-          </a:xfrm>
-          <a:prstGeom prst="rect">
-            <a:avLst/>
-          </a:prstGeom>
-          <a:noFill/>
-        </p:spPr>
-        <p:txBody>
-          <a:bodyPr wrap="square" rtlCol="0">
-            <a:spAutoFit/>
-          </a:bodyPr>
-          <a:lstStyle/>
-          <a:p>
-            <a:r>
-              <a:rPr lang="de-DE" sz="1400" b="1" dirty="0">
-                <a:solidFill>
-                  <a:srgbClr val="00B050"/>
-                </a:solidFill>
-              </a:rPr>
-              <a:t>0101 1111</a:t>
-            </a:r>
-          </a:p>
-        </p:txBody>
-      </p:sp>
-      <p:sp>
-        <p:nvSpPr>
-          <p:cNvPr id="152" name="Textfeld 151">
-            <a:extLst>
-              <a:ext uri="{FF2B5EF4-FFF2-40B4-BE49-F238E27FC236}">
-                <a16:creationId xmlns:a16="http://schemas.microsoft.com/office/drawing/2014/main" id="{81B2A26A-5C0C-448E-9DA7-A67CCE4F09F9}"/>
-              </a:ext>
-            </a:extLst>
-          </p:cNvPr>
-          <p:cNvSpPr txBox="1"/>
-          <p:nvPr/>
-        </p:nvSpPr>
-        <p:spPr>
-          <a:xfrm>
-            <a:off x="3279827" y="5687644"/>
-            <a:ext cx="1042219" cy="307777"/>
-          </a:xfrm>
-          <a:prstGeom prst="rect">
-            <a:avLst/>
-          </a:prstGeom>
-          <a:noFill/>
-        </p:spPr>
-        <p:txBody>
-          <a:bodyPr wrap="square" rtlCol="0">
-            <a:spAutoFit/>
-          </a:bodyPr>
-          <a:lstStyle/>
-          <a:p>
-            <a:r>
-              <a:rPr lang="de-DE" sz="1400" b="1" dirty="0">
-                <a:solidFill>
-                  <a:srgbClr val="00B050"/>
-                </a:solidFill>
-              </a:rPr>
-              <a:t>0101 0111</a:t>
-            </a:r>
-          </a:p>
-        </p:txBody>
-      </p:sp>
-      <p:sp>
-        <p:nvSpPr>
-          <p:cNvPr id="153" name="Textfeld 152">
-            <a:extLst>
-              <a:ext uri="{FF2B5EF4-FFF2-40B4-BE49-F238E27FC236}">
-                <a16:creationId xmlns:a16="http://schemas.microsoft.com/office/drawing/2014/main" id="{AD595640-7337-4D71-9014-A564944E826F}"/>
-              </a:ext>
-            </a:extLst>
-          </p:cNvPr>
-          <p:cNvSpPr txBox="1"/>
-          <p:nvPr/>
-        </p:nvSpPr>
-        <p:spPr>
-          <a:xfrm>
-            <a:off x="4967753" y="5244951"/>
-            <a:ext cx="1042219" cy="307777"/>
-          </a:xfrm>
-          <a:prstGeom prst="rect">
-            <a:avLst/>
-          </a:prstGeom>
-          <a:noFill/>
-        </p:spPr>
-        <p:txBody>
-          <a:bodyPr wrap="square" rtlCol="0">
-            <a:spAutoFit/>
-          </a:bodyPr>
-          <a:lstStyle/>
-          <a:p>
-            <a:r>
-              <a:rPr lang="de-DE" sz="1400" b="1" dirty="0">
-                <a:solidFill>
-                  <a:srgbClr val="00B050"/>
-                </a:solidFill>
-              </a:rPr>
-              <a:t>1010 1000</a:t>
-            </a:r>
-          </a:p>
-        </p:txBody>
-      </p:sp>
-      <p:sp>
-        <p:nvSpPr>
-          <p:cNvPr id="154" name="Textfeld 153">
-            <a:extLst>
-              <a:ext uri="{FF2B5EF4-FFF2-40B4-BE49-F238E27FC236}">
-                <a16:creationId xmlns:a16="http://schemas.microsoft.com/office/drawing/2014/main" id="{C38E10DD-0132-46FB-A25D-E807956CDF2D}"/>
-              </a:ext>
-            </a:extLst>
-          </p:cNvPr>
-          <p:cNvSpPr txBox="1"/>
-          <p:nvPr/>
-        </p:nvSpPr>
-        <p:spPr>
-          <a:xfrm>
-            <a:off x="6803039" y="4739464"/>
-            <a:ext cx="1042219" cy="307777"/>
-          </a:xfrm>
-          <a:prstGeom prst="rect">
-            <a:avLst/>
-          </a:prstGeom>
-          <a:noFill/>
-        </p:spPr>
-        <p:txBody>
-          <a:bodyPr wrap="square" rtlCol="0">
-            <a:spAutoFit/>
-          </a:bodyPr>
-          <a:lstStyle/>
-          <a:p>
-            <a:r>
-              <a:rPr lang="de-DE" sz="1400" b="1" dirty="0">
-                <a:solidFill>
-                  <a:srgbClr val="00B050"/>
-                </a:solidFill>
-              </a:rPr>
-              <a:t>1010 0000</a:t>
-            </a:r>
-          </a:p>
-        </p:txBody>
-      </p:sp>
-      <p:sp>
-        <p:nvSpPr>
-          <p:cNvPr id="155" name="Textfeld 154">
-            <a:extLst>
-              <a:ext uri="{FF2B5EF4-FFF2-40B4-BE49-F238E27FC236}">
-                <a16:creationId xmlns:a16="http://schemas.microsoft.com/office/drawing/2014/main" id="{CBF8BC27-20EE-49CF-9B56-F474D309C020}"/>
-              </a:ext>
-            </a:extLst>
-          </p:cNvPr>
-          <p:cNvSpPr txBox="1"/>
-          <p:nvPr/>
-        </p:nvSpPr>
-        <p:spPr>
-          <a:xfrm>
-            <a:off x="2548573" y="4425237"/>
-            <a:ext cx="1042219" cy="307777"/>
-          </a:xfrm>
-          <a:prstGeom prst="rect">
-            <a:avLst/>
-          </a:prstGeom>
-          <a:noFill/>
-        </p:spPr>
-        <p:txBody>
-          <a:bodyPr wrap="square" rtlCol="0">
-            <a:spAutoFit/>
-          </a:bodyPr>
-          <a:lstStyle/>
-          <a:p>
-            <a:r>
-              <a:rPr lang="de-DE" sz="1400" b="1" dirty="0">
-                <a:solidFill>
-                  <a:srgbClr val="00B050"/>
-                </a:solidFill>
-              </a:rPr>
-              <a:t>1000 0000</a:t>
-            </a:r>
-          </a:p>
-        </p:txBody>
-      </p:sp>
-      <p:sp>
-        <p:nvSpPr>
-          <p:cNvPr id="156" name="Textfeld 155">
-            <a:extLst>
-              <a:ext uri="{FF2B5EF4-FFF2-40B4-BE49-F238E27FC236}">
-                <a16:creationId xmlns:a16="http://schemas.microsoft.com/office/drawing/2014/main" id="{BCA82DA8-0859-41E2-9D89-975E95DA6E24}"/>
-              </a:ext>
-            </a:extLst>
-          </p:cNvPr>
-          <p:cNvSpPr txBox="1"/>
-          <p:nvPr/>
-        </p:nvSpPr>
-        <p:spPr>
-          <a:xfrm>
-            <a:off x="6248174" y="2091642"/>
-            <a:ext cx="1042219" cy="307777"/>
-          </a:xfrm>
-          <a:prstGeom prst="rect">
-            <a:avLst/>
-          </a:prstGeom>
-          <a:noFill/>
-        </p:spPr>
-        <p:txBody>
-          <a:bodyPr wrap="square" rtlCol="0">
-            <a:spAutoFit/>
-          </a:bodyPr>
-          <a:lstStyle/>
-          <a:p>
-            <a:r>
-              <a:rPr lang="de-DE" sz="1400" b="1" dirty="0">
-                <a:solidFill>
-                  <a:srgbClr val="FF0000"/>
-                </a:solidFill>
-              </a:rPr>
-              <a:t>1010 1010</a:t>
-            </a:r>
-          </a:p>
-        </p:txBody>
-      </p:sp>
-      <p:sp>
-        <p:nvSpPr>
-          <p:cNvPr id="157" name="Textfeld 156">
-            <a:extLst>
-              <a:ext uri="{FF2B5EF4-FFF2-40B4-BE49-F238E27FC236}">
-                <a16:creationId xmlns:a16="http://schemas.microsoft.com/office/drawing/2014/main" id="{EA9C0256-3388-4683-B5FB-DA005B185D1C}"/>
-              </a:ext>
-            </a:extLst>
-          </p:cNvPr>
-          <p:cNvSpPr txBox="1"/>
-          <p:nvPr/>
-        </p:nvSpPr>
-        <p:spPr>
-          <a:xfrm>
-            <a:off x="4580300" y="3698759"/>
-            <a:ext cx="1042219" cy="307777"/>
-          </a:xfrm>
-          <a:prstGeom prst="rect">
-            <a:avLst/>
-          </a:prstGeom>
-          <a:noFill/>
-        </p:spPr>
-        <p:txBody>
-          <a:bodyPr wrap="square" rtlCol="0">
-            <a:spAutoFit/>
-          </a:bodyPr>
-          <a:lstStyle/>
-          <a:p>
-            <a:r>
-              <a:rPr lang="de-DE" sz="1400" b="1" dirty="0">
-                <a:solidFill>
-                  <a:srgbClr val="FF0000"/>
-                </a:solidFill>
-              </a:rPr>
-              <a:t>1000 0000</a:t>
-            </a:r>
-          </a:p>
-        </p:txBody>
-      </p:sp>
-      <p:sp>
-        <p:nvSpPr>
-          <p:cNvPr id="49" name="Rechteck: abgerundete Ecken 48">
-            <a:extLst>
-              <a:ext uri="{FF2B5EF4-FFF2-40B4-BE49-F238E27FC236}">
-                <a16:creationId xmlns:a16="http://schemas.microsoft.com/office/drawing/2014/main" id="{8DC55E30-EB22-44B7-B69D-1D656BC50462}"/>
+          <p:cNvPr id="69" name="Sprechblase: rechteckig mit abgerundeten Ecken 68">
+            <a:extLst>
+              <a:ext uri="{FF2B5EF4-FFF2-40B4-BE49-F238E27FC236}">
+                <a16:creationId xmlns:a16="http://schemas.microsoft.com/office/drawing/2014/main" id="{5E932BF3-D730-E987-B759-AED07E3D0912}"/>
               </a:ext>
             </a:extLst>
           </p:cNvPr>
@@ -5790,11 +4377,15 @@
         </p:nvSpPr>
         <p:spPr>
           <a:xfrm>
-            <a:off x="4052528" y="2244315"/>
-            <a:ext cx="924133" cy="650582"/>
-          </a:xfrm>
-          <a:prstGeom prst="roundRect">
-            <a:avLst/>
+            <a:off x="5494020" y="6247899"/>
+            <a:ext cx="2933700" cy="326658"/>
+          </a:xfrm>
+          <a:prstGeom prst="wedgeRoundRectCallout">
+            <a:avLst>
+              <a:gd name="adj1" fmla="val 35241"/>
+              <a:gd name="adj2" fmla="val -118872"/>
+              <a:gd name="adj3" fmla="val 16667"/>
+            </a:avLst>
           </a:prstGeom>
           <a:solidFill>
             <a:schemeClr val="bg1">
@@ -5803,7 +4394,7 @@
           </a:solidFill>
           <a:ln>
             <a:solidFill>
-              <a:schemeClr val="tx1"/>
+              <a:srgbClr val="00B0F0"/>
             </a:solidFill>
           </a:ln>
         </p:spPr>
@@ -5829,83 +4420,83 @@
           <a:p>
             <a:pPr algn="ctr"/>
             <a:r>
-              <a:rPr lang="de-DE" sz="1600" dirty="0" err="1">
-                <a:solidFill>
-                  <a:schemeClr val="tx1"/>
-                </a:solidFill>
-              </a:rPr>
-              <a:t>AboutTo-WakeUp</a:t>
-            </a:r>
-            <a:endParaRPr lang="de-DE" sz="1600" dirty="0">
+              <a:rPr lang="de-DE" sz="1200" dirty="0">
+                <a:solidFill>
+                  <a:srgbClr val="00B0F0"/>
+                </a:solidFill>
+              </a:rPr>
+              <a:t>M8 </a:t>
+            </a:r>
+            <a:r>
+              <a:rPr lang="de-DE" sz="1200" dirty="0" err="1">
+                <a:solidFill>
+                  <a:srgbClr val="00B0F0"/>
+                </a:solidFill>
+              </a:rPr>
+              <a:t>connectors</a:t>
+            </a:r>
+            <a:r>
+              <a:rPr lang="de-DE" sz="1200" dirty="0">
+                <a:solidFill>
+                  <a:srgbClr val="00B0F0"/>
+                </a:solidFill>
+              </a:rPr>
+              <a:t> </a:t>
+            </a:r>
+            <a:r>
+              <a:rPr lang="de-DE" sz="1200" dirty="0" err="1">
+                <a:solidFill>
+                  <a:srgbClr val="00B0F0"/>
+                </a:solidFill>
+              </a:rPr>
+              <a:t>to</a:t>
+            </a:r>
+            <a:r>
+              <a:rPr lang="de-DE" sz="1200" dirty="0">
+                <a:solidFill>
+                  <a:srgbClr val="00B0F0"/>
+                </a:solidFill>
+              </a:rPr>
+              <a:t> Randy and </a:t>
+            </a:r>
+            <a:r>
+              <a:rPr lang="de-DE" sz="1200" dirty="0" err="1">
+                <a:solidFill>
+                  <a:srgbClr val="00B0F0"/>
+                </a:solidFill>
+              </a:rPr>
+              <a:t>sprinkler</a:t>
+            </a:r>
+            <a:r>
+              <a:rPr lang="de-DE" sz="1200" dirty="0">
+                <a:solidFill>
+                  <a:srgbClr val="00B0F0"/>
+                </a:solidFill>
+              </a:rPr>
+              <a:t> </a:t>
+            </a:r>
+            <a:r>
+              <a:rPr lang="de-DE" sz="1200" dirty="0" err="1">
+                <a:solidFill>
+                  <a:srgbClr val="00B0F0"/>
+                </a:solidFill>
+              </a:rPr>
+              <a:t>valves</a:t>
+            </a:r>
+            <a:endParaRPr lang="de-DE" sz="1200" dirty="0">
               <a:solidFill>
-                <a:schemeClr val="tx1"/>
+                <a:srgbClr val="00B0F0"/>
               </a:solidFill>
             </a:endParaRPr>
           </a:p>
-          <a:p>
-            <a:pPr algn="ctr"/>
-            <a:endParaRPr lang="de-DE" sz="1600" dirty="0">
-              <a:solidFill>
-                <a:schemeClr val="tx1"/>
-              </a:solidFill>
-            </a:endParaRPr>
-          </a:p>
-        </p:txBody>
-      </p:sp>
-      <p:cxnSp>
-        <p:nvCxnSpPr>
-          <p:cNvPr id="53" name="Verbinder: gekrümmt 52">
-            <a:extLst>
-              <a:ext uri="{FF2B5EF4-FFF2-40B4-BE49-F238E27FC236}">
-                <a16:creationId xmlns:a16="http://schemas.microsoft.com/office/drawing/2014/main" id="{46371498-02AE-4A16-873C-4B7A015308E8}"/>
-              </a:ext>
-            </a:extLst>
-          </p:cNvPr>
-          <p:cNvCxnSpPr>
-            <a:cxnSpLocks/>
-            <a:stCxn id="49" idx="2"/>
-            <a:endCxn id="5" idx="0"/>
-          </p:cNvCxnSpPr>
-          <p:nvPr/>
-        </p:nvCxnSpPr>
-        <p:spPr>
-          <a:xfrm rot="16200000" flipH="1">
-            <a:off x="4585944" y="2823548"/>
-            <a:ext cx="405973" cy="548670"/>
-          </a:xfrm>
-          <a:prstGeom prst="curvedConnector3">
-            <a:avLst>
-              <a:gd name="adj1" fmla="val 50000"/>
-            </a:avLst>
-          </a:prstGeom>
-          <a:ln w="28575">
-            <a:solidFill>
-              <a:srgbClr val="00B0F0"/>
-            </a:solidFill>
-            <a:tailEnd type="triangle"/>
-          </a:ln>
-        </p:spPr>
-        <p:style>
-          <a:lnRef idx="1">
-            <a:schemeClr val="accent1"/>
-          </a:lnRef>
-          <a:fillRef idx="0">
-            <a:schemeClr val="accent1"/>
-          </a:fillRef>
-          <a:effectRef idx="0">
-            <a:schemeClr val="accent1"/>
-          </a:effectRef>
-          <a:fontRef idx="minor">
-            <a:schemeClr val="tx1"/>
-          </a:fontRef>
-        </p:style>
-      </p:cxnSp>
-      <p:sp>
-        <p:nvSpPr>
-          <p:cNvPr id="57" name="Rechteck: abgerundete Ecken 56">
-            <a:extLst>
-              <a:ext uri="{FF2B5EF4-FFF2-40B4-BE49-F238E27FC236}">
-                <a16:creationId xmlns:a16="http://schemas.microsoft.com/office/drawing/2014/main" id="{C7445921-74A4-4E94-BA78-89AE4445C008}"/>
+        </p:txBody>
+      </p:sp>
+      <p:sp>
+        <p:nvSpPr>
+          <p:cNvPr id="70" name="Sprechblase: rechteckig mit abgerundeten Ecken 69">
+            <a:extLst>
+              <a:ext uri="{FF2B5EF4-FFF2-40B4-BE49-F238E27FC236}">
+                <a16:creationId xmlns:a16="http://schemas.microsoft.com/office/drawing/2014/main" id="{FD81A85D-A833-285A-FED5-65F1168CF9A5}"/>
               </a:ext>
             </a:extLst>
           </p:cNvPr>
@@ -5914,11 +4505,15 @@
         </p:nvSpPr>
         <p:spPr>
           <a:xfrm>
-            <a:off x="8000853" y="1510892"/>
-            <a:ext cx="924133" cy="650582"/>
-          </a:xfrm>
-          <a:prstGeom prst="roundRect">
-            <a:avLst/>
+            <a:off x="2714452" y="3932421"/>
+            <a:ext cx="883920" cy="326658"/>
+          </a:xfrm>
+          <a:prstGeom prst="wedgeRoundRectCallout">
+            <a:avLst>
+              <a:gd name="adj1" fmla="val 90440"/>
+              <a:gd name="adj2" fmla="val -2237"/>
+              <a:gd name="adj3" fmla="val 16667"/>
+            </a:avLst>
           </a:prstGeom>
           <a:solidFill>
             <a:schemeClr val="bg1">
@@ -5927,7 +4522,7 @@
           </a:solidFill>
           <a:ln>
             <a:solidFill>
-              <a:schemeClr val="tx1"/>
+              <a:srgbClr val="00B0F0"/>
             </a:solidFill>
           </a:ln>
         </p:spPr>
@@ -5953,252 +4548,48 @@
           <a:p>
             <a:pPr algn="ctr"/>
             <a:r>
-              <a:rPr lang="de-DE" sz="1600" dirty="0" err="1">
-                <a:solidFill>
-                  <a:schemeClr val="tx1"/>
-                </a:solidFill>
-              </a:rPr>
-              <a:t>PwrDn</a:t>
-            </a:r>
-            <a:endParaRPr lang="de-DE" sz="1600" dirty="0">
+              <a:rPr lang="de-DE" sz="1200" dirty="0" err="1">
+                <a:solidFill>
+                  <a:srgbClr val="00B0F0"/>
+                </a:solidFill>
+              </a:rPr>
+              <a:t>Raspi</a:t>
+            </a:r>
+            <a:r>
+              <a:rPr lang="de-DE" sz="1200" dirty="0">
+                <a:solidFill>
+                  <a:srgbClr val="00B0F0"/>
+                </a:solidFill>
+              </a:rPr>
+              <a:t> </a:t>
+            </a:r>
+            <a:r>
+              <a:rPr lang="de-DE" sz="1200" dirty="0" err="1">
+                <a:solidFill>
+                  <a:srgbClr val="00B0F0"/>
+                </a:solidFill>
+              </a:rPr>
+              <a:t>with</a:t>
+            </a:r>
+            <a:r>
+              <a:rPr lang="de-DE" sz="1200" dirty="0">
+                <a:solidFill>
+                  <a:srgbClr val="00B0F0"/>
+                </a:solidFill>
+              </a:rPr>
+              <a:t> </a:t>
+            </a:r>
+            <a:r>
+              <a:rPr lang="de-DE" sz="1200" dirty="0" err="1">
+                <a:solidFill>
+                  <a:srgbClr val="00B0F0"/>
+                </a:solidFill>
+              </a:rPr>
+              <a:t>piUSV</a:t>
+            </a:r>
+            <a:endParaRPr lang="de-DE" sz="1200" dirty="0">
               <a:solidFill>
-                <a:schemeClr val="tx1"/>
-              </a:solidFill>
-            </a:endParaRPr>
-          </a:p>
-        </p:txBody>
-      </p:sp>
-      <p:cxnSp>
-        <p:nvCxnSpPr>
-          <p:cNvPr id="58" name="Verbinder: gekrümmt 57">
-            <a:extLst>
-              <a:ext uri="{FF2B5EF4-FFF2-40B4-BE49-F238E27FC236}">
-                <a16:creationId xmlns:a16="http://schemas.microsoft.com/office/drawing/2014/main" id="{075D2553-C9C7-4611-B4C0-499F7E7B6956}"/>
-              </a:ext>
-            </a:extLst>
-          </p:cNvPr>
-          <p:cNvCxnSpPr>
-            <a:cxnSpLocks/>
-            <a:stCxn id="7" idx="3"/>
-            <a:endCxn id="57" idx="1"/>
-          </p:cNvCxnSpPr>
-          <p:nvPr/>
-        </p:nvCxnSpPr>
-        <p:spPr>
-          <a:xfrm flipV="1">
-            <a:off x="7203750" y="1836183"/>
-            <a:ext cx="797103" cy="187789"/>
-          </a:xfrm>
-          <a:prstGeom prst="curvedConnector3">
-            <a:avLst>
-              <a:gd name="adj1" fmla="val 50000"/>
-            </a:avLst>
-          </a:prstGeom>
-          <a:ln w="28575">
-            <a:solidFill>
-              <a:schemeClr val="accent2"/>
-            </a:solidFill>
-            <a:tailEnd type="triangle"/>
-          </a:ln>
-        </p:spPr>
-        <p:style>
-          <a:lnRef idx="1">
-            <a:schemeClr val="accent1"/>
-          </a:lnRef>
-          <a:fillRef idx="0">
-            <a:schemeClr val="accent1"/>
-          </a:fillRef>
-          <a:effectRef idx="0">
-            <a:schemeClr val="accent1"/>
-          </a:effectRef>
-          <a:fontRef idx="minor">
-            <a:schemeClr val="tx1"/>
-          </a:fontRef>
-        </p:style>
-      </p:cxnSp>
-      <p:cxnSp>
-        <p:nvCxnSpPr>
-          <p:cNvPr id="84" name="Verbinder: gekrümmt 83">
-            <a:extLst>
-              <a:ext uri="{FF2B5EF4-FFF2-40B4-BE49-F238E27FC236}">
-                <a16:creationId xmlns:a16="http://schemas.microsoft.com/office/drawing/2014/main" id="{D1184EB2-0C13-4514-A50A-36EFD71914C1}"/>
-              </a:ext>
-            </a:extLst>
-          </p:cNvPr>
-          <p:cNvCxnSpPr>
-            <a:cxnSpLocks/>
-            <a:stCxn id="7" idx="2"/>
-            <a:endCxn id="5" idx="0"/>
-          </p:cNvCxnSpPr>
-          <p:nvPr/>
-        </p:nvCxnSpPr>
-        <p:spPr>
-          <a:xfrm rot="5400000">
-            <a:off x="5426672" y="1985857"/>
-            <a:ext cx="951607" cy="1678419"/>
-          </a:xfrm>
-          <a:prstGeom prst="curvedConnector3">
-            <a:avLst>
-              <a:gd name="adj1" fmla="val 50000"/>
-            </a:avLst>
-          </a:prstGeom>
-          <a:ln w="28575">
-            <a:solidFill>
-              <a:schemeClr val="accent2"/>
-            </a:solidFill>
-            <a:tailEnd type="triangle"/>
-          </a:ln>
-        </p:spPr>
-        <p:style>
-          <a:lnRef idx="1">
-            <a:schemeClr val="accent1"/>
-          </a:lnRef>
-          <a:fillRef idx="0">
-            <a:schemeClr val="accent1"/>
-          </a:fillRef>
-          <a:effectRef idx="0">
-            <a:schemeClr val="accent1"/>
-          </a:effectRef>
-          <a:fontRef idx="minor">
-            <a:schemeClr val="tx1"/>
-          </a:fontRef>
-        </p:style>
-      </p:cxnSp>
-      <p:sp>
-        <p:nvSpPr>
-          <p:cNvPr id="59" name="Rechteck 58">
-            <a:extLst>
-              <a:ext uri="{FF2B5EF4-FFF2-40B4-BE49-F238E27FC236}">
-                <a16:creationId xmlns:a16="http://schemas.microsoft.com/office/drawing/2014/main" id="{72271442-1FF0-4D8E-8C07-018AB36659AB}"/>
-              </a:ext>
-            </a:extLst>
-          </p:cNvPr>
-          <p:cNvSpPr/>
-          <p:nvPr/>
-        </p:nvSpPr>
-        <p:spPr>
-          <a:xfrm>
-            <a:off x="4031996" y="2636977"/>
-            <a:ext cx="915635" cy="307777"/>
-          </a:xfrm>
-          <a:prstGeom prst="rect">
-            <a:avLst/>
-          </a:prstGeom>
-        </p:spPr>
-        <p:txBody>
-          <a:bodyPr wrap="none">
-            <a:spAutoFit/>
-          </a:bodyPr>
-          <a:lstStyle/>
-          <a:p>
-            <a:r>
-              <a:rPr lang="de-DE" sz="1400" b="1" dirty="0">
-                <a:solidFill>
-                  <a:srgbClr val="FF0000"/>
-                </a:solidFill>
-              </a:rPr>
-              <a:t>1</a:t>
-            </a:r>
-            <a:r>
-              <a:rPr lang="de-DE" sz="1400" b="1" dirty="0">
-                <a:solidFill>
-                  <a:srgbClr val="00B050"/>
-                </a:solidFill>
-              </a:rPr>
-              <a:t>1</a:t>
-            </a:r>
-            <a:r>
-              <a:rPr lang="de-DE" sz="1400" b="1" dirty="0">
-                <a:solidFill>
-                  <a:srgbClr val="FF0000"/>
-                </a:solidFill>
-              </a:rPr>
-              <a:t>1</a:t>
-            </a:r>
-            <a:r>
-              <a:rPr lang="de-DE" sz="1400" b="1" dirty="0">
-                <a:solidFill>
-                  <a:srgbClr val="00B050"/>
-                </a:solidFill>
-              </a:rPr>
-              <a:t>10000</a:t>
-            </a:r>
-            <a:endParaRPr lang="de-DE" dirty="0"/>
-          </a:p>
-        </p:txBody>
-      </p:sp>
-      <p:sp>
-        <p:nvSpPr>
-          <p:cNvPr id="54" name="Rechteck 53">
-            <a:extLst>
-              <a:ext uri="{FF2B5EF4-FFF2-40B4-BE49-F238E27FC236}">
-                <a16:creationId xmlns:a16="http://schemas.microsoft.com/office/drawing/2014/main" id="{B07AABEE-B607-4E09-A90F-8C4398825CAB}"/>
-              </a:ext>
-            </a:extLst>
-          </p:cNvPr>
-          <p:cNvSpPr/>
-          <p:nvPr/>
-        </p:nvSpPr>
-        <p:spPr>
-          <a:xfrm>
-            <a:off x="0" y="0"/>
-            <a:ext cx="12192000" cy="405442"/>
-          </a:xfrm>
-          <a:prstGeom prst="rect">
-            <a:avLst/>
-          </a:prstGeom>
-          <a:solidFill>
-            <a:schemeClr val="bg1">
-              <a:lumMod val="95000"/>
-            </a:schemeClr>
-          </a:solidFill>
-          <a:ln>
-            <a:solidFill>
-              <a:schemeClr val="tx1"/>
-            </a:solidFill>
-          </a:ln>
-        </p:spPr>
-        <p:style>
-          <a:lnRef idx="2">
-            <a:schemeClr val="accent1">
-              <a:shade val="50000"/>
-            </a:schemeClr>
-          </a:lnRef>
-          <a:fillRef idx="1">
-            <a:schemeClr val="accent1"/>
-          </a:fillRef>
-          <a:effectRef idx="0">
-            <a:schemeClr val="accent1"/>
-          </a:effectRef>
-          <a:fontRef idx="minor">
-            <a:schemeClr val="lt1"/>
-          </a:fontRef>
-        </p:style>
-        <p:txBody>
-          <a:bodyPr lIns="180000" tIns="36000" rIns="36000" bIns="36000" numCol="2" rtlCol="0" anchor="ctr"/>
-          <a:lstStyle/>
-          <a:p>
-            <a:r>
-              <a:rPr lang="de-DE" sz="1600" dirty="0" err="1">
-                <a:solidFill>
-                  <a:schemeClr val="tx1"/>
-                </a:solidFill>
-              </a:rPr>
-              <a:t>RaspiGarden</a:t>
-            </a:r>
-            <a:r>
-              <a:rPr lang="de-DE" sz="1600" dirty="0">
-                <a:solidFill>
-                  <a:schemeClr val="tx1"/>
-                </a:solidFill>
-              </a:rPr>
-              <a:t>	Button User Interface</a:t>
-            </a:r>
-          </a:p>
-          <a:p>
-            <a:endParaRPr lang="de-DE" sz="1600" dirty="0">
-              <a:solidFill>
-                <a:schemeClr val="tx1"/>
+                <a:srgbClr val="00B0F0"/>
               </a:solidFill>
             </a:endParaRPr>
           </a:p>
@@ -6207,7 +4598,7 @@
     </p:spTree>
     <p:extLst>
       <p:ext uri="{BB962C8B-B14F-4D97-AF65-F5344CB8AC3E}">
-        <p14:creationId xmlns:p14="http://schemas.microsoft.com/office/powerpoint/2010/main" val="2474460717"/>
+        <p14:creationId xmlns:p14="http://schemas.microsoft.com/office/powerpoint/2010/main" val="3882108653"/>
       </p:ext>
     </p:extLst>
   </p:cSld>
@@ -6236,6 +4627,2912 @@
       </p:grpSpPr>
       <p:cxnSp>
         <p:nvCxnSpPr>
+          <p:cNvPr id="96" name="Verbinder: gekrümmt 95">
+            <a:extLst>
+              <a:ext uri="{FF2B5EF4-FFF2-40B4-BE49-F238E27FC236}">
+                <a16:creationId xmlns:a16="http://schemas.microsoft.com/office/drawing/2014/main" id="{1DD34B64-CA51-4E32-917C-0DBE622C6A78}"/>
+              </a:ext>
+            </a:extLst>
+          </p:cNvPr>
+          <p:cNvCxnSpPr>
+            <a:cxnSpLocks/>
+            <a:stCxn id="87" idx="1"/>
+            <a:endCxn id="5" idx="2"/>
+          </p:cNvCxnSpPr>
+          <p:nvPr/>
+        </p:nvCxnSpPr>
+        <p:spPr>
+          <a:xfrm rot="10800000" flipH="1">
+            <a:off x="4990325" y="3951452"/>
+            <a:ext cx="72939" cy="1211132"/>
+          </a:xfrm>
+          <a:prstGeom prst="curvedConnector4">
+            <a:avLst>
+              <a:gd name="adj1" fmla="val -313413"/>
+              <a:gd name="adj2" fmla="val 63429"/>
+            </a:avLst>
+          </a:prstGeom>
+          <a:ln w="28575">
+            <a:solidFill>
+              <a:schemeClr val="accent2"/>
+            </a:solidFill>
+            <a:tailEnd type="triangle"/>
+          </a:ln>
+        </p:spPr>
+        <p:style>
+          <a:lnRef idx="1">
+            <a:schemeClr val="accent1"/>
+          </a:lnRef>
+          <a:fillRef idx="0">
+            <a:schemeClr val="accent1"/>
+          </a:fillRef>
+          <a:effectRef idx="0">
+            <a:schemeClr val="accent1"/>
+          </a:effectRef>
+          <a:fontRef idx="minor">
+            <a:schemeClr val="tx1"/>
+          </a:fontRef>
+        </p:style>
+      </p:cxnSp>
+      <p:cxnSp>
+        <p:nvCxnSpPr>
+          <p:cNvPr id="46" name="Verbinder: gekrümmt 45">
+            <a:extLst>
+              <a:ext uri="{FF2B5EF4-FFF2-40B4-BE49-F238E27FC236}">
+                <a16:creationId xmlns:a16="http://schemas.microsoft.com/office/drawing/2014/main" id="{3BC041FB-5D90-4615-B65C-1966502A1DD7}"/>
+              </a:ext>
+            </a:extLst>
+          </p:cNvPr>
+          <p:cNvCxnSpPr>
+            <a:cxnSpLocks/>
+            <a:stCxn id="5" idx="0"/>
+            <a:endCxn id="7" idx="1"/>
+          </p:cNvCxnSpPr>
+          <p:nvPr/>
+        </p:nvCxnSpPr>
+        <p:spPr>
+          <a:xfrm rot="5400000" flipH="1" flipV="1">
+            <a:off x="5032992" y="2054245"/>
+            <a:ext cx="1276898" cy="1216352"/>
+          </a:xfrm>
+          <a:prstGeom prst="curvedConnector2">
+            <a:avLst/>
+          </a:prstGeom>
+          <a:ln w="28575">
+            <a:solidFill>
+              <a:schemeClr val="accent2"/>
+            </a:solidFill>
+            <a:tailEnd type="triangle"/>
+          </a:ln>
+        </p:spPr>
+        <p:style>
+          <a:lnRef idx="1">
+            <a:schemeClr val="accent1"/>
+          </a:lnRef>
+          <a:fillRef idx="0">
+            <a:schemeClr val="accent1"/>
+          </a:fillRef>
+          <a:effectRef idx="0">
+            <a:schemeClr val="accent1"/>
+          </a:effectRef>
+          <a:fontRef idx="minor">
+            <a:schemeClr val="tx1"/>
+          </a:fontRef>
+        </p:style>
+      </p:cxnSp>
+      <p:sp>
+        <p:nvSpPr>
+          <p:cNvPr id="4" name="Rechteck: abgerundete Ecken 3">
+            <a:extLst>
+              <a:ext uri="{FF2B5EF4-FFF2-40B4-BE49-F238E27FC236}">
+                <a16:creationId xmlns:a16="http://schemas.microsoft.com/office/drawing/2014/main" id="{071BCF68-486A-424D-985C-C16254FB561E}"/>
+              </a:ext>
+            </a:extLst>
+          </p:cNvPr>
+          <p:cNvSpPr/>
+          <p:nvPr/>
+        </p:nvSpPr>
+        <p:spPr>
+          <a:xfrm>
+            <a:off x="2579725" y="4010362"/>
+            <a:ext cx="924133" cy="650582"/>
+          </a:xfrm>
+          <a:prstGeom prst="roundRect">
+            <a:avLst/>
+          </a:prstGeom>
+          <a:solidFill>
+            <a:schemeClr val="bg1">
+              <a:lumMod val="95000"/>
+            </a:schemeClr>
+          </a:solidFill>
+          <a:ln>
+            <a:solidFill>
+              <a:schemeClr val="tx1"/>
+            </a:solidFill>
+          </a:ln>
+        </p:spPr>
+        <p:style>
+          <a:lnRef idx="2">
+            <a:schemeClr val="accent1">
+              <a:shade val="50000"/>
+            </a:schemeClr>
+          </a:lnRef>
+          <a:fillRef idx="1">
+            <a:schemeClr val="accent1"/>
+          </a:fillRef>
+          <a:effectRef idx="0">
+            <a:schemeClr val="accent1"/>
+          </a:effectRef>
+          <a:fontRef idx="minor">
+            <a:schemeClr val="lt1"/>
+          </a:fontRef>
+        </p:style>
+        <p:txBody>
+          <a:bodyPr lIns="36000" tIns="36000" rIns="36000" bIns="36000" rtlCol="0" anchor="ctr"/>
+          <a:lstStyle/>
+          <a:p>
+            <a:pPr algn="ctr"/>
+            <a:r>
+              <a:rPr lang="de-DE" sz="1600" dirty="0" err="1">
+                <a:solidFill>
+                  <a:schemeClr val="tx1"/>
+                </a:solidFill>
+              </a:rPr>
+              <a:t>AboutTo</a:t>
+            </a:r>
+            <a:r>
+              <a:rPr lang="de-DE" sz="1600" dirty="0">
+                <a:solidFill>
+                  <a:schemeClr val="tx1"/>
+                </a:solidFill>
+              </a:rPr>
+              <a:t>-Rain</a:t>
+            </a:r>
+          </a:p>
+          <a:p>
+            <a:pPr algn="ctr"/>
+            <a:endParaRPr lang="de-DE" sz="1600" dirty="0">
+              <a:solidFill>
+                <a:schemeClr val="tx1"/>
+              </a:solidFill>
+            </a:endParaRPr>
+          </a:p>
+        </p:txBody>
+      </p:sp>
+      <p:sp>
+        <p:nvSpPr>
+          <p:cNvPr id="5" name="Rechteck: abgerundete Ecken 4">
+            <a:extLst>
+              <a:ext uri="{FF2B5EF4-FFF2-40B4-BE49-F238E27FC236}">
+                <a16:creationId xmlns:a16="http://schemas.microsoft.com/office/drawing/2014/main" id="{13AAE4B0-A8CD-4FE1-94D0-CE45E6B1428B}"/>
+              </a:ext>
+            </a:extLst>
+          </p:cNvPr>
+          <p:cNvSpPr/>
+          <p:nvPr/>
+        </p:nvSpPr>
+        <p:spPr>
+          <a:xfrm>
+            <a:off x="4601198" y="3300870"/>
+            <a:ext cx="924133" cy="650582"/>
+          </a:xfrm>
+          <a:prstGeom prst="roundRect">
+            <a:avLst/>
+          </a:prstGeom>
+          <a:solidFill>
+            <a:schemeClr val="bg1">
+              <a:lumMod val="95000"/>
+            </a:schemeClr>
+          </a:solidFill>
+          <a:ln>
+            <a:solidFill>
+              <a:schemeClr val="tx1"/>
+            </a:solidFill>
+          </a:ln>
+        </p:spPr>
+        <p:style>
+          <a:lnRef idx="2">
+            <a:schemeClr val="accent1">
+              <a:shade val="50000"/>
+            </a:schemeClr>
+          </a:lnRef>
+          <a:fillRef idx="1">
+            <a:schemeClr val="accent1"/>
+          </a:fillRef>
+          <a:effectRef idx="0">
+            <a:schemeClr val="accent1"/>
+          </a:effectRef>
+          <a:fontRef idx="minor">
+            <a:schemeClr val="lt1"/>
+          </a:fontRef>
+        </p:style>
+        <p:txBody>
+          <a:bodyPr lIns="36000" tIns="36000" rIns="36000" bIns="36000" rtlCol="0" anchor="ctr"/>
+          <a:lstStyle/>
+          <a:p>
+            <a:pPr algn="ctr"/>
+            <a:r>
+              <a:rPr lang="de-DE" sz="1600" dirty="0" err="1">
+                <a:solidFill>
+                  <a:schemeClr val="tx1"/>
+                </a:solidFill>
+              </a:rPr>
+              <a:t>Awake</a:t>
+            </a:r>
+            <a:endParaRPr lang="de-DE" sz="1600" dirty="0">
+              <a:solidFill>
+                <a:schemeClr val="tx1"/>
+              </a:solidFill>
+            </a:endParaRPr>
+          </a:p>
+        </p:txBody>
+      </p:sp>
+      <p:sp>
+        <p:nvSpPr>
+          <p:cNvPr id="6" name="Rechteck: abgerundete Ecken 5">
+            <a:extLst>
+              <a:ext uri="{FF2B5EF4-FFF2-40B4-BE49-F238E27FC236}">
+                <a16:creationId xmlns:a16="http://schemas.microsoft.com/office/drawing/2014/main" id="{6FDFF10F-2B97-461C-ABCF-381DA4B1836D}"/>
+              </a:ext>
+            </a:extLst>
+          </p:cNvPr>
+          <p:cNvSpPr/>
+          <p:nvPr/>
+        </p:nvSpPr>
+        <p:spPr>
+          <a:xfrm>
+            <a:off x="4250283" y="962449"/>
+            <a:ext cx="924133" cy="650582"/>
+          </a:xfrm>
+          <a:prstGeom prst="roundRect">
+            <a:avLst/>
+          </a:prstGeom>
+          <a:solidFill>
+            <a:schemeClr val="bg1">
+              <a:lumMod val="95000"/>
+            </a:schemeClr>
+          </a:solidFill>
+          <a:ln>
+            <a:solidFill>
+              <a:schemeClr val="tx1"/>
+            </a:solidFill>
+          </a:ln>
+        </p:spPr>
+        <p:style>
+          <a:lnRef idx="2">
+            <a:schemeClr val="accent1">
+              <a:shade val="50000"/>
+            </a:schemeClr>
+          </a:lnRef>
+          <a:fillRef idx="1">
+            <a:schemeClr val="accent1"/>
+          </a:fillRef>
+          <a:effectRef idx="0">
+            <a:schemeClr val="accent1"/>
+          </a:effectRef>
+          <a:fontRef idx="minor">
+            <a:schemeClr val="lt1"/>
+          </a:fontRef>
+        </p:style>
+        <p:txBody>
+          <a:bodyPr lIns="36000" tIns="36000" rIns="36000" bIns="36000" rtlCol="0" anchor="ctr"/>
+          <a:lstStyle/>
+          <a:p>
+            <a:pPr algn="ctr"/>
+            <a:r>
+              <a:rPr lang="de-DE" sz="1600" dirty="0" err="1">
+                <a:solidFill>
+                  <a:schemeClr val="tx1"/>
+                </a:solidFill>
+              </a:rPr>
+              <a:t>Asleep</a:t>
+            </a:r>
+            <a:endParaRPr lang="de-DE" sz="1600" dirty="0">
+              <a:solidFill>
+                <a:schemeClr val="tx1"/>
+              </a:solidFill>
+            </a:endParaRPr>
+          </a:p>
+        </p:txBody>
+      </p:sp>
+      <p:sp>
+        <p:nvSpPr>
+          <p:cNvPr id="7" name="Rechteck: abgerundete Ecken 6">
+            <a:extLst>
+              <a:ext uri="{FF2B5EF4-FFF2-40B4-BE49-F238E27FC236}">
+                <a16:creationId xmlns:a16="http://schemas.microsoft.com/office/drawing/2014/main" id="{420201F0-F423-4D79-8339-B8A348DEF35C}"/>
+              </a:ext>
+            </a:extLst>
+          </p:cNvPr>
+          <p:cNvSpPr/>
+          <p:nvPr/>
+        </p:nvSpPr>
+        <p:spPr>
+          <a:xfrm>
+            <a:off x="6279617" y="1698681"/>
+            <a:ext cx="924133" cy="650582"/>
+          </a:xfrm>
+          <a:prstGeom prst="roundRect">
+            <a:avLst/>
+          </a:prstGeom>
+          <a:solidFill>
+            <a:schemeClr val="bg1">
+              <a:lumMod val="95000"/>
+            </a:schemeClr>
+          </a:solidFill>
+          <a:ln>
+            <a:solidFill>
+              <a:schemeClr val="tx1"/>
+            </a:solidFill>
+          </a:ln>
+        </p:spPr>
+        <p:style>
+          <a:lnRef idx="2">
+            <a:schemeClr val="accent1">
+              <a:shade val="50000"/>
+            </a:schemeClr>
+          </a:lnRef>
+          <a:fillRef idx="1">
+            <a:schemeClr val="accent1"/>
+          </a:fillRef>
+          <a:effectRef idx="0">
+            <a:schemeClr val="accent1"/>
+          </a:effectRef>
+          <a:fontRef idx="minor">
+            <a:schemeClr val="lt1"/>
+          </a:fontRef>
+        </p:style>
+        <p:txBody>
+          <a:bodyPr lIns="36000" tIns="36000" rIns="36000" bIns="36000" rtlCol="0" anchor="ctr"/>
+          <a:lstStyle/>
+          <a:p>
+            <a:pPr algn="ctr"/>
+            <a:r>
+              <a:rPr lang="de-DE" sz="1600" dirty="0" err="1">
+                <a:solidFill>
+                  <a:schemeClr val="tx1"/>
+                </a:solidFill>
+              </a:rPr>
+              <a:t>AboutTo-PwrDn</a:t>
+            </a:r>
+            <a:endParaRPr lang="de-DE" sz="1600" dirty="0">
+              <a:solidFill>
+                <a:schemeClr val="tx1"/>
+              </a:solidFill>
+            </a:endParaRPr>
+          </a:p>
+          <a:p>
+            <a:pPr algn="ctr"/>
+            <a:endParaRPr lang="de-DE" sz="1600" dirty="0">
+              <a:solidFill>
+                <a:schemeClr val="tx1"/>
+              </a:solidFill>
+            </a:endParaRPr>
+          </a:p>
+        </p:txBody>
+      </p:sp>
+      <p:sp>
+        <p:nvSpPr>
+          <p:cNvPr id="8" name="Rechteck: abgerundete Ecken 7">
+            <a:extLst>
+              <a:ext uri="{FF2B5EF4-FFF2-40B4-BE49-F238E27FC236}">
+                <a16:creationId xmlns:a16="http://schemas.microsoft.com/office/drawing/2014/main" id="{11CB8592-3ACB-48FF-ABA4-38298B6A1B55}"/>
+              </a:ext>
+            </a:extLst>
+          </p:cNvPr>
+          <p:cNvSpPr/>
+          <p:nvPr/>
+        </p:nvSpPr>
+        <p:spPr>
+          <a:xfrm>
+            <a:off x="6824186" y="4335653"/>
+            <a:ext cx="924133" cy="650582"/>
+          </a:xfrm>
+          <a:prstGeom prst="roundRect">
+            <a:avLst/>
+          </a:prstGeom>
+          <a:solidFill>
+            <a:schemeClr val="bg1">
+              <a:lumMod val="95000"/>
+            </a:schemeClr>
+          </a:solidFill>
+          <a:ln>
+            <a:solidFill>
+              <a:schemeClr val="tx1"/>
+            </a:solidFill>
+          </a:ln>
+        </p:spPr>
+        <p:style>
+          <a:lnRef idx="2">
+            <a:schemeClr val="accent1">
+              <a:shade val="50000"/>
+            </a:schemeClr>
+          </a:lnRef>
+          <a:fillRef idx="1">
+            <a:schemeClr val="accent1"/>
+          </a:fillRef>
+          <a:effectRef idx="0">
+            <a:schemeClr val="accent1"/>
+          </a:effectRef>
+          <a:fontRef idx="minor">
+            <a:schemeClr val="lt1"/>
+          </a:fontRef>
+        </p:style>
+        <p:txBody>
+          <a:bodyPr lIns="36000" tIns="36000" rIns="36000" bIns="36000" rtlCol="0" anchor="ctr"/>
+          <a:lstStyle/>
+          <a:p>
+            <a:pPr algn="ctr"/>
+            <a:r>
+              <a:rPr lang="de-DE" sz="1600" dirty="0" err="1">
+                <a:solidFill>
+                  <a:schemeClr val="tx1"/>
+                </a:solidFill>
+              </a:rPr>
+              <a:t>AboutTo</a:t>
+            </a:r>
+            <a:r>
+              <a:rPr lang="de-DE" sz="1600" dirty="0">
+                <a:solidFill>
+                  <a:schemeClr val="tx1"/>
+                </a:solidFill>
+              </a:rPr>
+              <a:t>-Random</a:t>
+            </a:r>
+          </a:p>
+          <a:p>
+            <a:pPr algn="ctr"/>
+            <a:endParaRPr lang="de-DE" sz="1600" dirty="0">
+              <a:solidFill>
+                <a:schemeClr val="tx1"/>
+              </a:solidFill>
+            </a:endParaRPr>
+          </a:p>
+        </p:txBody>
+      </p:sp>
+      <p:sp>
+        <p:nvSpPr>
+          <p:cNvPr id="9" name="Rechteck: abgerundete Ecken 8">
+            <a:extLst>
+              <a:ext uri="{FF2B5EF4-FFF2-40B4-BE49-F238E27FC236}">
+                <a16:creationId xmlns:a16="http://schemas.microsoft.com/office/drawing/2014/main" id="{7C5E44A9-F751-43C7-8A59-414172F7E489}"/>
+              </a:ext>
+            </a:extLst>
+          </p:cNvPr>
+          <p:cNvSpPr/>
+          <p:nvPr/>
+        </p:nvSpPr>
+        <p:spPr>
+          <a:xfrm>
+            <a:off x="1798576" y="2921791"/>
+            <a:ext cx="924133" cy="650582"/>
+          </a:xfrm>
+          <a:prstGeom prst="roundRect">
+            <a:avLst/>
+          </a:prstGeom>
+          <a:solidFill>
+            <a:schemeClr val="bg1">
+              <a:lumMod val="95000"/>
+            </a:schemeClr>
+          </a:solidFill>
+          <a:ln>
+            <a:solidFill>
+              <a:schemeClr val="tx1"/>
+            </a:solidFill>
+          </a:ln>
+        </p:spPr>
+        <p:style>
+          <a:lnRef idx="2">
+            <a:schemeClr val="accent1">
+              <a:shade val="50000"/>
+            </a:schemeClr>
+          </a:lnRef>
+          <a:fillRef idx="1">
+            <a:schemeClr val="accent1"/>
+          </a:fillRef>
+          <a:effectRef idx="0">
+            <a:schemeClr val="accent1"/>
+          </a:effectRef>
+          <a:fontRef idx="minor">
+            <a:schemeClr val="lt1"/>
+          </a:fontRef>
+        </p:style>
+        <p:txBody>
+          <a:bodyPr lIns="36000" tIns="36000" rIns="36000" bIns="36000" rtlCol="0" anchor="ctr"/>
+          <a:lstStyle/>
+          <a:p>
+            <a:pPr algn="ctr"/>
+            <a:r>
+              <a:rPr lang="de-DE" sz="1600" dirty="0" err="1">
+                <a:solidFill>
+                  <a:schemeClr val="tx1"/>
+                </a:solidFill>
+              </a:rPr>
+              <a:t>Raining</a:t>
+            </a:r>
+            <a:endParaRPr lang="de-DE" sz="1600" dirty="0">
+              <a:solidFill>
+                <a:schemeClr val="tx1"/>
+              </a:solidFill>
+            </a:endParaRPr>
+          </a:p>
+        </p:txBody>
+      </p:sp>
+      <p:cxnSp>
+        <p:nvCxnSpPr>
+          <p:cNvPr id="11" name="Verbinder: gekrümmt 10">
+            <a:extLst>
+              <a:ext uri="{FF2B5EF4-FFF2-40B4-BE49-F238E27FC236}">
+                <a16:creationId xmlns:a16="http://schemas.microsoft.com/office/drawing/2014/main" id="{305C8BEC-795E-4CEC-8B81-CEF02F74DB0E}"/>
+              </a:ext>
+            </a:extLst>
+          </p:cNvPr>
+          <p:cNvCxnSpPr>
+            <a:stCxn id="4" idx="1"/>
+            <a:endCxn id="9" idx="2"/>
+          </p:cNvCxnSpPr>
+          <p:nvPr/>
+        </p:nvCxnSpPr>
+        <p:spPr>
+          <a:xfrm rot="10800000">
+            <a:off x="2260643" y="3572373"/>
+            <a:ext cx="319082" cy="763280"/>
+          </a:xfrm>
+          <a:prstGeom prst="curvedConnector2">
+            <a:avLst/>
+          </a:prstGeom>
+          <a:ln w="28575">
+            <a:solidFill>
+              <a:srgbClr val="00B0F0"/>
+            </a:solidFill>
+            <a:tailEnd type="triangle"/>
+          </a:ln>
+        </p:spPr>
+        <p:style>
+          <a:lnRef idx="1">
+            <a:schemeClr val="accent1"/>
+          </a:lnRef>
+          <a:fillRef idx="0">
+            <a:schemeClr val="accent1"/>
+          </a:fillRef>
+          <a:effectRef idx="0">
+            <a:schemeClr val="accent1"/>
+          </a:effectRef>
+          <a:fontRef idx="minor">
+            <a:schemeClr val="tx1"/>
+          </a:fontRef>
+        </p:style>
+      </p:cxnSp>
+      <p:cxnSp>
+        <p:nvCxnSpPr>
+          <p:cNvPr id="12" name="Verbinder: gekrümmt 11">
+            <a:extLst>
+              <a:ext uri="{FF2B5EF4-FFF2-40B4-BE49-F238E27FC236}">
+                <a16:creationId xmlns:a16="http://schemas.microsoft.com/office/drawing/2014/main" id="{EECF444D-9F12-4C29-9F75-41555356903A}"/>
+              </a:ext>
+            </a:extLst>
+          </p:cNvPr>
+          <p:cNvCxnSpPr>
+            <a:cxnSpLocks/>
+            <a:stCxn id="5" idx="1"/>
+            <a:endCxn id="4" idx="3"/>
+          </p:cNvCxnSpPr>
+          <p:nvPr/>
+        </p:nvCxnSpPr>
+        <p:spPr>
+          <a:xfrm rot="10800000" flipV="1">
+            <a:off x="3503858" y="3626161"/>
+            <a:ext cx="1097340" cy="709492"/>
+          </a:xfrm>
+          <a:prstGeom prst="curvedConnector3">
+            <a:avLst>
+              <a:gd name="adj1" fmla="val 50000"/>
+            </a:avLst>
+          </a:prstGeom>
+          <a:ln w="28575">
+            <a:solidFill>
+              <a:srgbClr val="00B0F0"/>
+            </a:solidFill>
+            <a:tailEnd type="triangle"/>
+          </a:ln>
+        </p:spPr>
+        <p:style>
+          <a:lnRef idx="1">
+            <a:schemeClr val="accent1"/>
+          </a:lnRef>
+          <a:fillRef idx="0">
+            <a:schemeClr val="accent1"/>
+          </a:fillRef>
+          <a:effectRef idx="0">
+            <a:schemeClr val="accent1"/>
+          </a:effectRef>
+          <a:fontRef idx="minor">
+            <a:schemeClr val="tx1"/>
+          </a:fontRef>
+        </p:style>
+      </p:cxnSp>
+      <p:cxnSp>
+        <p:nvCxnSpPr>
+          <p:cNvPr id="15" name="Verbinder: gekrümmt 14">
+            <a:extLst>
+              <a:ext uri="{FF2B5EF4-FFF2-40B4-BE49-F238E27FC236}">
+                <a16:creationId xmlns:a16="http://schemas.microsoft.com/office/drawing/2014/main" id="{DF8B2F76-CD29-4C4C-90B7-AD563672435D}"/>
+              </a:ext>
+            </a:extLst>
+          </p:cNvPr>
+          <p:cNvCxnSpPr>
+            <a:cxnSpLocks/>
+            <a:stCxn id="5" idx="3"/>
+            <a:endCxn id="8" idx="1"/>
+          </p:cNvCxnSpPr>
+          <p:nvPr/>
+        </p:nvCxnSpPr>
+        <p:spPr>
+          <a:xfrm>
+            <a:off x="5525331" y="3626161"/>
+            <a:ext cx="1298855" cy="1034783"/>
+          </a:xfrm>
+          <a:prstGeom prst="curvedConnector3">
+            <a:avLst>
+              <a:gd name="adj1" fmla="val 50000"/>
+            </a:avLst>
+          </a:prstGeom>
+          <a:ln w="28575">
+            <a:solidFill>
+              <a:srgbClr val="00B0F0"/>
+            </a:solidFill>
+            <a:tailEnd type="triangle"/>
+          </a:ln>
+        </p:spPr>
+        <p:style>
+          <a:lnRef idx="1">
+            <a:schemeClr val="accent1"/>
+          </a:lnRef>
+          <a:fillRef idx="0">
+            <a:schemeClr val="accent1"/>
+          </a:fillRef>
+          <a:effectRef idx="0">
+            <a:schemeClr val="accent1"/>
+          </a:effectRef>
+          <a:fontRef idx="minor">
+            <a:schemeClr val="tx1"/>
+          </a:fontRef>
+        </p:style>
+      </p:cxnSp>
+      <p:sp>
+        <p:nvSpPr>
+          <p:cNvPr id="18" name="Rechteck: abgerundete Ecken 17">
+            <a:extLst>
+              <a:ext uri="{FF2B5EF4-FFF2-40B4-BE49-F238E27FC236}">
+                <a16:creationId xmlns:a16="http://schemas.microsoft.com/office/drawing/2014/main" id="{9AB12ABB-ED7A-4347-B777-5C2823A0DE2F}"/>
+              </a:ext>
+            </a:extLst>
+          </p:cNvPr>
+          <p:cNvSpPr/>
+          <p:nvPr/>
+        </p:nvSpPr>
+        <p:spPr>
+          <a:xfrm>
+            <a:off x="7643992" y="3167680"/>
+            <a:ext cx="924133" cy="650582"/>
+          </a:xfrm>
+          <a:prstGeom prst="roundRect">
+            <a:avLst/>
+          </a:prstGeom>
+          <a:solidFill>
+            <a:schemeClr val="bg1">
+              <a:lumMod val="95000"/>
+            </a:schemeClr>
+          </a:solidFill>
+          <a:ln>
+            <a:solidFill>
+              <a:schemeClr val="tx1"/>
+            </a:solidFill>
+          </a:ln>
+        </p:spPr>
+        <p:style>
+          <a:lnRef idx="2">
+            <a:schemeClr val="accent1">
+              <a:shade val="50000"/>
+            </a:schemeClr>
+          </a:lnRef>
+          <a:fillRef idx="1">
+            <a:schemeClr val="accent1"/>
+          </a:fillRef>
+          <a:effectRef idx="0">
+            <a:schemeClr val="accent1"/>
+          </a:effectRef>
+          <a:fontRef idx="minor">
+            <a:schemeClr val="lt1"/>
+          </a:fontRef>
+        </p:style>
+        <p:txBody>
+          <a:bodyPr lIns="36000" tIns="36000" rIns="36000" bIns="36000" rtlCol="0" anchor="ctr"/>
+          <a:lstStyle/>
+          <a:p>
+            <a:pPr algn="ctr"/>
+            <a:r>
+              <a:rPr lang="de-DE" sz="1600" dirty="0">
+                <a:solidFill>
+                  <a:schemeClr val="tx1"/>
+                </a:solidFill>
+              </a:rPr>
+              <a:t>Random</a:t>
+            </a:r>
+          </a:p>
+        </p:txBody>
+      </p:sp>
+      <p:cxnSp>
+        <p:nvCxnSpPr>
+          <p:cNvPr id="23" name="Verbinder: gekrümmt 22">
+            <a:extLst>
+              <a:ext uri="{FF2B5EF4-FFF2-40B4-BE49-F238E27FC236}">
+                <a16:creationId xmlns:a16="http://schemas.microsoft.com/office/drawing/2014/main" id="{49785124-0D17-4797-912D-B17FDFDC6182}"/>
+              </a:ext>
+            </a:extLst>
+          </p:cNvPr>
+          <p:cNvCxnSpPr>
+            <a:cxnSpLocks/>
+            <a:stCxn id="8" idx="3"/>
+            <a:endCxn id="18" idx="2"/>
+          </p:cNvCxnSpPr>
+          <p:nvPr/>
+        </p:nvCxnSpPr>
+        <p:spPr>
+          <a:xfrm flipV="1">
+            <a:off x="7748319" y="3818262"/>
+            <a:ext cx="357740" cy="842682"/>
+          </a:xfrm>
+          <a:prstGeom prst="curvedConnector2">
+            <a:avLst/>
+          </a:prstGeom>
+          <a:ln w="28575">
+            <a:solidFill>
+              <a:srgbClr val="00B0F0"/>
+            </a:solidFill>
+            <a:tailEnd type="triangle"/>
+          </a:ln>
+        </p:spPr>
+        <p:style>
+          <a:lnRef idx="1">
+            <a:schemeClr val="accent1"/>
+          </a:lnRef>
+          <a:fillRef idx="0">
+            <a:schemeClr val="accent1"/>
+          </a:fillRef>
+          <a:effectRef idx="0">
+            <a:schemeClr val="accent1"/>
+          </a:effectRef>
+          <a:fontRef idx="minor">
+            <a:schemeClr val="tx1"/>
+          </a:fontRef>
+        </p:style>
+      </p:cxnSp>
+      <p:cxnSp>
+        <p:nvCxnSpPr>
+          <p:cNvPr id="27" name="Verbinder: gekrümmt 26">
+            <a:extLst>
+              <a:ext uri="{FF2B5EF4-FFF2-40B4-BE49-F238E27FC236}">
+                <a16:creationId xmlns:a16="http://schemas.microsoft.com/office/drawing/2014/main" id="{A5678CC2-5272-4C9C-9147-8E7627FF0E85}"/>
+              </a:ext>
+            </a:extLst>
+          </p:cNvPr>
+          <p:cNvCxnSpPr>
+            <a:cxnSpLocks/>
+            <a:stCxn id="8" idx="0"/>
+            <a:endCxn id="5" idx="3"/>
+          </p:cNvCxnSpPr>
+          <p:nvPr/>
+        </p:nvCxnSpPr>
+        <p:spPr>
+          <a:xfrm rot="16200000" flipV="1">
+            <a:off x="6051046" y="3100446"/>
+            <a:ext cx="709492" cy="1760922"/>
+          </a:xfrm>
+          <a:prstGeom prst="curvedConnector2">
+            <a:avLst/>
+          </a:prstGeom>
+          <a:ln w="28575">
+            <a:solidFill>
+              <a:schemeClr val="accent2"/>
+            </a:solidFill>
+            <a:tailEnd type="triangle"/>
+          </a:ln>
+        </p:spPr>
+        <p:style>
+          <a:lnRef idx="1">
+            <a:schemeClr val="accent1"/>
+          </a:lnRef>
+          <a:fillRef idx="0">
+            <a:schemeClr val="accent1"/>
+          </a:fillRef>
+          <a:effectRef idx="0">
+            <a:schemeClr val="accent1"/>
+          </a:effectRef>
+          <a:fontRef idx="minor">
+            <a:schemeClr val="tx1"/>
+          </a:fontRef>
+        </p:style>
+      </p:cxnSp>
+      <p:cxnSp>
+        <p:nvCxnSpPr>
+          <p:cNvPr id="38" name="Verbinder: gekrümmt 37">
+            <a:extLst>
+              <a:ext uri="{FF2B5EF4-FFF2-40B4-BE49-F238E27FC236}">
+                <a16:creationId xmlns:a16="http://schemas.microsoft.com/office/drawing/2014/main" id="{5A364712-79B0-4B93-9741-29DCC54DDDD9}"/>
+              </a:ext>
+            </a:extLst>
+          </p:cNvPr>
+          <p:cNvCxnSpPr>
+            <a:cxnSpLocks/>
+            <a:stCxn id="18" idx="1"/>
+            <a:endCxn id="5" idx="3"/>
+          </p:cNvCxnSpPr>
+          <p:nvPr/>
+        </p:nvCxnSpPr>
+        <p:spPr>
+          <a:xfrm rot="10800000" flipV="1">
+            <a:off x="5525332" y="3492971"/>
+            <a:ext cx="2118661" cy="133190"/>
+          </a:xfrm>
+          <a:prstGeom prst="curvedConnector3">
+            <a:avLst>
+              <a:gd name="adj1" fmla="val 50000"/>
+            </a:avLst>
+          </a:prstGeom>
+          <a:ln w="28575">
+            <a:solidFill>
+              <a:schemeClr val="accent2"/>
+            </a:solidFill>
+            <a:tailEnd type="triangle"/>
+          </a:ln>
+        </p:spPr>
+        <p:style>
+          <a:lnRef idx="1">
+            <a:schemeClr val="accent1"/>
+          </a:lnRef>
+          <a:fillRef idx="0">
+            <a:schemeClr val="accent1"/>
+          </a:fillRef>
+          <a:effectRef idx="0">
+            <a:schemeClr val="accent1"/>
+          </a:effectRef>
+          <a:fontRef idx="minor">
+            <a:schemeClr val="tx1"/>
+          </a:fontRef>
+        </p:style>
+      </p:cxnSp>
+      <p:cxnSp>
+        <p:nvCxnSpPr>
+          <p:cNvPr id="50" name="Verbinder: gekrümmt 49">
+            <a:extLst>
+              <a:ext uri="{FF2B5EF4-FFF2-40B4-BE49-F238E27FC236}">
+                <a16:creationId xmlns:a16="http://schemas.microsoft.com/office/drawing/2014/main" id="{4268B6FE-2C87-457A-9F66-8327A8365959}"/>
+              </a:ext>
+            </a:extLst>
+          </p:cNvPr>
+          <p:cNvCxnSpPr>
+            <a:cxnSpLocks/>
+            <a:stCxn id="5" idx="0"/>
+            <a:endCxn id="6" idx="3"/>
+          </p:cNvCxnSpPr>
+          <p:nvPr/>
+        </p:nvCxnSpPr>
+        <p:spPr>
+          <a:xfrm rot="5400000" flipH="1" flipV="1">
+            <a:off x="4112275" y="2238730"/>
+            <a:ext cx="2013130" cy="111151"/>
+          </a:xfrm>
+          <a:prstGeom prst="curvedConnector4">
+            <a:avLst>
+              <a:gd name="adj1" fmla="val 41921"/>
+              <a:gd name="adj2" fmla="val 305666"/>
+            </a:avLst>
+          </a:prstGeom>
+          <a:ln w="28575">
+            <a:solidFill>
+              <a:schemeClr val="bg1">
+                <a:lumMod val="50000"/>
+              </a:schemeClr>
+            </a:solidFill>
+            <a:prstDash val="sysDash"/>
+            <a:tailEnd type="triangle"/>
+          </a:ln>
+        </p:spPr>
+        <p:style>
+          <a:lnRef idx="1">
+            <a:schemeClr val="accent1"/>
+          </a:lnRef>
+          <a:fillRef idx="0">
+            <a:schemeClr val="accent1"/>
+          </a:fillRef>
+          <a:effectRef idx="0">
+            <a:schemeClr val="accent1"/>
+          </a:effectRef>
+          <a:fontRef idx="minor">
+            <a:schemeClr val="tx1"/>
+          </a:fontRef>
+        </p:style>
+      </p:cxnSp>
+      <p:cxnSp>
+        <p:nvCxnSpPr>
+          <p:cNvPr id="55" name="Verbinder: gekrümmt 54">
+            <a:extLst>
+              <a:ext uri="{FF2B5EF4-FFF2-40B4-BE49-F238E27FC236}">
+                <a16:creationId xmlns:a16="http://schemas.microsoft.com/office/drawing/2014/main" id="{3814D592-A647-4CBC-AA91-56D348D38C5A}"/>
+              </a:ext>
+            </a:extLst>
+          </p:cNvPr>
+          <p:cNvCxnSpPr>
+            <a:cxnSpLocks/>
+            <a:stCxn id="4" idx="0"/>
+            <a:endCxn id="5" idx="1"/>
+          </p:cNvCxnSpPr>
+          <p:nvPr/>
+        </p:nvCxnSpPr>
+        <p:spPr>
+          <a:xfrm rot="5400000" flipH="1" flipV="1">
+            <a:off x="3629395" y="3038559"/>
+            <a:ext cx="384201" cy="1559406"/>
+          </a:xfrm>
+          <a:prstGeom prst="curvedConnector2">
+            <a:avLst/>
+          </a:prstGeom>
+          <a:ln w="28575">
+            <a:solidFill>
+              <a:schemeClr val="accent2"/>
+            </a:solidFill>
+            <a:tailEnd type="triangle"/>
+          </a:ln>
+        </p:spPr>
+        <p:style>
+          <a:lnRef idx="1">
+            <a:schemeClr val="accent1"/>
+          </a:lnRef>
+          <a:fillRef idx="0">
+            <a:schemeClr val="accent1"/>
+          </a:fillRef>
+          <a:effectRef idx="0">
+            <a:schemeClr val="accent1"/>
+          </a:effectRef>
+          <a:fontRef idx="minor">
+            <a:schemeClr val="tx1"/>
+          </a:fontRef>
+        </p:style>
+      </p:cxnSp>
+      <p:cxnSp>
+        <p:nvCxnSpPr>
+          <p:cNvPr id="62" name="Verbinder: gekrümmt 61">
+            <a:extLst>
+              <a:ext uri="{FF2B5EF4-FFF2-40B4-BE49-F238E27FC236}">
+                <a16:creationId xmlns:a16="http://schemas.microsoft.com/office/drawing/2014/main" id="{9D4A24EB-84B3-41CE-8619-C4BB43DCB62E}"/>
+              </a:ext>
+            </a:extLst>
+          </p:cNvPr>
+          <p:cNvCxnSpPr>
+            <a:cxnSpLocks/>
+            <a:stCxn id="9" idx="3"/>
+            <a:endCxn id="5" idx="1"/>
+          </p:cNvCxnSpPr>
+          <p:nvPr/>
+        </p:nvCxnSpPr>
+        <p:spPr>
+          <a:xfrm>
+            <a:off x="2722709" y="3247082"/>
+            <a:ext cx="1878489" cy="379079"/>
+          </a:xfrm>
+          <a:prstGeom prst="curvedConnector3">
+            <a:avLst>
+              <a:gd name="adj1" fmla="val 50000"/>
+            </a:avLst>
+          </a:prstGeom>
+          <a:ln w="28575">
+            <a:solidFill>
+              <a:schemeClr val="accent2"/>
+            </a:solidFill>
+            <a:tailEnd type="triangle"/>
+          </a:ln>
+        </p:spPr>
+        <p:style>
+          <a:lnRef idx="1">
+            <a:schemeClr val="accent1"/>
+          </a:lnRef>
+          <a:fillRef idx="0">
+            <a:schemeClr val="accent1"/>
+          </a:fillRef>
+          <a:effectRef idx="0">
+            <a:schemeClr val="accent1"/>
+          </a:effectRef>
+          <a:fontRef idx="minor">
+            <a:schemeClr val="tx1"/>
+          </a:fontRef>
+        </p:style>
+      </p:cxnSp>
+      <p:cxnSp>
+        <p:nvCxnSpPr>
+          <p:cNvPr id="43" name="Verbinder: gekrümmt 42">
+            <a:extLst>
+              <a:ext uri="{FF2B5EF4-FFF2-40B4-BE49-F238E27FC236}">
+                <a16:creationId xmlns:a16="http://schemas.microsoft.com/office/drawing/2014/main" id="{4B93F9BD-68A0-46D3-8306-1776A5EE2168}"/>
+              </a:ext>
+            </a:extLst>
+          </p:cNvPr>
+          <p:cNvCxnSpPr>
+            <a:cxnSpLocks/>
+            <a:stCxn id="6" idx="2"/>
+            <a:endCxn id="49" idx="0"/>
+          </p:cNvCxnSpPr>
+          <p:nvPr/>
+        </p:nvCxnSpPr>
+        <p:spPr>
+          <a:xfrm rot="5400000">
+            <a:off x="4297831" y="1829796"/>
+            <a:ext cx="631284" cy="197755"/>
+          </a:xfrm>
+          <a:prstGeom prst="curvedConnector3">
+            <a:avLst>
+              <a:gd name="adj1" fmla="val 50000"/>
+            </a:avLst>
+          </a:prstGeom>
+          <a:ln w="28575">
+            <a:solidFill>
+              <a:srgbClr val="00B0F0"/>
+            </a:solidFill>
+            <a:tailEnd type="triangle"/>
+          </a:ln>
+        </p:spPr>
+        <p:style>
+          <a:lnRef idx="1">
+            <a:schemeClr val="accent1"/>
+          </a:lnRef>
+          <a:fillRef idx="0">
+            <a:schemeClr val="accent1"/>
+          </a:fillRef>
+          <a:effectRef idx="0">
+            <a:schemeClr val="accent1"/>
+          </a:effectRef>
+          <a:fontRef idx="minor">
+            <a:schemeClr val="tx1"/>
+          </a:fontRef>
+        </p:style>
+      </p:cxnSp>
+      <p:sp>
+        <p:nvSpPr>
+          <p:cNvPr id="86" name="Rechteck: abgerundete Ecken 85">
+            <a:extLst>
+              <a:ext uri="{FF2B5EF4-FFF2-40B4-BE49-F238E27FC236}">
+                <a16:creationId xmlns:a16="http://schemas.microsoft.com/office/drawing/2014/main" id="{D5C7292C-E528-45F2-B978-8D9FD91C9DE2}"/>
+              </a:ext>
+            </a:extLst>
+          </p:cNvPr>
+          <p:cNvSpPr/>
+          <p:nvPr/>
+        </p:nvSpPr>
+        <p:spPr>
+          <a:xfrm>
+            <a:off x="3204173" y="5307367"/>
+            <a:ext cx="1042219" cy="650582"/>
+          </a:xfrm>
+          <a:prstGeom prst="roundRect">
+            <a:avLst/>
+          </a:prstGeom>
+          <a:solidFill>
+            <a:schemeClr val="bg1">
+              <a:lumMod val="95000"/>
+            </a:schemeClr>
+          </a:solidFill>
+          <a:ln>
+            <a:solidFill>
+              <a:schemeClr val="tx1"/>
+            </a:solidFill>
+          </a:ln>
+        </p:spPr>
+        <p:style>
+          <a:lnRef idx="2">
+            <a:schemeClr val="accent1">
+              <a:shade val="50000"/>
+            </a:schemeClr>
+          </a:lnRef>
+          <a:fillRef idx="1">
+            <a:schemeClr val="accent1"/>
+          </a:fillRef>
+          <a:effectRef idx="0">
+            <a:schemeClr val="accent1"/>
+          </a:effectRef>
+          <a:fontRef idx="minor">
+            <a:schemeClr val="lt1"/>
+          </a:fontRef>
+        </p:style>
+        <p:txBody>
+          <a:bodyPr lIns="36000" tIns="36000" rIns="36000" bIns="36000" rtlCol="0" anchor="ctr"/>
+          <a:lstStyle/>
+          <a:p>
+            <a:pPr algn="ctr"/>
+            <a:r>
+              <a:rPr lang="de-DE" sz="1600" dirty="0" err="1">
+                <a:solidFill>
+                  <a:schemeClr val="tx1"/>
+                </a:solidFill>
+              </a:rPr>
+              <a:t>Loading</a:t>
+            </a:r>
+            <a:endParaRPr lang="de-DE" sz="1600" dirty="0">
+              <a:solidFill>
+                <a:schemeClr val="tx1"/>
+              </a:solidFill>
+            </a:endParaRPr>
+          </a:p>
+          <a:p>
+            <a:pPr algn="ctr"/>
+            <a:r>
+              <a:rPr lang="de-DE" sz="1600" dirty="0">
+                <a:solidFill>
+                  <a:schemeClr val="tx1"/>
+                </a:solidFill>
+              </a:rPr>
+              <a:t>control.txt</a:t>
+            </a:r>
+          </a:p>
+          <a:p>
+            <a:pPr algn="ctr"/>
+            <a:endParaRPr lang="de-DE" sz="1600" dirty="0">
+              <a:solidFill>
+                <a:schemeClr val="tx1"/>
+              </a:solidFill>
+            </a:endParaRPr>
+          </a:p>
+        </p:txBody>
+      </p:sp>
+      <p:sp>
+        <p:nvSpPr>
+          <p:cNvPr id="87" name="Rechteck: abgerundete Ecken 86">
+            <a:extLst>
+              <a:ext uri="{FF2B5EF4-FFF2-40B4-BE49-F238E27FC236}">
+                <a16:creationId xmlns:a16="http://schemas.microsoft.com/office/drawing/2014/main" id="{CE11A980-CDA5-4B3A-BA2C-4A9A3C47C90B}"/>
+              </a:ext>
+            </a:extLst>
+          </p:cNvPr>
+          <p:cNvSpPr/>
+          <p:nvPr/>
+        </p:nvSpPr>
+        <p:spPr>
+          <a:xfrm>
+            <a:off x="4990326" y="4837293"/>
+            <a:ext cx="924133" cy="650582"/>
+          </a:xfrm>
+          <a:prstGeom prst="roundRect">
+            <a:avLst/>
+          </a:prstGeom>
+          <a:solidFill>
+            <a:schemeClr val="bg1">
+              <a:lumMod val="95000"/>
+            </a:schemeClr>
+          </a:solidFill>
+          <a:ln>
+            <a:solidFill>
+              <a:schemeClr val="tx1"/>
+            </a:solidFill>
+          </a:ln>
+        </p:spPr>
+        <p:style>
+          <a:lnRef idx="2">
+            <a:schemeClr val="accent1">
+              <a:shade val="50000"/>
+            </a:schemeClr>
+          </a:lnRef>
+          <a:fillRef idx="1">
+            <a:schemeClr val="accent1"/>
+          </a:fillRef>
+          <a:effectRef idx="0">
+            <a:schemeClr val="accent1"/>
+          </a:effectRef>
+          <a:fontRef idx="minor">
+            <a:schemeClr val="lt1"/>
+          </a:fontRef>
+        </p:style>
+        <p:txBody>
+          <a:bodyPr lIns="36000" tIns="36000" rIns="36000" bIns="36000" rtlCol="0" anchor="ctr"/>
+          <a:lstStyle/>
+          <a:p>
+            <a:pPr algn="ctr"/>
+            <a:r>
+              <a:rPr lang="de-DE" sz="1600" dirty="0" err="1">
+                <a:solidFill>
+                  <a:schemeClr val="tx1"/>
+                </a:solidFill>
+              </a:rPr>
+              <a:t>AboutTo</a:t>
+            </a:r>
+            <a:r>
+              <a:rPr lang="de-DE" sz="1600" dirty="0">
+                <a:solidFill>
+                  <a:schemeClr val="tx1"/>
+                </a:solidFill>
+              </a:rPr>
+              <a:t>-Load</a:t>
+            </a:r>
+          </a:p>
+          <a:p>
+            <a:pPr algn="ctr"/>
+            <a:endParaRPr lang="de-DE" sz="1600" dirty="0">
+              <a:solidFill>
+                <a:schemeClr val="tx1"/>
+              </a:solidFill>
+            </a:endParaRPr>
+          </a:p>
+        </p:txBody>
+      </p:sp>
+      <p:cxnSp>
+        <p:nvCxnSpPr>
+          <p:cNvPr id="88" name="Verbinder: gekrümmt 87">
+            <a:extLst>
+              <a:ext uri="{FF2B5EF4-FFF2-40B4-BE49-F238E27FC236}">
+                <a16:creationId xmlns:a16="http://schemas.microsoft.com/office/drawing/2014/main" id="{D2FE9FFF-86D2-46BF-8A49-699B3E9690EC}"/>
+              </a:ext>
+            </a:extLst>
+          </p:cNvPr>
+          <p:cNvCxnSpPr>
+            <a:cxnSpLocks/>
+            <a:stCxn id="5" idx="2"/>
+            <a:endCxn id="87" idx="0"/>
+          </p:cNvCxnSpPr>
+          <p:nvPr/>
+        </p:nvCxnSpPr>
+        <p:spPr>
+          <a:xfrm rot="16200000" flipH="1">
+            <a:off x="4814909" y="4199808"/>
+            <a:ext cx="885841" cy="389128"/>
+          </a:xfrm>
+          <a:prstGeom prst="curvedConnector3">
+            <a:avLst>
+              <a:gd name="adj1" fmla="val 50000"/>
+            </a:avLst>
+          </a:prstGeom>
+          <a:ln w="28575">
+            <a:solidFill>
+              <a:srgbClr val="00B0F0"/>
+            </a:solidFill>
+            <a:tailEnd type="triangle"/>
+          </a:ln>
+        </p:spPr>
+        <p:style>
+          <a:lnRef idx="1">
+            <a:schemeClr val="accent1"/>
+          </a:lnRef>
+          <a:fillRef idx="0">
+            <a:schemeClr val="accent1"/>
+          </a:fillRef>
+          <a:effectRef idx="0">
+            <a:schemeClr val="accent1"/>
+          </a:effectRef>
+          <a:fontRef idx="minor">
+            <a:schemeClr val="tx1"/>
+          </a:fontRef>
+        </p:style>
+      </p:cxnSp>
+      <p:cxnSp>
+        <p:nvCxnSpPr>
+          <p:cNvPr id="91" name="Verbinder: gekrümmt 90">
+            <a:extLst>
+              <a:ext uri="{FF2B5EF4-FFF2-40B4-BE49-F238E27FC236}">
+                <a16:creationId xmlns:a16="http://schemas.microsoft.com/office/drawing/2014/main" id="{2F74275C-A280-44ED-8387-185AA289D6C6}"/>
+              </a:ext>
+            </a:extLst>
+          </p:cNvPr>
+          <p:cNvCxnSpPr>
+            <a:cxnSpLocks/>
+            <a:stCxn id="87" idx="2"/>
+            <a:endCxn id="86" idx="3"/>
+          </p:cNvCxnSpPr>
+          <p:nvPr/>
+        </p:nvCxnSpPr>
+        <p:spPr>
+          <a:xfrm rot="5400000">
+            <a:off x="4777002" y="4957266"/>
+            <a:ext cx="144783" cy="1206001"/>
+          </a:xfrm>
+          <a:prstGeom prst="curvedConnector2">
+            <a:avLst/>
+          </a:prstGeom>
+          <a:ln w="28575">
+            <a:solidFill>
+              <a:srgbClr val="00B0F0"/>
+            </a:solidFill>
+            <a:tailEnd type="triangle"/>
+          </a:ln>
+        </p:spPr>
+        <p:style>
+          <a:lnRef idx="1">
+            <a:schemeClr val="accent1"/>
+          </a:lnRef>
+          <a:fillRef idx="0">
+            <a:schemeClr val="accent1"/>
+          </a:fillRef>
+          <a:effectRef idx="0">
+            <a:schemeClr val="accent1"/>
+          </a:effectRef>
+          <a:fontRef idx="minor">
+            <a:schemeClr val="tx1"/>
+          </a:fontRef>
+        </p:style>
+      </p:cxnSp>
+      <p:cxnSp>
+        <p:nvCxnSpPr>
+          <p:cNvPr id="104" name="Verbinder: gekrümmt 103">
+            <a:extLst>
+              <a:ext uri="{FF2B5EF4-FFF2-40B4-BE49-F238E27FC236}">
+                <a16:creationId xmlns:a16="http://schemas.microsoft.com/office/drawing/2014/main" id="{10980448-BF32-415E-BA78-AF00BF3FB28B}"/>
+              </a:ext>
+            </a:extLst>
+          </p:cNvPr>
+          <p:cNvCxnSpPr>
+            <a:cxnSpLocks/>
+            <a:stCxn id="87" idx="1"/>
+            <a:endCxn id="5" idx="2"/>
+          </p:cNvCxnSpPr>
+          <p:nvPr/>
+        </p:nvCxnSpPr>
+        <p:spPr>
+          <a:xfrm rot="10800000" flipH="1">
+            <a:off x="4990325" y="3951452"/>
+            <a:ext cx="72939" cy="1211132"/>
+          </a:xfrm>
+          <a:prstGeom prst="curvedConnector4">
+            <a:avLst>
+              <a:gd name="adj1" fmla="val -313413"/>
+              <a:gd name="adj2" fmla="val 63429"/>
+            </a:avLst>
+          </a:prstGeom>
+          <a:ln w="28575">
+            <a:solidFill>
+              <a:schemeClr val="bg1">
+                <a:lumMod val="50000"/>
+              </a:schemeClr>
+            </a:solidFill>
+            <a:prstDash val="sysDash"/>
+            <a:tailEnd type="triangle"/>
+          </a:ln>
+        </p:spPr>
+        <p:style>
+          <a:lnRef idx="1">
+            <a:schemeClr val="accent1"/>
+          </a:lnRef>
+          <a:fillRef idx="0">
+            <a:schemeClr val="accent1"/>
+          </a:fillRef>
+          <a:effectRef idx="0">
+            <a:schemeClr val="accent1"/>
+          </a:effectRef>
+          <a:fontRef idx="minor">
+            <a:schemeClr val="tx1"/>
+          </a:fontRef>
+        </p:style>
+      </p:cxnSp>
+      <p:cxnSp>
+        <p:nvCxnSpPr>
+          <p:cNvPr id="125" name="Verbinder: gekrümmt 124">
+            <a:extLst>
+              <a:ext uri="{FF2B5EF4-FFF2-40B4-BE49-F238E27FC236}">
+                <a16:creationId xmlns:a16="http://schemas.microsoft.com/office/drawing/2014/main" id="{1FFD0E75-F876-489A-809A-A9965FA4F009}"/>
+              </a:ext>
+            </a:extLst>
+          </p:cNvPr>
+          <p:cNvCxnSpPr>
+            <a:cxnSpLocks/>
+            <a:stCxn id="4" idx="0"/>
+          </p:cNvCxnSpPr>
+          <p:nvPr/>
+        </p:nvCxnSpPr>
+        <p:spPr>
+          <a:xfrm rot="5400000" flipH="1" flipV="1">
+            <a:off x="3629396" y="3038560"/>
+            <a:ext cx="384198" cy="1559407"/>
+          </a:xfrm>
+          <a:prstGeom prst="curvedConnector2">
+            <a:avLst/>
+          </a:prstGeom>
+          <a:ln w="28575">
+            <a:solidFill>
+              <a:schemeClr val="bg1">
+                <a:lumMod val="50000"/>
+              </a:schemeClr>
+            </a:solidFill>
+            <a:prstDash val="sysDash"/>
+            <a:tailEnd type="triangle"/>
+          </a:ln>
+        </p:spPr>
+        <p:style>
+          <a:lnRef idx="1">
+            <a:schemeClr val="accent1"/>
+          </a:lnRef>
+          <a:fillRef idx="0">
+            <a:schemeClr val="accent1"/>
+          </a:fillRef>
+          <a:effectRef idx="0">
+            <a:schemeClr val="accent1"/>
+          </a:effectRef>
+          <a:fontRef idx="minor">
+            <a:schemeClr val="tx1"/>
+          </a:fontRef>
+        </p:style>
+      </p:cxnSp>
+      <p:cxnSp>
+        <p:nvCxnSpPr>
+          <p:cNvPr id="128" name="Verbinder: gekrümmt 127">
+            <a:extLst>
+              <a:ext uri="{FF2B5EF4-FFF2-40B4-BE49-F238E27FC236}">
+                <a16:creationId xmlns:a16="http://schemas.microsoft.com/office/drawing/2014/main" id="{87B585A6-E139-40DC-8783-72D2D85043D0}"/>
+              </a:ext>
+            </a:extLst>
+          </p:cNvPr>
+          <p:cNvCxnSpPr>
+            <a:cxnSpLocks/>
+            <a:stCxn id="8" idx="0"/>
+            <a:endCxn id="5" idx="3"/>
+          </p:cNvCxnSpPr>
+          <p:nvPr/>
+        </p:nvCxnSpPr>
+        <p:spPr>
+          <a:xfrm rot="16200000" flipV="1">
+            <a:off x="6051046" y="3100446"/>
+            <a:ext cx="709492" cy="1760922"/>
+          </a:xfrm>
+          <a:prstGeom prst="curvedConnector2">
+            <a:avLst/>
+          </a:prstGeom>
+          <a:ln w="28575">
+            <a:solidFill>
+              <a:schemeClr val="bg1">
+                <a:lumMod val="50000"/>
+              </a:schemeClr>
+            </a:solidFill>
+            <a:prstDash val="sysDash"/>
+            <a:tailEnd type="triangle"/>
+          </a:ln>
+        </p:spPr>
+        <p:style>
+          <a:lnRef idx="1">
+            <a:schemeClr val="accent1"/>
+          </a:lnRef>
+          <a:fillRef idx="0">
+            <a:schemeClr val="accent1"/>
+          </a:fillRef>
+          <a:effectRef idx="0">
+            <a:schemeClr val="accent1"/>
+          </a:effectRef>
+          <a:fontRef idx="minor">
+            <a:schemeClr val="tx1"/>
+          </a:fontRef>
+        </p:style>
+      </p:cxnSp>
+      <p:cxnSp>
+        <p:nvCxnSpPr>
+          <p:cNvPr id="132" name="Verbinder: gekrümmt 131">
+            <a:extLst>
+              <a:ext uri="{FF2B5EF4-FFF2-40B4-BE49-F238E27FC236}">
+                <a16:creationId xmlns:a16="http://schemas.microsoft.com/office/drawing/2014/main" id="{C6D775FE-CE03-46B9-9956-946ABC7A6B90}"/>
+              </a:ext>
+            </a:extLst>
+          </p:cNvPr>
+          <p:cNvCxnSpPr>
+            <a:cxnSpLocks/>
+            <a:endCxn id="9" idx="0"/>
+          </p:cNvCxnSpPr>
+          <p:nvPr/>
+        </p:nvCxnSpPr>
+        <p:spPr>
+          <a:xfrm rot="5400000">
+            <a:off x="1989950" y="2429203"/>
+            <a:ext cx="763281" cy="221894"/>
+          </a:xfrm>
+          <a:prstGeom prst="curvedConnector3">
+            <a:avLst>
+              <a:gd name="adj1" fmla="val 50000"/>
+            </a:avLst>
+          </a:prstGeom>
+          <a:ln w="28575">
+            <a:solidFill>
+              <a:srgbClr val="7030A0"/>
+            </a:solidFill>
+            <a:headEnd type="oval"/>
+            <a:tailEnd type="triangle"/>
+          </a:ln>
+        </p:spPr>
+        <p:style>
+          <a:lnRef idx="1">
+            <a:schemeClr val="accent1"/>
+          </a:lnRef>
+          <a:fillRef idx="0">
+            <a:schemeClr val="accent1"/>
+          </a:fillRef>
+          <a:effectRef idx="0">
+            <a:schemeClr val="accent1"/>
+          </a:effectRef>
+          <a:fontRef idx="minor">
+            <a:schemeClr val="tx1"/>
+          </a:fontRef>
+        </p:style>
+      </p:cxnSp>
+      <p:sp>
+        <p:nvSpPr>
+          <p:cNvPr id="135" name="Textfeld 134">
+            <a:extLst>
+              <a:ext uri="{FF2B5EF4-FFF2-40B4-BE49-F238E27FC236}">
+                <a16:creationId xmlns:a16="http://schemas.microsoft.com/office/drawing/2014/main" id="{8A6B2985-179E-4DAB-BA4B-EF3E112E5B46}"/>
+              </a:ext>
+            </a:extLst>
+          </p:cNvPr>
+          <p:cNvSpPr txBox="1"/>
+          <p:nvPr/>
+        </p:nvSpPr>
+        <p:spPr>
+          <a:xfrm>
+            <a:off x="1767725" y="1774308"/>
+            <a:ext cx="1359796" cy="338554"/>
+          </a:xfrm>
+          <a:prstGeom prst="rect">
+            <a:avLst/>
+          </a:prstGeom>
+          <a:noFill/>
+        </p:spPr>
+        <p:txBody>
+          <a:bodyPr wrap="none" rtlCol="0">
+            <a:spAutoFit/>
+          </a:bodyPr>
+          <a:lstStyle/>
+          <a:p>
+            <a:r>
+              <a:rPr lang="de-DE" sz="1600" b="1" dirty="0">
+                <a:solidFill>
+                  <a:srgbClr val="7030A0"/>
+                </a:solidFill>
+              </a:rPr>
+              <a:t>Start </a:t>
+            </a:r>
+            <a:r>
+              <a:rPr lang="de-DE" sz="1600" b="1" dirty="0" err="1">
+                <a:solidFill>
+                  <a:srgbClr val="7030A0"/>
+                </a:solidFill>
+              </a:rPr>
+              <a:t>by</a:t>
+            </a:r>
+            <a:r>
+              <a:rPr lang="de-DE" sz="1600" b="1" dirty="0">
+                <a:solidFill>
+                  <a:srgbClr val="7030A0"/>
+                </a:solidFill>
+              </a:rPr>
+              <a:t> </a:t>
+            </a:r>
+            <a:r>
+              <a:rPr lang="de-DE" sz="1600" b="1" dirty="0" err="1">
+                <a:solidFill>
+                  <a:srgbClr val="7030A0"/>
+                </a:solidFill>
+              </a:rPr>
+              <a:t>timer</a:t>
+            </a:r>
+            <a:endParaRPr lang="de-DE" sz="1600" b="1" dirty="0">
+              <a:solidFill>
+                <a:srgbClr val="7030A0"/>
+              </a:solidFill>
+            </a:endParaRPr>
+          </a:p>
+        </p:txBody>
+      </p:sp>
+      <p:sp>
+        <p:nvSpPr>
+          <p:cNvPr id="136" name="Textfeld 135">
+            <a:extLst>
+              <a:ext uri="{FF2B5EF4-FFF2-40B4-BE49-F238E27FC236}">
+                <a16:creationId xmlns:a16="http://schemas.microsoft.com/office/drawing/2014/main" id="{E1CEA6B5-BF84-4786-9B69-3272D2221D5F}"/>
+              </a:ext>
+            </a:extLst>
+          </p:cNvPr>
+          <p:cNvSpPr txBox="1"/>
+          <p:nvPr/>
+        </p:nvSpPr>
+        <p:spPr>
+          <a:xfrm>
+            <a:off x="7203750" y="5720994"/>
+            <a:ext cx="3030381" cy="1077218"/>
+          </a:xfrm>
+          <a:prstGeom prst="rect">
+            <a:avLst/>
+          </a:prstGeom>
+          <a:noFill/>
+        </p:spPr>
+        <p:txBody>
+          <a:bodyPr wrap="none" rtlCol="0">
+            <a:spAutoFit/>
+          </a:bodyPr>
+          <a:lstStyle/>
+          <a:p>
+            <a:r>
+              <a:rPr lang="de-DE" sz="1600" b="1" dirty="0" err="1">
+                <a:solidFill>
+                  <a:srgbClr val="00B0F0"/>
+                </a:solidFill>
+              </a:rPr>
+              <a:t>GoButton</a:t>
+            </a:r>
+            <a:r>
+              <a:rPr lang="de-DE" sz="1600" b="1" dirty="0">
+                <a:solidFill>
+                  <a:srgbClr val="00B0F0"/>
+                </a:solidFill>
+              </a:rPr>
+              <a:t>                     </a:t>
+            </a:r>
+            <a:r>
+              <a:rPr lang="de-DE" sz="1600" b="1" dirty="0" err="1">
+                <a:solidFill>
+                  <a:srgbClr val="00B0F0"/>
+                </a:solidFill>
+              </a:rPr>
+              <a:t>short</a:t>
+            </a:r>
+            <a:r>
+              <a:rPr lang="de-DE" sz="1600" b="1" dirty="0">
+                <a:solidFill>
+                  <a:srgbClr val="00B0F0"/>
+                </a:solidFill>
+              </a:rPr>
+              <a:t>: &lt; 0.7s</a:t>
+            </a:r>
+          </a:p>
+          <a:p>
+            <a:r>
+              <a:rPr lang="de-DE" sz="1600" b="1" dirty="0">
+                <a:solidFill>
+                  <a:srgbClr val="00B0F0"/>
+                </a:solidFill>
+              </a:rPr>
+              <a:t>                                       </a:t>
+            </a:r>
+            <a:r>
+              <a:rPr lang="de-DE" sz="1600" b="1" dirty="0" err="1">
+                <a:solidFill>
+                  <a:srgbClr val="00B0F0"/>
+                </a:solidFill>
+              </a:rPr>
+              <a:t>long</a:t>
+            </a:r>
+            <a:r>
+              <a:rPr lang="de-DE" sz="1600" b="1" dirty="0">
+                <a:solidFill>
+                  <a:srgbClr val="00B0F0"/>
+                </a:solidFill>
+              </a:rPr>
+              <a:t>: &gt; 0.7s</a:t>
+            </a:r>
+          </a:p>
+          <a:p>
+            <a:r>
+              <a:rPr lang="de-DE" sz="1600" b="1" dirty="0" err="1">
+                <a:solidFill>
+                  <a:schemeClr val="accent2"/>
+                </a:solidFill>
+              </a:rPr>
+              <a:t>BackButton</a:t>
+            </a:r>
+            <a:r>
+              <a:rPr lang="de-DE" sz="1600" b="1" dirty="0">
+                <a:solidFill>
+                  <a:schemeClr val="accent2"/>
+                </a:solidFill>
+              </a:rPr>
+              <a:t>                  xl: &gt; 8s</a:t>
+            </a:r>
+          </a:p>
+          <a:p>
+            <a:r>
+              <a:rPr lang="de-DE" sz="1600" b="1" dirty="0">
+                <a:solidFill>
+                  <a:schemeClr val="tx1">
+                    <a:lumMod val="50000"/>
+                    <a:lumOff val="50000"/>
+                  </a:schemeClr>
+                </a:solidFill>
+              </a:rPr>
+              <a:t>After time / </a:t>
+            </a:r>
+            <a:r>
+              <a:rPr lang="de-DE" sz="1600" b="1" dirty="0" err="1">
+                <a:solidFill>
+                  <a:schemeClr val="tx1">
+                    <a:lumMod val="50000"/>
+                    <a:lumOff val="50000"/>
+                  </a:schemeClr>
+                </a:solidFill>
+              </a:rPr>
+              <a:t>done</a:t>
+            </a:r>
+            <a:r>
+              <a:rPr lang="de-DE" sz="1600" b="1" dirty="0">
+                <a:solidFill>
+                  <a:schemeClr val="tx1">
+                    <a:lumMod val="50000"/>
+                    <a:lumOff val="50000"/>
+                  </a:schemeClr>
+                </a:solidFill>
+              </a:rPr>
+              <a:t>       (</a:t>
+            </a:r>
+            <a:r>
+              <a:rPr lang="de-DE" sz="1600" b="1" dirty="0" err="1">
+                <a:solidFill>
+                  <a:schemeClr val="tx1">
+                    <a:lumMod val="50000"/>
+                    <a:lumOff val="50000"/>
+                  </a:schemeClr>
+                </a:solidFill>
+              </a:rPr>
+              <a:t>dashed</a:t>
+            </a:r>
+            <a:r>
+              <a:rPr lang="de-DE" sz="1600" b="1" dirty="0">
+                <a:solidFill>
+                  <a:schemeClr val="tx1">
+                    <a:lumMod val="50000"/>
+                    <a:lumOff val="50000"/>
+                  </a:schemeClr>
+                </a:solidFill>
+              </a:rPr>
+              <a:t>)</a:t>
+            </a:r>
+          </a:p>
+        </p:txBody>
+      </p:sp>
+      <p:sp>
+        <p:nvSpPr>
+          <p:cNvPr id="139" name="Textfeld 138">
+            <a:extLst>
+              <a:ext uri="{FF2B5EF4-FFF2-40B4-BE49-F238E27FC236}">
+                <a16:creationId xmlns:a16="http://schemas.microsoft.com/office/drawing/2014/main" id="{0BE75B42-CF66-4E11-ABE8-A203F25DAF83}"/>
+              </a:ext>
+            </a:extLst>
+          </p:cNvPr>
+          <p:cNvSpPr txBox="1"/>
+          <p:nvPr/>
+        </p:nvSpPr>
+        <p:spPr>
+          <a:xfrm rot="18485717">
+            <a:off x="3681347" y="4059154"/>
+            <a:ext cx="877163" cy="338554"/>
+          </a:xfrm>
+          <a:prstGeom prst="rect">
+            <a:avLst/>
+          </a:prstGeom>
+          <a:noFill/>
+        </p:spPr>
+        <p:txBody>
+          <a:bodyPr wrap="none" rtlCol="0">
+            <a:spAutoFit/>
+          </a:bodyPr>
+          <a:lstStyle/>
+          <a:p>
+            <a:r>
+              <a:rPr lang="de-DE" sz="1600" b="1" dirty="0">
+                <a:solidFill>
+                  <a:srgbClr val="00B0F0"/>
+                </a:solidFill>
+              </a:rPr>
+              <a:t>1x </a:t>
+            </a:r>
+            <a:r>
+              <a:rPr lang="de-DE" sz="1600" b="1" dirty="0" err="1">
+                <a:solidFill>
+                  <a:srgbClr val="00B0F0"/>
+                </a:solidFill>
+              </a:rPr>
+              <a:t>short</a:t>
+            </a:r>
+            <a:endParaRPr lang="de-DE" sz="1600" b="1" dirty="0">
+              <a:solidFill>
+                <a:srgbClr val="00B0F0"/>
+              </a:solidFill>
+            </a:endParaRPr>
+          </a:p>
+        </p:txBody>
+      </p:sp>
+      <p:sp>
+        <p:nvSpPr>
+          <p:cNvPr id="140" name="Textfeld 139">
+            <a:extLst>
+              <a:ext uri="{FF2B5EF4-FFF2-40B4-BE49-F238E27FC236}">
+                <a16:creationId xmlns:a16="http://schemas.microsoft.com/office/drawing/2014/main" id="{059FBD7C-EE4C-42A6-9848-DD6167C00295}"/>
+              </a:ext>
+            </a:extLst>
+          </p:cNvPr>
+          <p:cNvSpPr txBox="1"/>
+          <p:nvPr/>
+        </p:nvSpPr>
+        <p:spPr>
+          <a:xfrm>
+            <a:off x="1868616" y="3951451"/>
+            <a:ext cx="553357" cy="338554"/>
+          </a:xfrm>
+          <a:prstGeom prst="rect">
+            <a:avLst/>
+          </a:prstGeom>
+          <a:noFill/>
+        </p:spPr>
+        <p:txBody>
+          <a:bodyPr wrap="none" rtlCol="0">
+            <a:spAutoFit/>
+          </a:bodyPr>
+          <a:lstStyle/>
+          <a:p>
+            <a:r>
+              <a:rPr lang="de-DE" sz="1600" b="1" dirty="0" err="1">
+                <a:solidFill>
+                  <a:srgbClr val="00B0F0"/>
+                </a:solidFill>
+              </a:rPr>
+              <a:t>long</a:t>
+            </a:r>
+            <a:endParaRPr lang="de-DE" sz="1600" b="1" dirty="0">
+              <a:solidFill>
+                <a:srgbClr val="00B0F0"/>
+              </a:solidFill>
+            </a:endParaRPr>
+          </a:p>
+        </p:txBody>
+      </p:sp>
+      <p:sp>
+        <p:nvSpPr>
+          <p:cNvPr id="144" name="Textfeld 143">
+            <a:extLst>
+              <a:ext uri="{FF2B5EF4-FFF2-40B4-BE49-F238E27FC236}">
+                <a16:creationId xmlns:a16="http://schemas.microsoft.com/office/drawing/2014/main" id="{3830959C-44F9-4DD6-97B6-7F2B9ABA466D}"/>
+              </a:ext>
+            </a:extLst>
+          </p:cNvPr>
+          <p:cNvSpPr txBox="1"/>
+          <p:nvPr/>
+        </p:nvSpPr>
+        <p:spPr>
+          <a:xfrm rot="3451915">
+            <a:off x="5017414" y="4248589"/>
+            <a:ext cx="966010" cy="338554"/>
+          </a:xfrm>
+          <a:prstGeom prst="rect">
+            <a:avLst/>
+          </a:prstGeom>
+          <a:noFill/>
+        </p:spPr>
+        <p:txBody>
+          <a:bodyPr wrap="square" rtlCol="0">
+            <a:spAutoFit/>
+          </a:bodyPr>
+          <a:lstStyle/>
+          <a:p>
+            <a:r>
+              <a:rPr lang="de-DE" sz="1600" b="1" dirty="0">
+                <a:solidFill>
+                  <a:srgbClr val="00B0F0"/>
+                </a:solidFill>
+              </a:rPr>
+              <a:t>3x </a:t>
+            </a:r>
+            <a:r>
+              <a:rPr lang="de-DE" sz="1600" b="1" dirty="0" err="1">
+                <a:solidFill>
+                  <a:srgbClr val="00B0F0"/>
+                </a:solidFill>
+              </a:rPr>
+              <a:t>short</a:t>
+            </a:r>
+            <a:endParaRPr lang="de-DE" sz="1600" b="1" dirty="0">
+              <a:solidFill>
+                <a:srgbClr val="00B0F0"/>
+              </a:solidFill>
+            </a:endParaRPr>
+          </a:p>
+        </p:txBody>
+      </p:sp>
+      <p:sp>
+        <p:nvSpPr>
+          <p:cNvPr id="145" name="Textfeld 144">
+            <a:extLst>
+              <a:ext uri="{FF2B5EF4-FFF2-40B4-BE49-F238E27FC236}">
+                <a16:creationId xmlns:a16="http://schemas.microsoft.com/office/drawing/2014/main" id="{580DDFAB-6349-4CC0-993C-E2DDD179394B}"/>
+              </a:ext>
+            </a:extLst>
+          </p:cNvPr>
+          <p:cNvSpPr txBox="1"/>
+          <p:nvPr/>
+        </p:nvSpPr>
+        <p:spPr>
+          <a:xfrm rot="3325792">
+            <a:off x="6045664" y="4070326"/>
+            <a:ext cx="877163" cy="338554"/>
+          </a:xfrm>
+          <a:prstGeom prst="rect">
+            <a:avLst/>
+          </a:prstGeom>
+          <a:noFill/>
+        </p:spPr>
+        <p:txBody>
+          <a:bodyPr wrap="none" rtlCol="0">
+            <a:spAutoFit/>
+          </a:bodyPr>
+          <a:lstStyle/>
+          <a:p>
+            <a:r>
+              <a:rPr lang="de-DE" sz="1600" b="1" dirty="0">
+                <a:solidFill>
+                  <a:srgbClr val="00B0F0"/>
+                </a:solidFill>
+              </a:rPr>
+              <a:t>2x </a:t>
+            </a:r>
+            <a:r>
+              <a:rPr lang="de-DE" sz="1600" b="1" dirty="0" err="1">
+                <a:solidFill>
+                  <a:srgbClr val="00B0F0"/>
+                </a:solidFill>
+              </a:rPr>
+              <a:t>short</a:t>
+            </a:r>
+            <a:endParaRPr lang="de-DE" sz="1600" b="1" dirty="0">
+              <a:solidFill>
+                <a:srgbClr val="00B0F0"/>
+              </a:solidFill>
+            </a:endParaRPr>
+          </a:p>
+        </p:txBody>
+      </p:sp>
+      <p:sp>
+        <p:nvSpPr>
+          <p:cNvPr id="146" name="Textfeld 145">
+            <a:extLst>
+              <a:ext uri="{FF2B5EF4-FFF2-40B4-BE49-F238E27FC236}">
+                <a16:creationId xmlns:a16="http://schemas.microsoft.com/office/drawing/2014/main" id="{4F0A0823-D7D4-4DEE-8238-A938B098BF12}"/>
+              </a:ext>
+            </a:extLst>
+          </p:cNvPr>
+          <p:cNvSpPr txBox="1"/>
+          <p:nvPr/>
+        </p:nvSpPr>
+        <p:spPr>
+          <a:xfrm>
+            <a:off x="7998968" y="4094788"/>
+            <a:ext cx="553357" cy="338554"/>
+          </a:xfrm>
+          <a:prstGeom prst="rect">
+            <a:avLst/>
+          </a:prstGeom>
+          <a:noFill/>
+        </p:spPr>
+        <p:txBody>
+          <a:bodyPr wrap="none" rtlCol="0">
+            <a:spAutoFit/>
+          </a:bodyPr>
+          <a:lstStyle/>
+          <a:p>
+            <a:r>
+              <a:rPr lang="de-DE" sz="1600" b="1" dirty="0" err="1">
+                <a:solidFill>
+                  <a:srgbClr val="00B0F0"/>
+                </a:solidFill>
+              </a:rPr>
+              <a:t>long</a:t>
+            </a:r>
+            <a:endParaRPr lang="de-DE" sz="1600" b="1" dirty="0">
+              <a:solidFill>
+                <a:srgbClr val="00B0F0"/>
+              </a:solidFill>
+            </a:endParaRPr>
+          </a:p>
+        </p:txBody>
+      </p:sp>
+      <p:sp>
+        <p:nvSpPr>
+          <p:cNvPr id="147" name="Textfeld 146">
+            <a:extLst>
+              <a:ext uri="{FF2B5EF4-FFF2-40B4-BE49-F238E27FC236}">
+                <a16:creationId xmlns:a16="http://schemas.microsoft.com/office/drawing/2014/main" id="{99E88B96-935D-444D-B273-E77A7E312C7D}"/>
+              </a:ext>
+            </a:extLst>
+          </p:cNvPr>
+          <p:cNvSpPr txBox="1"/>
+          <p:nvPr/>
+        </p:nvSpPr>
+        <p:spPr>
+          <a:xfrm>
+            <a:off x="4605015" y="5551717"/>
+            <a:ext cx="553357" cy="338554"/>
+          </a:xfrm>
+          <a:prstGeom prst="rect">
+            <a:avLst/>
+          </a:prstGeom>
+          <a:noFill/>
+        </p:spPr>
+        <p:txBody>
+          <a:bodyPr wrap="none" rtlCol="0">
+            <a:spAutoFit/>
+          </a:bodyPr>
+          <a:lstStyle/>
+          <a:p>
+            <a:r>
+              <a:rPr lang="de-DE" sz="1600" b="1" dirty="0" err="1">
+                <a:solidFill>
+                  <a:srgbClr val="00B0F0"/>
+                </a:solidFill>
+              </a:rPr>
+              <a:t>long</a:t>
+            </a:r>
+            <a:endParaRPr lang="de-DE" sz="1600" b="1" dirty="0">
+              <a:solidFill>
+                <a:srgbClr val="00B0F0"/>
+              </a:solidFill>
+            </a:endParaRPr>
+          </a:p>
+        </p:txBody>
+      </p:sp>
+      <p:sp>
+        <p:nvSpPr>
+          <p:cNvPr id="148" name="Textfeld 147">
+            <a:extLst>
+              <a:ext uri="{FF2B5EF4-FFF2-40B4-BE49-F238E27FC236}">
+                <a16:creationId xmlns:a16="http://schemas.microsoft.com/office/drawing/2014/main" id="{93C57134-A876-4824-BD61-A359BB209437}"/>
+              </a:ext>
+            </a:extLst>
+          </p:cNvPr>
+          <p:cNvSpPr txBox="1"/>
+          <p:nvPr/>
+        </p:nvSpPr>
+        <p:spPr>
+          <a:xfrm>
+            <a:off x="4217140" y="1732664"/>
+            <a:ext cx="328936" cy="338554"/>
+          </a:xfrm>
+          <a:prstGeom prst="rect">
+            <a:avLst/>
+          </a:prstGeom>
+          <a:noFill/>
+        </p:spPr>
+        <p:txBody>
+          <a:bodyPr wrap="none" rtlCol="0">
+            <a:spAutoFit/>
+          </a:bodyPr>
+          <a:lstStyle/>
+          <a:p>
+            <a:r>
+              <a:rPr lang="de-DE" sz="1600" b="1" dirty="0">
+                <a:solidFill>
+                  <a:srgbClr val="00B0F0"/>
+                </a:solidFill>
+              </a:rPr>
+              <a:t>xl</a:t>
+            </a:r>
+          </a:p>
+        </p:txBody>
+      </p:sp>
+      <p:sp>
+        <p:nvSpPr>
+          <p:cNvPr id="149" name="Textfeld 148">
+            <a:extLst>
+              <a:ext uri="{FF2B5EF4-FFF2-40B4-BE49-F238E27FC236}">
+                <a16:creationId xmlns:a16="http://schemas.microsoft.com/office/drawing/2014/main" id="{9ED3113F-DB50-46DE-9D0D-DEDC0BAD97CA}"/>
+              </a:ext>
+            </a:extLst>
+          </p:cNvPr>
+          <p:cNvSpPr txBox="1"/>
+          <p:nvPr/>
+        </p:nvSpPr>
+        <p:spPr>
+          <a:xfrm>
+            <a:off x="5768682" y="1744332"/>
+            <a:ext cx="553357" cy="338554"/>
+          </a:xfrm>
+          <a:prstGeom prst="rect">
+            <a:avLst/>
+          </a:prstGeom>
+          <a:noFill/>
+        </p:spPr>
+        <p:txBody>
+          <a:bodyPr wrap="square" rtlCol="0">
+            <a:spAutoFit/>
+          </a:bodyPr>
+          <a:lstStyle/>
+          <a:p>
+            <a:r>
+              <a:rPr lang="de-DE" sz="1600" b="1" dirty="0" err="1">
+                <a:solidFill>
+                  <a:schemeClr val="accent2"/>
+                </a:solidFill>
+              </a:rPr>
+              <a:t>long</a:t>
+            </a:r>
+            <a:endParaRPr lang="de-DE" sz="1600" b="1" dirty="0">
+              <a:solidFill>
+                <a:schemeClr val="accent2"/>
+              </a:solidFill>
+            </a:endParaRPr>
+          </a:p>
+        </p:txBody>
+      </p:sp>
+      <p:sp>
+        <p:nvSpPr>
+          <p:cNvPr id="150" name="Textfeld 149">
+            <a:extLst>
+              <a:ext uri="{FF2B5EF4-FFF2-40B4-BE49-F238E27FC236}">
+                <a16:creationId xmlns:a16="http://schemas.microsoft.com/office/drawing/2014/main" id="{749E83C8-C427-4C6D-A874-1C26EC567F03}"/>
+              </a:ext>
+            </a:extLst>
+          </p:cNvPr>
+          <p:cNvSpPr txBox="1"/>
+          <p:nvPr/>
+        </p:nvSpPr>
+        <p:spPr>
+          <a:xfrm>
+            <a:off x="1786062" y="3327140"/>
+            <a:ext cx="1042219" cy="307777"/>
+          </a:xfrm>
+          <a:prstGeom prst="rect">
+            <a:avLst/>
+          </a:prstGeom>
+          <a:noFill/>
+        </p:spPr>
+        <p:txBody>
+          <a:bodyPr wrap="square" rtlCol="0">
+            <a:spAutoFit/>
+          </a:bodyPr>
+          <a:lstStyle/>
+          <a:p>
+            <a:r>
+              <a:rPr lang="de-DE" sz="1400" b="1">
+                <a:solidFill>
+                  <a:srgbClr val="00B050"/>
+                </a:solidFill>
+              </a:rPr>
+              <a:t>0111 1111</a:t>
+            </a:r>
+            <a:endParaRPr lang="de-DE" sz="1400" b="1" dirty="0">
+              <a:solidFill>
+                <a:srgbClr val="00B050"/>
+              </a:solidFill>
+            </a:endParaRPr>
+          </a:p>
+        </p:txBody>
+      </p:sp>
+      <p:sp>
+        <p:nvSpPr>
+          <p:cNvPr id="151" name="Textfeld 150">
+            <a:extLst>
+              <a:ext uri="{FF2B5EF4-FFF2-40B4-BE49-F238E27FC236}">
+                <a16:creationId xmlns:a16="http://schemas.microsoft.com/office/drawing/2014/main" id="{1685C7C3-8680-43DF-8134-8DB665FF8BE5}"/>
+              </a:ext>
+            </a:extLst>
+          </p:cNvPr>
+          <p:cNvSpPr txBox="1"/>
+          <p:nvPr/>
+        </p:nvSpPr>
+        <p:spPr>
+          <a:xfrm>
+            <a:off x="7643992" y="3568323"/>
+            <a:ext cx="1042219" cy="307777"/>
+          </a:xfrm>
+          <a:prstGeom prst="rect">
+            <a:avLst/>
+          </a:prstGeom>
+          <a:noFill/>
+        </p:spPr>
+        <p:txBody>
+          <a:bodyPr wrap="square" rtlCol="0">
+            <a:spAutoFit/>
+          </a:bodyPr>
+          <a:lstStyle/>
+          <a:p>
+            <a:r>
+              <a:rPr lang="de-DE" sz="1400" b="1" dirty="0">
+                <a:solidFill>
+                  <a:srgbClr val="00B050"/>
+                </a:solidFill>
+              </a:rPr>
+              <a:t>0101 1111</a:t>
+            </a:r>
+          </a:p>
+        </p:txBody>
+      </p:sp>
+      <p:sp>
+        <p:nvSpPr>
+          <p:cNvPr id="152" name="Textfeld 151">
+            <a:extLst>
+              <a:ext uri="{FF2B5EF4-FFF2-40B4-BE49-F238E27FC236}">
+                <a16:creationId xmlns:a16="http://schemas.microsoft.com/office/drawing/2014/main" id="{81B2A26A-5C0C-448E-9DA7-A67CCE4F09F9}"/>
+              </a:ext>
+            </a:extLst>
+          </p:cNvPr>
+          <p:cNvSpPr txBox="1"/>
+          <p:nvPr/>
+        </p:nvSpPr>
+        <p:spPr>
+          <a:xfrm>
+            <a:off x="3279827" y="5687644"/>
+            <a:ext cx="1042219" cy="307777"/>
+          </a:xfrm>
+          <a:prstGeom prst="rect">
+            <a:avLst/>
+          </a:prstGeom>
+          <a:noFill/>
+        </p:spPr>
+        <p:txBody>
+          <a:bodyPr wrap="square" rtlCol="0">
+            <a:spAutoFit/>
+          </a:bodyPr>
+          <a:lstStyle/>
+          <a:p>
+            <a:r>
+              <a:rPr lang="de-DE" sz="1400" b="1" dirty="0">
+                <a:solidFill>
+                  <a:srgbClr val="00B050"/>
+                </a:solidFill>
+              </a:rPr>
+              <a:t>0101 0111</a:t>
+            </a:r>
+          </a:p>
+        </p:txBody>
+      </p:sp>
+      <p:sp>
+        <p:nvSpPr>
+          <p:cNvPr id="153" name="Textfeld 152">
+            <a:extLst>
+              <a:ext uri="{FF2B5EF4-FFF2-40B4-BE49-F238E27FC236}">
+                <a16:creationId xmlns:a16="http://schemas.microsoft.com/office/drawing/2014/main" id="{AD595640-7337-4D71-9014-A564944E826F}"/>
+              </a:ext>
+            </a:extLst>
+          </p:cNvPr>
+          <p:cNvSpPr txBox="1"/>
+          <p:nvPr/>
+        </p:nvSpPr>
+        <p:spPr>
+          <a:xfrm>
+            <a:off x="4967753" y="5244951"/>
+            <a:ext cx="1042219" cy="307777"/>
+          </a:xfrm>
+          <a:prstGeom prst="rect">
+            <a:avLst/>
+          </a:prstGeom>
+          <a:noFill/>
+        </p:spPr>
+        <p:txBody>
+          <a:bodyPr wrap="square" rtlCol="0">
+            <a:spAutoFit/>
+          </a:bodyPr>
+          <a:lstStyle/>
+          <a:p>
+            <a:r>
+              <a:rPr lang="de-DE" sz="1400" b="1" dirty="0">
+                <a:solidFill>
+                  <a:srgbClr val="00B050"/>
+                </a:solidFill>
+              </a:rPr>
+              <a:t>1010 1000</a:t>
+            </a:r>
+          </a:p>
+        </p:txBody>
+      </p:sp>
+      <p:sp>
+        <p:nvSpPr>
+          <p:cNvPr id="154" name="Textfeld 153">
+            <a:extLst>
+              <a:ext uri="{FF2B5EF4-FFF2-40B4-BE49-F238E27FC236}">
+                <a16:creationId xmlns:a16="http://schemas.microsoft.com/office/drawing/2014/main" id="{C38E10DD-0132-46FB-A25D-E807956CDF2D}"/>
+              </a:ext>
+            </a:extLst>
+          </p:cNvPr>
+          <p:cNvSpPr txBox="1"/>
+          <p:nvPr/>
+        </p:nvSpPr>
+        <p:spPr>
+          <a:xfrm>
+            <a:off x="6803039" y="4739464"/>
+            <a:ext cx="1042219" cy="307777"/>
+          </a:xfrm>
+          <a:prstGeom prst="rect">
+            <a:avLst/>
+          </a:prstGeom>
+          <a:noFill/>
+        </p:spPr>
+        <p:txBody>
+          <a:bodyPr wrap="square" rtlCol="0">
+            <a:spAutoFit/>
+          </a:bodyPr>
+          <a:lstStyle/>
+          <a:p>
+            <a:r>
+              <a:rPr lang="de-DE" sz="1400" b="1" dirty="0">
+                <a:solidFill>
+                  <a:srgbClr val="00B050"/>
+                </a:solidFill>
+              </a:rPr>
+              <a:t>1010 0000</a:t>
+            </a:r>
+          </a:p>
+        </p:txBody>
+      </p:sp>
+      <p:sp>
+        <p:nvSpPr>
+          <p:cNvPr id="155" name="Textfeld 154">
+            <a:extLst>
+              <a:ext uri="{FF2B5EF4-FFF2-40B4-BE49-F238E27FC236}">
+                <a16:creationId xmlns:a16="http://schemas.microsoft.com/office/drawing/2014/main" id="{CBF8BC27-20EE-49CF-9B56-F474D309C020}"/>
+              </a:ext>
+            </a:extLst>
+          </p:cNvPr>
+          <p:cNvSpPr txBox="1"/>
+          <p:nvPr/>
+        </p:nvSpPr>
+        <p:spPr>
+          <a:xfrm>
+            <a:off x="2548573" y="4425237"/>
+            <a:ext cx="1042219" cy="307777"/>
+          </a:xfrm>
+          <a:prstGeom prst="rect">
+            <a:avLst/>
+          </a:prstGeom>
+          <a:noFill/>
+        </p:spPr>
+        <p:txBody>
+          <a:bodyPr wrap="square" rtlCol="0">
+            <a:spAutoFit/>
+          </a:bodyPr>
+          <a:lstStyle/>
+          <a:p>
+            <a:r>
+              <a:rPr lang="de-DE" sz="1400" b="1" dirty="0">
+                <a:solidFill>
+                  <a:srgbClr val="00B050"/>
+                </a:solidFill>
+              </a:rPr>
+              <a:t>1000 0000</a:t>
+            </a:r>
+          </a:p>
+        </p:txBody>
+      </p:sp>
+      <p:sp>
+        <p:nvSpPr>
+          <p:cNvPr id="156" name="Textfeld 155">
+            <a:extLst>
+              <a:ext uri="{FF2B5EF4-FFF2-40B4-BE49-F238E27FC236}">
+                <a16:creationId xmlns:a16="http://schemas.microsoft.com/office/drawing/2014/main" id="{BCA82DA8-0859-41E2-9D89-975E95DA6E24}"/>
+              </a:ext>
+            </a:extLst>
+          </p:cNvPr>
+          <p:cNvSpPr txBox="1"/>
+          <p:nvPr/>
+        </p:nvSpPr>
+        <p:spPr>
+          <a:xfrm>
+            <a:off x="6248174" y="2091642"/>
+            <a:ext cx="1042219" cy="307777"/>
+          </a:xfrm>
+          <a:prstGeom prst="rect">
+            <a:avLst/>
+          </a:prstGeom>
+          <a:noFill/>
+        </p:spPr>
+        <p:txBody>
+          <a:bodyPr wrap="square" rtlCol="0">
+            <a:spAutoFit/>
+          </a:bodyPr>
+          <a:lstStyle/>
+          <a:p>
+            <a:r>
+              <a:rPr lang="de-DE" sz="1400" b="1" dirty="0">
+                <a:solidFill>
+                  <a:srgbClr val="FF0000"/>
+                </a:solidFill>
+              </a:rPr>
+              <a:t>1010 1010</a:t>
+            </a:r>
+          </a:p>
+        </p:txBody>
+      </p:sp>
+      <p:sp>
+        <p:nvSpPr>
+          <p:cNvPr id="157" name="Textfeld 156">
+            <a:extLst>
+              <a:ext uri="{FF2B5EF4-FFF2-40B4-BE49-F238E27FC236}">
+                <a16:creationId xmlns:a16="http://schemas.microsoft.com/office/drawing/2014/main" id="{EA9C0256-3388-4683-B5FB-DA005B185D1C}"/>
+              </a:ext>
+            </a:extLst>
+          </p:cNvPr>
+          <p:cNvSpPr txBox="1"/>
+          <p:nvPr/>
+        </p:nvSpPr>
+        <p:spPr>
+          <a:xfrm>
+            <a:off x="4580300" y="3698759"/>
+            <a:ext cx="1042219" cy="307777"/>
+          </a:xfrm>
+          <a:prstGeom prst="rect">
+            <a:avLst/>
+          </a:prstGeom>
+          <a:noFill/>
+        </p:spPr>
+        <p:txBody>
+          <a:bodyPr wrap="square" rtlCol="0">
+            <a:spAutoFit/>
+          </a:bodyPr>
+          <a:lstStyle/>
+          <a:p>
+            <a:r>
+              <a:rPr lang="de-DE" sz="1400" b="1" dirty="0">
+                <a:solidFill>
+                  <a:srgbClr val="FF0000"/>
+                </a:solidFill>
+              </a:rPr>
+              <a:t>1000 0000</a:t>
+            </a:r>
+          </a:p>
+        </p:txBody>
+      </p:sp>
+      <p:sp>
+        <p:nvSpPr>
+          <p:cNvPr id="49" name="Rechteck: abgerundete Ecken 48">
+            <a:extLst>
+              <a:ext uri="{FF2B5EF4-FFF2-40B4-BE49-F238E27FC236}">
+                <a16:creationId xmlns:a16="http://schemas.microsoft.com/office/drawing/2014/main" id="{8DC55E30-EB22-44B7-B69D-1D656BC50462}"/>
+              </a:ext>
+            </a:extLst>
+          </p:cNvPr>
+          <p:cNvSpPr/>
+          <p:nvPr/>
+        </p:nvSpPr>
+        <p:spPr>
+          <a:xfrm>
+            <a:off x="4052528" y="2244315"/>
+            <a:ext cx="924133" cy="650582"/>
+          </a:xfrm>
+          <a:prstGeom prst="roundRect">
+            <a:avLst/>
+          </a:prstGeom>
+          <a:solidFill>
+            <a:schemeClr val="bg1">
+              <a:lumMod val="95000"/>
+            </a:schemeClr>
+          </a:solidFill>
+          <a:ln>
+            <a:solidFill>
+              <a:schemeClr val="tx1"/>
+            </a:solidFill>
+          </a:ln>
+        </p:spPr>
+        <p:style>
+          <a:lnRef idx="2">
+            <a:schemeClr val="accent1">
+              <a:shade val="50000"/>
+            </a:schemeClr>
+          </a:lnRef>
+          <a:fillRef idx="1">
+            <a:schemeClr val="accent1"/>
+          </a:fillRef>
+          <a:effectRef idx="0">
+            <a:schemeClr val="accent1"/>
+          </a:effectRef>
+          <a:fontRef idx="minor">
+            <a:schemeClr val="lt1"/>
+          </a:fontRef>
+        </p:style>
+        <p:txBody>
+          <a:bodyPr lIns="36000" tIns="36000" rIns="36000" bIns="36000" rtlCol="0" anchor="ctr"/>
+          <a:lstStyle/>
+          <a:p>
+            <a:pPr algn="ctr"/>
+            <a:r>
+              <a:rPr lang="de-DE" sz="1600" dirty="0" err="1">
+                <a:solidFill>
+                  <a:schemeClr val="tx1"/>
+                </a:solidFill>
+              </a:rPr>
+              <a:t>AboutTo-WakeUp</a:t>
+            </a:r>
+            <a:endParaRPr lang="de-DE" sz="1600" dirty="0">
+              <a:solidFill>
+                <a:schemeClr val="tx1"/>
+              </a:solidFill>
+            </a:endParaRPr>
+          </a:p>
+          <a:p>
+            <a:pPr algn="ctr"/>
+            <a:endParaRPr lang="de-DE" sz="1600" dirty="0">
+              <a:solidFill>
+                <a:schemeClr val="tx1"/>
+              </a:solidFill>
+            </a:endParaRPr>
+          </a:p>
+        </p:txBody>
+      </p:sp>
+      <p:cxnSp>
+        <p:nvCxnSpPr>
+          <p:cNvPr id="53" name="Verbinder: gekrümmt 52">
+            <a:extLst>
+              <a:ext uri="{FF2B5EF4-FFF2-40B4-BE49-F238E27FC236}">
+                <a16:creationId xmlns:a16="http://schemas.microsoft.com/office/drawing/2014/main" id="{46371498-02AE-4A16-873C-4B7A015308E8}"/>
+              </a:ext>
+            </a:extLst>
+          </p:cNvPr>
+          <p:cNvCxnSpPr>
+            <a:cxnSpLocks/>
+            <a:stCxn id="49" idx="2"/>
+            <a:endCxn id="5" idx="0"/>
+          </p:cNvCxnSpPr>
+          <p:nvPr/>
+        </p:nvCxnSpPr>
+        <p:spPr>
+          <a:xfrm rot="16200000" flipH="1">
+            <a:off x="4585944" y="2823548"/>
+            <a:ext cx="405973" cy="548670"/>
+          </a:xfrm>
+          <a:prstGeom prst="curvedConnector3">
+            <a:avLst>
+              <a:gd name="adj1" fmla="val 50000"/>
+            </a:avLst>
+          </a:prstGeom>
+          <a:ln w="28575">
+            <a:solidFill>
+              <a:srgbClr val="00B0F0"/>
+            </a:solidFill>
+            <a:tailEnd type="triangle"/>
+          </a:ln>
+        </p:spPr>
+        <p:style>
+          <a:lnRef idx="1">
+            <a:schemeClr val="accent1"/>
+          </a:lnRef>
+          <a:fillRef idx="0">
+            <a:schemeClr val="accent1"/>
+          </a:fillRef>
+          <a:effectRef idx="0">
+            <a:schemeClr val="accent1"/>
+          </a:effectRef>
+          <a:fontRef idx="minor">
+            <a:schemeClr val="tx1"/>
+          </a:fontRef>
+        </p:style>
+      </p:cxnSp>
+      <p:sp>
+        <p:nvSpPr>
+          <p:cNvPr id="57" name="Rechteck: abgerundete Ecken 56">
+            <a:extLst>
+              <a:ext uri="{FF2B5EF4-FFF2-40B4-BE49-F238E27FC236}">
+                <a16:creationId xmlns:a16="http://schemas.microsoft.com/office/drawing/2014/main" id="{C7445921-74A4-4E94-BA78-89AE4445C008}"/>
+              </a:ext>
+            </a:extLst>
+          </p:cNvPr>
+          <p:cNvSpPr/>
+          <p:nvPr/>
+        </p:nvSpPr>
+        <p:spPr>
+          <a:xfrm>
+            <a:off x="8000853" y="1510892"/>
+            <a:ext cx="924133" cy="650582"/>
+          </a:xfrm>
+          <a:prstGeom prst="roundRect">
+            <a:avLst/>
+          </a:prstGeom>
+          <a:solidFill>
+            <a:schemeClr val="bg1">
+              <a:lumMod val="95000"/>
+            </a:schemeClr>
+          </a:solidFill>
+          <a:ln>
+            <a:solidFill>
+              <a:schemeClr val="tx1"/>
+            </a:solidFill>
+          </a:ln>
+        </p:spPr>
+        <p:style>
+          <a:lnRef idx="2">
+            <a:schemeClr val="accent1">
+              <a:shade val="50000"/>
+            </a:schemeClr>
+          </a:lnRef>
+          <a:fillRef idx="1">
+            <a:schemeClr val="accent1"/>
+          </a:fillRef>
+          <a:effectRef idx="0">
+            <a:schemeClr val="accent1"/>
+          </a:effectRef>
+          <a:fontRef idx="minor">
+            <a:schemeClr val="lt1"/>
+          </a:fontRef>
+        </p:style>
+        <p:txBody>
+          <a:bodyPr lIns="36000" tIns="36000" rIns="36000" bIns="36000" rtlCol="0" anchor="ctr"/>
+          <a:lstStyle/>
+          <a:p>
+            <a:pPr algn="ctr"/>
+            <a:r>
+              <a:rPr lang="de-DE" sz="1600" dirty="0" err="1">
+                <a:solidFill>
+                  <a:schemeClr val="tx1"/>
+                </a:solidFill>
+              </a:rPr>
+              <a:t>PwrDn</a:t>
+            </a:r>
+            <a:endParaRPr lang="de-DE" sz="1600" dirty="0">
+              <a:solidFill>
+                <a:schemeClr val="tx1"/>
+              </a:solidFill>
+            </a:endParaRPr>
+          </a:p>
+        </p:txBody>
+      </p:sp>
+      <p:cxnSp>
+        <p:nvCxnSpPr>
+          <p:cNvPr id="58" name="Verbinder: gekrümmt 57">
+            <a:extLst>
+              <a:ext uri="{FF2B5EF4-FFF2-40B4-BE49-F238E27FC236}">
+                <a16:creationId xmlns:a16="http://schemas.microsoft.com/office/drawing/2014/main" id="{075D2553-C9C7-4611-B4C0-499F7E7B6956}"/>
+              </a:ext>
+            </a:extLst>
+          </p:cNvPr>
+          <p:cNvCxnSpPr>
+            <a:cxnSpLocks/>
+            <a:stCxn id="7" idx="3"/>
+            <a:endCxn id="57" idx="1"/>
+          </p:cNvCxnSpPr>
+          <p:nvPr/>
+        </p:nvCxnSpPr>
+        <p:spPr>
+          <a:xfrm flipV="1">
+            <a:off x="7203750" y="1836183"/>
+            <a:ext cx="797103" cy="187789"/>
+          </a:xfrm>
+          <a:prstGeom prst="curvedConnector3">
+            <a:avLst>
+              <a:gd name="adj1" fmla="val 50000"/>
+            </a:avLst>
+          </a:prstGeom>
+          <a:ln w="28575">
+            <a:solidFill>
+              <a:schemeClr val="accent2"/>
+            </a:solidFill>
+            <a:tailEnd type="triangle"/>
+          </a:ln>
+        </p:spPr>
+        <p:style>
+          <a:lnRef idx="1">
+            <a:schemeClr val="accent1"/>
+          </a:lnRef>
+          <a:fillRef idx="0">
+            <a:schemeClr val="accent1"/>
+          </a:fillRef>
+          <a:effectRef idx="0">
+            <a:schemeClr val="accent1"/>
+          </a:effectRef>
+          <a:fontRef idx="minor">
+            <a:schemeClr val="tx1"/>
+          </a:fontRef>
+        </p:style>
+      </p:cxnSp>
+      <p:cxnSp>
+        <p:nvCxnSpPr>
+          <p:cNvPr id="84" name="Verbinder: gekrümmt 83">
+            <a:extLst>
+              <a:ext uri="{FF2B5EF4-FFF2-40B4-BE49-F238E27FC236}">
+                <a16:creationId xmlns:a16="http://schemas.microsoft.com/office/drawing/2014/main" id="{D1184EB2-0C13-4514-A50A-36EFD71914C1}"/>
+              </a:ext>
+            </a:extLst>
+          </p:cNvPr>
+          <p:cNvCxnSpPr>
+            <a:cxnSpLocks/>
+            <a:stCxn id="7" idx="2"/>
+            <a:endCxn id="5" idx="0"/>
+          </p:cNvCxnSpPr>
+          <p:nvPr/>
+        </p:nvCxnSpPr>
+        <p:spPr>
+          <a:xfrm rot="5400000">
+            <a:off x="5426672" y="1985857"/>
+            <a:ext cx="951607" cy="1678419"/>
+          </a:xfrm>
+          <a:prstGeom prst="curvedConnector3">
+            <a:avLst>
+              <a:gd name="adj1" fmla="val 50000"/>
+            </a:avLst>
+          </a:prstGeom>
+          <a:ln w="28575">
+            <a:solidFill>
+              <a:schemeClr val="accent2"/>
+            </a:solidFill>
+            <a:tailEnd type="triangle"/>
+          </a:ln>
+        </p:spPr>
+        <p:style>
+          <a:lnRef idx="1">
+            <a:schemeClr val="accent1"/>
+          </a:lnRef>
+          <a:fillRef idx="0">
+            <a:schemeClr val="accent1"/>
+          </a:fillRef>
+          <a:effectRef idx="0">
+            <a:schemeClr val="accent1"/>
+          </a:effectRef>
+          <a:fontRef idx="minor">
+            <a:schemeClr val="tx1"/>
+          </a:fontRef>
+        </p:style>
+      </p:cxnSp>
+      <p:sp>
+        <p:nvSpPr>
+          <p:cNvPr id="59" name="Rechteck 58">
+            <a:extLst>
+              <a:ext uri="{FF2B5EF4-FFF2-40B4-BE49-F238E27FC236}">
+                <a16:creationId xmlns:a16="http://schemas.microsoft.com/office/drawing/2014/main" id="{72271442-1FF0-4D8E-8C07-018AB36659AB}"/>
+              </a:ext>
+            </a:extLst>
+          </p:cNvPr>
+          <p:cNvSpPr/>
+          <p:nvPr/>
+        </p:nvSpPr>
+        <p:spPr>
+          <a:xfrm>
+            <a:off x="4031996" y="2636977"/>
+            <a:ext cx="915635" cy="307777"/>
+          </a:xfrm>
+          <a:prstGeom prst="rect">
+            <a:avLst/>
+          </a:prstGeom>
+        </p:spPr>
+        <p:txBody>
+          <a:bodyPr wrap="none">
+            <a:spAutoFit/>
+          </a:bodyPr>
+          <a:lstStyle/>
+          <a:p>
+            <a:r>
+              <a:rPr lang="de-DE" sz="1400" b="1" dirty="0">
+                <a:solidFill>
+                  <a:srgbClr val="FF0000"/>
+                </a:solidFill>
+              </a:rPr>
+              <a:t>1</a:t>
+            </a:r>
+            <a:r>
+              <a:rPr lang="de-DE" sz="1400" b="1" dirty="0">
+                <a:solidFill>
+                  <a:srgbClr val="00B050"/>
+                </a:solidFill>
+              </a:rPr>
+              <a:t>1</a:t>
+            </a:r>
+            <a:r>
+              <a:rPr lang="de-DE" sz="1400" b="1" dirty="0">
+                <a:solidFill>
+                  <a:srgbClr val="FF0000"/>
+                </a:solidFill>
+              </a:rPr>
+              <a:t>1</a:t>
+            </a:r>
+            <a:r>
+              <a:rPr lang="de-DE" sz="1400" b="1" dirty="0">
+                <a:solidFill>
+                  <a:srgbClr val="00B050"/>
+                </a:solidFill>
+              </a:rPr>
+              <a:t>10000</a:t>
+            </a:r>
+            <a:endParaRPr lang="de-DE" dirty="0"/>
+          </a:p>
+        </p:txBody>
+      </p:sp>
+      <p:sp>
+        <p:nvSpPr>
+          <p:cNvPr id="54" name="Rechteck 53">
+            <a:extLst>
+              <a:ext uri="{FF2B5EF4-FFF2-40B4-BE49-F238E27FC236}">
+                <a16:creationId xmlns:a16="http://schemas.microsoft.com/office/drawing/2014/main" id="{B07AABEE-B607-4E09-A90F-8C4398825CAB}"/>
+              </a:ext>
+            </a:extLst>
+          </p:cNvPr>
+          <p:cNvSpPr/>
+          <p:nvPr/>
+        </p:nvSpPr>
+        <p:spPr>
+          <a:xfrm>
+            <a:off x="0" y="0"/>
+            <a:ext cx="12192000" cy="405442"/>
+          </a:xfrm>
+          <a:prstGeom prst="rect">
+            <a:avLst/>
+          </a:prstGeom>
+          <a:solidFill>
+            <a:schemeClr val="bg1">
+              <a:lumMod val="95000"/>
+            </a:schemeClr>
+          </a:solidFill>
+          <a:ln>
+            <a:solidFill>
+              <a:schemeClr val="tx1"/>
+            </a:solidFill>
+          </a:ln>
+        </p:spPr>
+        <p:style>
+          <a:lnRef idx="2">
+            <a:schemeClr val="accent1">
+              <a:shade val="50000"/>
+            </a:schemeClr>
+          </a:lnRef>
+          <a:fillRef idx="1">
+            <a:schemeClr val="accent1"/>
+          </a:fillRef>
+          <a:effectRef idx="0">
+            <a:schemeClr val="accent1"/>
+          </a:effectRef>
+          <a:fontRef idx="minor">
+            <a:schemeClr val="lt1"/>
+          </a:fontRef>
+        </p:style>
+        <p:txBody>
+          <a:bodyPr lIns="180000" tIns="36000" rIns="36000" bIns="36000" numCol="2" rtlCol="0" anchor="ctr"/>
+          <a:lstStyle/>
+          <a:p>
+            <a:r>
+              <a:rPr lang="de-DE" sz="1600" dirty="0" err="1">
+                <a:solidFill>
+                  <a:schemeClr val="tx1"/>
+                </a:solidFill>
+              </a:rPr>
+              <a:t>RaspiGarden</a:t>
+            </a:r>
+            <a:r>
+              <a:rPr lang="de-DE" sz="1600" dirty="0">
+                <a:solidFill>
+                  <a:schemeClr val="tx1"/>
+                </a:solidFill>
+              </a:rPr>
+              <a:t>	Button User Interface</a:t>
+            </a:r>
+          </a:p>
+          <a:p>
+            <a:endParaRPr lang="de-DE" sz="1600" dirty="0">
+              <a:solidFill>
+                <a:schemeClr val="tx1"/>
+              </a:solidFill>
+            </a:endParaRPr>
+          </a:p>
+        </p:txBody>
+      </p:sp>
+    </p:spTree>
+    <p:extLst>
+      <p:ext uri="{BB962C8B-B14F-4D97-AF65-F5344CB8AC3E}">
+        <p14:creationId xmlns:p14="http://schemas.microsoft.com/office/powerpoint/2010/main" val="2474460717"/>
+      </p:ext>
+    </p:extLst>
+  </p:cSld>
+  <p:clrMapOvr>
+    <a:masterClrMapping/>
+  </p:clrMapOvr>
+</p:sld>
+</file>
+
+<file path=ppt/slides/slide3.xml><?xml version="1.0" encoding="utf-8"?>
+<p:sld xmlns:a="http://schemas.openxmlformats.org/drawingml/2006/main" xmlns:r="http://schemas.openxmlformats.org/officeDocument/2006/relationships" xmlns:p="http://schemas.openxmlformats.org/presentationml/2006/main">
+  <p:cSld>
+    <p:spTree>
+      <p:nvGrpSpPr>
+        <p:cNvPr id="1" name=""/>
+        <p:cNvGrpSpPr/>
+        <p:nvPr/>
+      </p:nvGrpSpPr>
+      <p:grpSpPr>
+        <a:xfrm>
+          <a:off x="0" y="0"/>
+          <a:ext cx="0" cy="0"/>
+          <a:chOff x="0" y="0"/>
+          <a:chExt cx="0" cy="0"/>
+        </a:xfrm>
+      </p:grpSpPr>
+      <p:cxnSp>
+        <p:nvCxnSpPr>
           <p:cNvPr id="5" name="Gerade Verbindung mit Pfeil 4">
             <a:extLst>
               <a:ext uri="{FF2B5EF4-FFF2-40B4-BE49-F238E27FC236}">
@@ -7406,7 +8703,7 @@
 </p:sld>
 </file>
 
-<file path=ppt/slides/slide3.xml><?xml version="1.0" encoding="utf-8"?>
+<file path=ppt/slides/slide4.xml><?xml version="1.0" encoding="utf-8"?>
 <p:sld xmlns:a="http://schemas.openxmlformats.org/drawingml/2006/main" xmlns:r="http://schemas.openxmlformats.org/officeDocument/2006/relationships" xmlns:p="http://schemas.openxmlformats.org/presentationml/2006/main">
   <p:cSld>
     <p:spTree>
